--- a/Presentation/PPT/Presentation 4.pptx
+++ b/Presentation/PPT/Presentation 4.pptx
@@ -16479,7 +16479,7 @@
             <a:fld id="{3739F75B-3842-4986-B379-A25F65D2E2D9}" type="datetimeFigureOut">
               <a:rPr lang="en-US" smtClean="0"/>
               <a:pPr/>
-              <a:t>9/1/2017</a:t>
+              <a:t>9/3/2017</a:t>
             </a:fld>
             <a:endParaRPr lang="en-US"/>
           </a:p>
@@ -16625,7 +16625,7 @@
             <a:fld id="{866387FC-CCBE-45D6-8023-B2729909DF51}" type="datetimeFigureOut">
               <a:rPr lang="en-US" smtClean="0"/>
               <a:pPr/>
-              <a:t>9/1/2017</a:t>
+              <a:t>9/3/2017</a:t>
             </a:fld>
             <a:endParaRPr lang="en-US"/>
           </a:p>
@@ -16955,7 +16955,7 @@
             <a:fld id="{866387FC-CCBE-45D6-8023-B2729909DF51}" type="datetimeFigureOut">
               <a:rPr lang="en-US" smtClean="0"/>
               <a:pPr/>
-              <a:t>9/1/2017</a:t>
+              <a:t>9/3/2017</a:t>
             </a:fld>
             <a:endParaRPr lang="en-US"/>
           </a:p>
@@ -17104,7 +17104,7 @@
             <a:fld id="{866387FC-CCBE-45D6-8023-B2729909DF51}" type="datetimeFigureOut">
               <a:rPr lang="en-US" smtClean="0"/>
               <a:pPr/>
-              <a:t>9/1/2017</a:t>
+              <a:t>9/3/2017</a:t>
             </a:fld>
             <a:endParaRPr lang="en-US"/>
           </a:p>
@@ -17253,7 +17253,7 @@
             <a:fld id="{866387FC-CCBE-45D6-8023-B2729909DF51}" type="datetimeFigureOut">
               <a:rPr lang="en-US" smtClean="0"/>
               <a:pPr/>
-              <a:t>9/1/2017</a:t>
+              <a:t>9/3/2017</a:t>
             </a:fld>
             <a:endParaRPr lang="en-US"/>
           </a:p>
@@ -17410,7 +17410,7 @@
             <a:fld id="{866387FC-CCBE-45D6-8023-B2729909DF51}" type="datetimeFigureOut">
               <a:rPr lang="en-US" smtClean="0"/>
               <a:pPr/>
-              <a:t>9/1/2017</a:t>
+              <a:t>9/3/2017</a:t>
             </a:fld>
             <a:endParaRPr lang="en-US"/>
           </a:p>
@@ -17564,7 +17564,7 @@
             <a:fld id="{866387FC-CCBE-45D6-8023-B2729909DF51}" type="datetimeFigureOut">
               <a:rPr lang="en-US" smtClean="0"/>
               <a:pPr/>
-              <a:t>9/1/2017</a:t>
+              <a:t>9/3/2017</a:t>
             </a:fld>
             <a:endParaRPr lang="en-US"/>
           </a:p>
@@ -17718,7 +17718,7 @@
             <a:fld id="{866387FC-CCBE-45D6-8023-B2729909DF51}" type="datetimeFigureOut">
               <a:rPr lang="en-US" smtClean="0"/>
               <a:pPr/>
-              <a:t>9/1/2017</a:t>
+              <a:t>9/3/2017</a:t>
             </a:fld>
             <a:endParaRPr lang="en-US"/>
           </a:p>
@@ -18176,7 +18176,7 @@
             <a:fld id="{633EFA78-DE0E-433D-8CFA-D9FBF0D95DCD}" type="datetime1">
               <a:rPr lang="en-US" smtClean="0"/>
               <a:pPr/>
-              <a:t>9/1/2017</a:t>
+              <a:t>9/3/2017</a:t>
             </a:fld>
             <a:endParaRPr lang="en-US"/>
           </a:p>
@@ -18353,7 +18353,7 @@
             <a:fld id="{4427F9C6-20A9-45D8-B666-D95AD1AA535F}" type="datetime1">
               <a:rPr lang="en-US" smtClean="0"/>
               <a:pPr/>
-              <a:t>9/1/2017</a:t>
+              <a:t>9/3/2017</a:t>
             </a:fld>
             <a:endParaRPr lang="en-US"/>
           </a:p>
@@ -18468,7 +18468,7 @@
             <a:fld id="{5AFB2161-9FCA-498A-A51E-7B90071250E8}" type="datetime1">
               <a:rPr lang="en-US" smtClean="0"/>
               <a:pPr/>
-              <a:t>9/1/2017</a:t>
+              <a:t>9/3/2017</a:t>
             </a:fld>
             <a:endParaRPr lang="en-US"/>
           </a:p>
@@ -18720,7 +18720,7 @@
             <a:fld id="{9F5395AF-258B-4502-92DF-E211AA281B41}" type="datetime1">
               <a:rPr lang="en-US" smtClean="0"/>
               <a:pPr/>
-              <a:t>9/1/2017</a:t>
+              <a:t>9/3/2017</a:t>
             </a:fld>
             <a:endParaRPr lang="en-US"/>
           </a:p>
@@ -18949,7 +18949,7 @@
             <a:fld id="{A1099F1B-DCEB-4336-9EB0-63F5002A04E3}" type="datetimeFigureOut">
               <a:rPr lang="en-US" smtClean="0"/>
               <a:pPr/>
-              <a:t>9/1/2017</a:t>
+              <a:t>9/3/2017</a:t>
             </a:fld>
             <a:endParaRPr lang="en-US"/>
           </a:p>
@@ -19116,7 +19116,7 @@
             <a:fld id="{A1099F1B-DCEB-4336-9EB0-63F5002A04E3}" type="datetimeFigureOut">
               <a:rPr lang="en-US" smtClean="0"/>
               <a:pPr/>
-              <a:t>9/1/2017</a:t>
+              <a:t>9/3/2017</a:t>
             </a:fld>
             <a:endParaRPr lang="en-US"/>
           </a:p>
@@ -19345,7 +19345,7 @@
             <a:fld id="{A1099F1B-DCEB-4336-9EB0-63F5002A04E3}" type="datetimeFigureOut">
               <a:rPr lang="en-US" smtClean="0"/>
               <a:pPr/>
-              <a:t>9/1/2017</a:t>
+              <a:t>9/3/2017</a:t>
             </a:fld>
             <a:endParaRPr lang="en-US"/>
           </a:p>
@@ -19786,7 +19786,7 @@
             <a:fld id="{1BC102A9-C1B1-4354-89E4-F43472216A4F}" type="datetime1">
               <a:rPr lang="en-US" smtClean="0"/>
               <a:pPr algn="r"/>
-              <a:t>9/1/2017</a:t>
+              <a:t>9/3/2017</a:t>
             </a:fld>
             <a:endParaRPr lang="en-US" sz="1000" dirty="0">
               <a:solidFill>
@@ -25737,18 +25737,13 @@
             </a:pPr>
             <a:r>
               <a:rPr lang="en-US" sz="3000" dirty="0"/>
-              <a:t>Build self-confidence in talking to other people using other dialects</a:t>
+              <a:t>Build self-confidence in talking to other people who speak </a:t>
             </a:r>
-          </a:p>
-          <a:p>
-            <a:pPr>
-              <a:buFont typeface="Wingdings 2" panose="05020102010507070707" pitchFamily="18" charset="2"/>
-              <a:buChar char="R"/>
-            </a:pPr>
             <a:r>
-              <a:rPr lang="en-US" sz="3000" dirty="0"/>
-              <a:t>Make travelling in the Philippines so much easier</a:t>
+              <a:rPr lang="en-US" sz="3000"/>
+              <a:t>different dialect</a:t>
             </a:r>
+            <a:endParaRPr lang="en-US" sz="3000" dirty="0"/>
           </a:p>
         </p:txBody>
       </p:sp>

--- a/Presentation/PPT/Presentation 4.pptx
+++ b/Presentation/PPT/Presentation 4.pptx
@@ -16479,7 +16479,7 @@
             <a:fld id="{3739F75B-3842-4986-B379-A25F65D2E2D9}" type="datetimeFigureOut">
               <a:rPr lang="en-US" smtClean="0"/>
               <a:pPr/>
-              <a:t>9/3/2017</a:t>
+              <a:t>9/4/2017</a:t>
             </a:fld>
             <a:endParaRPr lang="en-US"/>
           </a:p>
@@ -16625,7 +16625,7 @@
             <a:fld id="{866387FC-CCBE-45D6-8023-B2729909DF51}" type="datetimeFigureOut">
               <a:rPr lang="en-US" smtClean="0"/>
               <a:pPr/>
-              <a:t>9/3/2017</a:t>
+              <a:t>9/4/2017</a:t>
             </a:fld>
             <a:endParaRPr lang="en-US"/>
           </a:p>
@@ -16955,7 +16955,7 @@
             <a:fld id="{866387FC-CCBE-45D6-8023-B2729909DF51}" type="datetimeFigureOut">
               <a:rPr lang="en-US" smtClean="0"/>
               <a:pPr/>
-              <a:t>9/3/2017</a:t>
+              <a:t>9/4/2017</a:t>
             </a:fld>
             <a:endParaRPr lang="en-US"/>
           </a:p>
@@ -17104,7 +17104,7 @@
             <a:fld id="{866387FC-CCBE-45D6-8023-B2729909DF51}" type="datetimeFigureOut">
               <a:rPr lang="en-US" smtClean="0"/>
               <a:pPr/>
-              <a:t>9/3/2017</a:t>
+              <a:t>9/4/2017</a:t>
             </a:fld>
             <a:endParaRPr lang="en-US"/>
           </a:p>
@@ -17253,7 +17253,7 @@
             <a:fld id="{866387FC-CCBE-45D6-8023-B2729909DF51}" type="datetimeFigureOut">
               <a:rPr lang="en-US" smtClean="0"/>
               <a:pPr/>
-              <a:t>9/3/2017</a:t>
+              <a:t>9/4/2017</a:t>
             </a:fld>
             <a:endParaRPr lang="en-US"/>
           </a:p>
@@ -17410,7 +17410,7 @@
             <a:fld id="{866387FC-CCBE-45D6-8023-B2729909DF51}" type="datetimeFigureOut">
               <a:rPr lang="en-US" smtClean="0"/>
               <a:pPr/>
-              <a:t>9/3/2017</a:t>
+              <a:t>9/4/2017</a:t>
             </a:fld>
             <a:endParaRPr lang="en-US"/>
           </a:p>
@@ -17564,7 +17564,7 @@
             <a:fld id="{866387FC-CCBE-45D6-8023-B2729909DF51}" type="datetimeFigureOut">
               <a:rPr lang="en-US" smtClean="0"/>
               <a:pPr/>
-              <a:t>9/3/2017</a:t>
+              <a:t>9/4/2017</a:t>
             </a:fld>
             <a:endParaRPr lang="en-US"/>
           </a:p>
@@ -17718,7 +17718,7 @@
             <a:fld id="{866387FC-CCBE-45D6-8023-B2729909DF51}" type="datetimeFigureOut">
               <a:rPr lang="en-US" smtClean="0"/>
               <a:pPr/>
-              <a:t>9/3/2017</a:t>
+              <a:t>9/4/2017</a:t>
             </a:fld>
             <a:endParaRPr lang="en-US"/>
           </a:p>
@@ -18176,7 +18176,7 @@
             <a:fld id="{633EFA78-DE0E-433D-8CFA-D9FBF0D95DCD}" type="datetime1">
               <a:rPr lang="en-US" smtClean="0"/>
               <a:pPr/>
-              <a:t>9/3/2017</a:t>
+              <a:t>9/4/2017</a:t>
             </a:fld>
             <a:endParaRPr lang="en-US"/>
           </a:p>
@@ -18353,7 +18353,7 @@
             <a:fld id="{4427F9C6-20A9-45D8-B666-D95AD1AA535F}" type="datetime1">
               <a:rPr lang="en-US" smtClean="0"/>
               <a:pPr/>
-              <a:t>9/3/2017</a:t>
+              <a:t>9/4/2017</a:t>
             </a:fld>
             <a:endParaRPr lang="en-US"/>
           </a:p>
@@ -18468,7 +18468,7 @@
             <a:fld id="{5AFB2161-9FCA-498A-A51E-7B90071250E8}" type="datetime1">
               <a:rPr lang="en-US" smtClean="0"/>
               <a:pPr/>
-              <a:t>9/3/2017</a:t>
+              <a:t>9/4/2017</a:t>
             </a:fld>
             <a:endParaRPr lang="en-US"/>
           </a:p>
@@ -18720,7 +18720,7 @@
             <a:fld id="{9F5395AF-258B-4502-92DF-E211AA281B41}" type="datetime1">
               <a:rPr lang="en-US" smtClean="0"/>
               <a:pPr/>
-              <a:t>9/3/2017</a:t>
+              <a:t>9/4/2017</a:t>
             </a:fld>
             <a:endParaRPr lang="en-US"/>
           </a:p>
@@ -18949,7 +18949,7 @@
             <a:fld id="{A1099F1B-DCEB-4336-9EB0-63F5002A04E3}" type="datetimeFigureOut">
               <a:rPr lang="en-US" smtClean="0"/>
               <a:pPr/>
-              <a:t>9/3/2017</a:t>
+              <a:t>9/4/2017</a:t>
             </a:fld>
             <a:endParaRPr lang="en-US"/>
           </a:p>
@@ -19116,7 +19116,7 @@
             <a:fld id="{A1099F1B-DCEB-4336-9EB0-63F5002A04E3}" type="datetimeFigureOut">
               <a:rPr lang="en-US" smtClean="0"/>
               <a:pPr/>
-              <a:t>9/3/2017</a:t>
+              <a:t>9/4/2017</a:t>
             </a:fld>
             <a:endParaRPr lang="en-US"/>
           </a:p>
@@ -19345,7 +19345,7 @@
             <a:fld id="{A1099F1B-DCEB-4336-9EB0-63F5002A04E3}" type="datetimeFigureOut">
               <a:rPr lang="en-US" smtClean="0"/>
               <a:pPr/>
-              <a:t>9/3/2017</a:t>
+              <a:t>9/4/2017</a:t>
             </a:fld>
             <a:endParaRPr lang="en-US"/>
           </a:p>
@@ -19786,7 +19786,7 @@
             <a:fld id="{1BC102A9-C1B1-4354-89E4-F43472216A4F}" type="datetime1">
               <a:rPr lang="en-US" smtClean="0"/>
               <a:pPr algn="r"/>
-              <a:t>9/3/2017</a:t>
+              <a:t>9/4/2017</a:t>
             </a:fld>
             <a:endParaRPr lang="en-US" sz="1000" dirty="0">
               <a:solidFill>
@@ -20612,7 +20612,7 @@
             </a:pPr>
             <a:r>
               <a:rPr lang="en-US" sz="3000" dirty="0"/>
-              <a:t>Filipinos/Foreigners</a:t>
+              <a:t>Filipinos and Foreigners</a:t>
             </a:r>
           </a:p>
           <a:p>
@@ -20622,7 +20622,7 @@
             </a:pPr>
             <a:r>
               <a:rPr lang="en-US" sz="3000" dirty="0"/>
-              <a:t>Both female and male</a:t>
+              <a:t>Male and Female users</a:t>
             </a:r>
           </a:p>
           <a:p>
@@ -20632,7 +20632,7 @@
             </a:pPr>
             <a:r>
               <a:rPr lang="en-US" sz="3000" dirty="0"/>
-              <a:t>18 and above</a:t>
+              <a:t>18 years old and above</a:t>
             </a:r>
           </a:p>
           <a:p>

--- a/Presentation/PPT/Presentation 4.pptx
+++ b/Presentation/PPT/Presentation 4.pptx
@@ -5,10 +5,10 @@
     <p:sldMasterId id="2147483664" r:id="rId2"/>
   </p:sldMasterIdLst>
   <p:notesMasterIdLst>
-    <p:notesMasterId r:id="rId33"/>
+    <p:notesMasterId r:id="rId34"/>
   </p:notesMasterIdLst>
   <p:handoutMasterIdLst>
-    <p:handoutMasterId r:id="rId34"/>
+    <p:handoutMasterId r:id="rId35"/>
   </p:handoutMasterIdLst>
   <p:sldIdLst>
     <p:sldId id="256" r:id="rId3"/>
@@ -23,24 +23,25 @@
     <p:sldId id="267" r:id="rId12"/>
     <p:sldId id="292" r:id="rId13"/>
     <p:sldId id="269" r:id="rId14"/>
-    <p:sldId id="295" r:id="rId15"/>
-    <p:sldId id="270" r:id="rId16"/>
-    <p:sldId id="279" r:id="rId17"/>
-    <p:sldId id="272" r:id="rId18"/>
-    <p:sldId id="294" r:id="rId19"/>
-    <p:sldId id="273" r:id="rId20"/>
-    <p:sldId id="293" r:id="rId21"/>
-    <p:sldId id="274" r:id="rId22"/>
-    <p:sldId id="275" r:id="rId23"/>
-    <p:sldId id="284" r:id="rId24"/>
-    <p:sldId id="283" r:id="rId25"/>
-    <p:sldId id="285" r:id="rId26"/>
-    <p:sldId id="280" r:id="rId27"/>
-    <p:sldId id="286" r:id="rId28"/>
-    <p:sldId id="287" r:id="rId29"/>
-    <p:sldId id="288" r:id="rId30"/>
-    <p:sldId id="289" r:id="rId31"/>
-    <p:sldId id="290" r:id="rId32"/>
+    <p:sldId id="270" r:id="rId15"/>
+    <p:sldId id="279" r:id="rId16"/>
+    <p:sldId id="272" r:id="rId17"/>
+    <p:sldId id="294" r:id="rId18"/>
+    <p:sldId id="296" r:id="rId19"/>
+    <p:sldId id="295" r:id="rId20"/>
+    <p:sldId id="273" r:id="rId21"/>
+    <p:sldId id="293" r:id="rId22"/>
+    <p:sldId id="274" r:id="rId23"/>
+    <p:sldId id="275" r:id="rId24"/>
+    <p:sldId id="284" r:id="rId25"/>
+    <p:sldId id="283" r:id="rId26"/>
+    <p:sldId id="285" r:id="rId27"/>
+    <p:sldId id="280" r:id="rId28"/>
+    <p:sldId id="286" r:id="rId29"/>
+    <p:sldId id="287" r:id="rId30"/>
+    <p:sldId id="288" r:id="rId31"/>
+    <p:sldId id="289" r:id="rId32"/>
+    <p:sldId id="290" r:id="rId33"/>
   </p:sldIdLst>
   <p:sldSz cx="9144000" cy="6858000" type="screen4x3"/>
   <p:notesSz cx="6997700" cy="9283700"/>
@@ -5689,264 +5690,6 @@
 <file path=ppt/diagrams/data4.xml><?xml version="1.0" encoding="utf-8"?>
 <dgm:dataModel xmlns:dgm="http://schemas.openxmlformats.org/drawingml/2006/diagram" xmlns:a="http://schemas.openxmlformats.org/drawingml/2006/main">
   <dgm:ptLst>
-    <dgm:pt modelId="{97D3F531-5BB8-4D17-AED5-6BBCBB23F6B2}" type="doc">
-      <dgm:prSet loTypeId="urn:microsoft.com/office/officeart/2005/8/layout/funnel1" loCatId="relationship" qsTypeId="urn:microsoft.com/office/officeart/2005/8/quickstyle/simple1" qsCatId="simple" csTypeId="urn:microsoft.com/office/officeart/2005/8/colors/accent1_2" csCatId="accent1" phldr="1"/>
-      <dgm:spPr/>
-      <dgm:t>
-        <a:bodyPr/>
-        <a:lstStyle/>
-        <a:p>
-          <a:endParaRPr lang="en-US"/>
-        </a:p>
-      </dgm:t>
-    </dgm:pt>
-    <dgm:pt modelId="{51C1408F-8BEC-4902-8014-463AC54AC5A2}">
-      <dgm:prSet phldrT="[Text]" custT="1"/>
-      <dgm:spPr/>
-      <dgm:t>
-        <a:bodyPr/>
-        <a:lstStyle/>
-        <a:p>
-          <a:r>
-            <a:rPr lang="en-US" sz="1400" dirty="0"/>
-            <a:t>Travel Agency</a:t>
-          </a:r>
-        </a:p>
-        <a:p>
-          <a:r>
-            <a:rPr lang="en-US" sz="1400" dirty="0"/>
-            <a:t>Travel Company Website</a:t>
-          </a:r>
-        </a:p>
-        <a:p>
-          <a:r>
-            <a:rPr lang="en-US" sz="1400" dirty="0"/>
-            <a:t>D.O.T</a:t>
-          </a:r>
-        </a:p>
-      </dgm:t>
-    </dgm:pt>
-    <dgm:pt modelId="{23975A75-A249-4A82-B8E8-AE0AFC2E39A1}" type="parTrans" cxnId="{2B2A0BC7-B164-4463-A69C-CA4570B5DE57}">
-      <dgm:prSet/>
-      <dgm:spPr/>
-      <dgm:t>
-        <a:bodyPr/>
-        <a:lstStyle/>
-        <a:p>
-          <a:endParaRPr lang="en-US"/>
-        </a:p>
-      </dgm:t>
-    </dgm:pt>
-    <dgm:pt modelId="{A30C63DE-1802-4586-AE67-8D72C78F4841}" type="sibTrans" cxnId="{2B2A0BC7-B164-4463-A69C-CA4570B5DE57}">
-      <dgm:prSet/>
-      <dgm:spPr/>
-      <dgm:t>
-        <a:bodyPr/>
-        <a:lstStyle/>
-        <a:p>
-          <a:endParaRPr lang="en-US"/>
-        </a:p>
-      </dgm:t>
-    </dgm:pt>
-    <dgm:pt modelId="{826DF2FB-628A-4CDB-8003-E6D0347A5117}">
-      <dgm:prSet phldrT="[Text]"/>
-      <dgm:spPr/>
-      <dgm:t>
-        <a:bodyPr/>
-        <a:lstStyle/>
-        <a:p>
-          <a:r>
-            <a:rPr lang="en-US" dirty="0"/>
-            <a:t>Social Media Ads</a:t>
-          </a:r>
-        </a:p>
-        <a:p>
-          <a:r>
-            <a:rPr lang="en-US" dirty="0"/>
-            <a:t>Influencer’s Blog</a:t>
-          </a:r>
-        </a:p>
-      </dgm:t>
-    </dgm:pt>
-    <dgm:pt modelId="{A65B6F5D-05E6-4F11-A599-1211BF87A973}" type="parTrans" cxnId="{A398D454-D6F1-45FA-8969-16B6318672C1}">
-      <dgm:prSet/>
-      <dgm:spPr/>
-      <dgm:t>
-        <a:bodyPr/>
-        <a:lstStyle/>
-        <a:p>
-          <a:endParaRPr lang="en-US"/>
-        </a:p>
-      </dgm:t>
-    </dgm:pt>
-    <dgm:pt modelId="{E6FF1FB0-054C-4F4E-B89A-71E298D5A324}" type="sibTrans" cxnId="{A398D454-D6F1-45FA-8969-16B6318672C1}">
-      <dgm:prSet/>
-      <dgm:spPr/>
-      <dgm:t>
-        <a:bodyPr/>
-        <a:lstStyle/>
-        <a:p>
-          <a:endParaRPr lang="en-US"/>
-        </a:p>
-      </dgm:t>
-    </dgm:pt>
-    <dgm:pt modelId="{95919428-F01C-476E-BFBD-352D28C559A7}">
-      <dgm:prSet phldrT="[Text]"/>
-      <dgm:spPr/>
-      <dgm:t>
-        <a:bodyPr/>
-        <a:lstStyle/>
-        <a:p>
-          <a:r>
-            <a:rPr lang="en-US" dirty="0"/>
-            <a:t>Customer’s Feedback</a:t>
-          </a:r>
-        </a:p>
-      </dgm:t>
-    </dgm:pt>
-    <dgm:pt modelId="{34BEF668-2EE4-4C7F-BBB4-97A5A7C49737}" type="parTrans" cxnId="{A2301E7F-89D0-4365-A8A6-ED10C5CDDE33}">
-      <dgm:prSet/>
-      <dgm:spPr/>
-      <dgm:t>
-        <a:bodyPr/>
-        <a:lstStyle/>
-        <a:p>
-          <a:endParaRPr lang="en-US"/>
-        </a:p>
-      </dgm:t>
-    </dgm:pt>
-    <dgm:pt modelId="{35A521F6-C114-4F36-98EE-382D6BE0A5AD}" type="sibTrans" cxnId="{A2301E7F-89D0-4365-A8A6-ED10C5CDDE33}">
-      <dgm:prSet/>
-      <dgm:spPr/>
-      <dgm:t>
-        <a:bodyPr/>
-        <a:lstStyle/>
-        <a:p>
-          <a:endParaRPr lang="en-US"/>
-        </a:p>
-      </dgm:t>
-    </dgm:pt>
-    <dgm:pt modelId="{C992637A-2047-4D63-A1B2-5AADA53B026E}">
-      <dgm:prSet phldrT="[Text]"/>
-      <dgm:spPr/>
-      <dgm:t>
-        <a:bodyPr/>
-        <a:lstStyle/>
-        <a:p>
-          <a:r>
-            <a:rPr lang="en-US" dirty="0"/>
-            <a:t>Sales Funnel</a:t>
-          </a:r>
-        </a:p>
-      </dgm:t>
-    </dgm:pt>
-    <dgm:pt modelId="{50590985-D4E8-42D7-A67C-601FC80B26D9}" type="parTrans" cxnId="{178018AF-AC7A-414F-AE48-18B92482AD6D}">
-      <dgm:prSet/>
-      <dgm:spPr/>
-      <dgm:t>
-        <a:bodyPr/>
-        <a:lstStyle/>
-        <a:p>
-          <a:endParaRPr lang="en-US"/>
-        </a:p>
-      </dgm:t>
-    </dgm:pt>
-    <dgm:pt modelId="{A72D8A17-1A2A-471D-8E91-8468FC51AB1E}" type="sibTrans" cxnId="{178018AF-AC7A-414F-AE48-18B92482AD6D}">
-      <dgm:prSet/>
-      <dgm:spPr/>
-      <dgm:t>
-        <a:bodyPr/>
-        <a:lstStyle/>
-        <a:p>
-          <a:endParaRPr lang="en-US"/>
-        </a:p>
-      </dgm:t>
-    </dgm:pt>
-    <dgm:pt modelId="{43484FC9-1A94-4170-A19A-405BEE3BCDDD}" type="pres">
-      <dgm:prSet presAssocID="{97D3F531-5BB8-4D17-AED5-6BBCBB23F6B2}" presName="Name0" presStyleCnt="0">
-        <dgm:presLayoutVars>
-          <dgm:chMax val="4"/>
-          <dgm:resizeHandles val="exact"/>
-        </dgm:presLayoutVars>
-      </dgm:prSet>
-      <dgm:spPr/>
-    </dgm:pt>
-    <dgm:pt modelId="{571C7BC7-835E-4EBC-BFDC-A8906B97BC5F}" type="pres">
-      <dgm:prSet presAssocID="{97D3F531-5BB8-4D17-AED5-6BBCBB23F6B2}" presName="ellipse" presStyleLbl="trBgShp" presStyleIdx="0" presStyleCnt="1"/>
-      <dgm:spPr/>
-    </dgm:pt>
-    <dgm:pt modelId="{4DE91573-F76F-4026-8941-FDDC137A47E4}" type="pres">
-      <dgm:prSet presAssocID="{97D3F531-5BB8-4D17-AED5-6BBCBB23F6B2}" presName="arrow1" presStyleLbl="fgShp" presStyleIdx="0" presStyleCnt="1"/>
-      <dgm:spPr/>
-    </dgm:pt>
-    <dgm:pt modelId="{375E99DE-0465-4A0E-9213-ADD7140DC951}" type="pres">
-      <dgm:prSet presAssocID="{97D3F531-5BB8-4D17-AED5-6BBCBB23F6B2}" presName="rectangle" presStyleLbl="revTx" presStyleIdx="0" presStyleCnt="1">
-        <dgm:presLayoutVars>
-          <dgm:bulletEnabled val="1"/>
-        </dgm:presLayoutVars>
-      </dgm:prSet>
-      <dgm:spPr/>
-    </dgm:pt>
-    <dgm:pt modelId="{EEFF9738-13B3-4A3C-B745-BA430F6F7E51}" type="pres">
-      <dgm:prSet presAssocID="{826DF2FB-628A-4CDB-8003-E6D0347A5117}" presName="item1" presStyleLbl="node1" presStyleIdx="0" presStyleCnt="3">
-        <dgm:presLayoutVars>
-          <dgm:bulletEnabled val="1"/>
-        </dgm:presLayoutVars>
-      </dgm:prSet>
-      <dgm:spPr/>
-    </dgm:pt>
-    <dgm:pt modelId="{D1957E61-FF5C-4E9F-8C0B-89A40F2944AF}" type="pres">
-      <dgm:prSet presAssocID="{95919428-F01C-476E-BFBD-352D28C559A7}" presName="item2" presStyleLbl="node1" presStyleIdx="1" presStyleCnt="3" custLinFactNeighborY="1843">
-        <dgm:presLayoutVars>
-          <dgm:bulletEnabled val="1"/>
-        </dgm:presLayoutVars>
-      </dgm:prSet>
-      <dgm:spPr/>
-    </dgm:pt>
-    <dgm:pt modelId="{1DF77DD4-42DA-4C2F-A2AD-618DA802347D}" type="pres">
-      <dgm:prSet presAssocID="{C992637A-2047-4D63-A1B2-5AADA53B026E}" presName="item3" presStyleLbl="node1" presStyleIdx="2" presStyleCnt="3">
-        <dgm:presLayoutVars>
-          <dgm:bulletEnabled val="1"/>
-        </dgm:presLayoutVars>
-      </dgm:prSet>
-      <dgm:spPr/>
-    </dgm:pt>
-    <dgm:pt modelId="{DFFE7824-1935-459E-93CD-BD36A34B5DD1}" type="pres">
-      <dgm:prSet presAssocID="{97D3F531-5BB8-4D17-AED5-6BBCBB23F6B2}" presName="funnel" presStyleLbl="trAlignAcc1" presStyleIdx="0" presStyleCnt="1" custLinFactNeighborX="258" custLinFactNeighborY="-400"/>
-      <dgm:spPr/>
-    </dgm:pt>
-  </dgm:ptLst>
-  <dgm:cxnLst>
-    <dgm:cxn modelId="{0490F928-176A-4F2C-AE04-F1762680F5E3}" type="presOf" srcId="{95919428-F01C-476E-BFBD-352D28C559A7}" destId="{EEFF9738-13B3-4A3C-B745-BA430F6F7E51}" srcOrd="0" destOrd="0" presId="urn:microsoft.com/office/officeart/2005/8/layout/funnel1"/>
-    <dgm:cxn modelId="{A398D454-D6F1-45FA-8969-16B6318672C1}" srcId="{97D3F531-5BB8-4D17-AED5-6BBCBB23F6B2}" destId="{826DF2FB-628A-4CDB-8003-E6D0347A5117}" srcOrd="1" destOrd="0" parTransId="{A65B6F5D-05E6-4F11-A599-1211BF87A973}" sibTransId="{E6FF1FB0-054C-4F4E-B89A-71E298D5A324}"/>
-    <dgm:cxn modelId="{A2301E7F-89D0-4365-A8A6-ED10C5CDDE33}" srcId="{97D3F531-5BB8-4D17-AED5-6BBCBB23F6B2}" destId="{95919428-F01C-476E-BFBD-352D28C559A7}" srcOrd="2" destOrd="0" parTransId="{34BEF668-2EE4-4C7F-BBB4-97A5A7C49737}" sibTransId="{35A521F6-C114-4F36-98EE-382D6BE0A5AD}"/>
-    <dgm:cxn modelId="{9B294AAB-FD51-4CF9-86CA-527835A56B9E}" type="presOf" srcId="{51C1408F-8BEC-4902-8014-463AC54AC5A2}" destId="{1DF77DD4-42DA-4C2F-A2AD-618DA802347D}" srcOrd="0" destOrd="0" presId="urn:microsoft.com/office/officeart/2005/8/layout/funnel1"/>
-    <dgm:cxn modelId="{178018AF-AC7A-414F-AE48-18B92482AD6D}" srcId="{97D3F531-5BB8-4D17-AED5-6BBCBB23F6B2}" destId="{C992637A-2047-4D63-A1B2-5AADA53B026E}" srcOrd="3" destOrd="0" parTransId="{50590985-D4E8-42D7-A67C-601FC80B26D9}" sibTransId="{A72D8A17-1A2A-471D-8E91-8468FC51AB1E}"/>
-    <dgm:cxn modelId="{2B2A0BC7-B164-4463-A69C-CA4570B5DE57}" srcId="{97D3F531-5BB8-4D17-AED5-6BBCBB23F6B2}" destId="{51C1408F-8BEC-4902-8014-463AC54AC5A2}" srcOrd="0" destOrd="0" parTransId="{23975A75-A249-4A82-B8E8-AE0AFC2E39A1}" sibTransId="{A30C63DE-1802-4586-AE67-8D72C78F4841}"/>
-    <dgm:cxn modelId="{FA2373D7-954E-4DEA-A0CA-45F7FBC453AE}" type="presOf" srcId="{97D3F531-5BB8-4D17-AED5-6BBCBB23F6B2}" destId="{43484FC9-1A94-4170-A19A-405BEE3BCDDD}" srcOrd="0" destOrd="0" presId="urn:microsoft.com/office/officeart/2005/8/layout/funnel1"/>
-    <dgm:cxn modelId="{05097EEA-EDFD-4028-932D-AD6D7C6B9632}" type="presOf" srcId="{826DF2FB-628A-4CDB-8003-E6D0347A5117}" destId="{D1957E61-FF5C-4E9F-8C0B-89A40F2944AF}" srcOrd="0" destOrd="0" presId="urn:microsoft.com/office/officeart/2005/8/layout/funnel1"/>
-    <dgm:cxn modelId="{94DFE2F9-E215-4629-9BD6-5E118B61B34C}" type="presOf" srcId="{C992637A-2047-4D63-A1B2-5AADA53B026E}" destId="{375E99DE-0465-4A0E-9213-ADD7140DC951}" srcOrd="0" destOrd="0" presId="urn:microsoft.com/office/officeart/2005/8/layout/funnel1"/>
-    <dgm:cxn modelId="{3FB54B73-303B-4154-9AED-06108B42A359}" type="presParOf" srcId="{43484FC9-1A94-4170-A19A-405BEE3BCDDD}" destId="{571C7BC7-835E-4EBC-BFDC-A8906B97BC5F}" srcOrd="0" destOrd="0" presId="urn:microsoft.com/office/officeart/2005/8/layout/funnel1"/>
-    <dgm:cxn modelId="{B454F4F8-A4BD-487D-92FA-2CC6E422238D}" type="presParOf" srcId="{43484FC9-1A94-4170-A19A-405BEE3BCDDD}" destId="{4DE91573-F76F-4026-8941-FDDC137A47E4}" srcOrd="1" destOrd="0" presId="urn:microsoft.com/office/officeart/2005/8/layout/funnel1"/>
-    <dgm:cxn modelId="{ABBE4A8E-4698-49F4-A340-8D7968721F37}" type="presParOf" srcId="{43484FC9-1A94-4170-A19A-405BEE3BCDDD}" destId="{375E99DE-0465-4A0E-9213-ADD7140DC951}" srcOrd="2" destOrd="0" presId="urn:microsoft.com/office/officeart/2005/8/layout/funnel1"/>
-    <dgm:cxn modelId="{7CE3A4FE-4565-4F1E-B778-156597460DC0}" type="presParOf" srcId="{43484FC9-1A94-4170-A19A-405BEE3BCDDD}" destId="{EEFF9738-13B3-4A3C-B745-BA430F6F7E51}" srcOrd="3" destOrd="0" presId="urn:microsoft.com/office/officeart/2005/8/layout/funnel1"/>
-    <dgm:cxn modelId="{DED91D7F-AB44-445E-B882-06D158693D34}" type="presParOf" srcId="{43484FC9-1A94-4170-A19A-405BEE3BCDDD}" destId="{D1957E61-FF5C-4E9F-8C0B-89A40F2944AF}" srcOrd="4" destOrd="0" presId="urn:microsoft.com/office/officeart/2005/8/layout/funnel1"/>
-    <dgm:cxn modelId="{A6B6DAB2-232E-437F-A247-CABB29FE7BBE}" type="presParOf" srcId="{43484FC9-1A94-4170-A19A-405BEE3BCDDD}" destId="{1DF77DD4-42DA-4C2F-A2AD-618DA802347D}" srcOrd="5" destOrd="0" presId="urn:microsoft.com/office/officeart/2005/8/layout/funnel1"/>
-    <dgm:cxn modelId="{AC3D74B0-3B0A-4FAC-942F-BC78474809F7}" type="presParOf" srcId="{43484FC9-1A94-4170-A19A-405BEE3BCDDD}" destId="{DFFE7824-1935-459E-93CD-BD36A34B5DD1}" srcOrd="6" destOrd="0" presId="urn:microsoft.com/office/officeart/2005/8/layout/funnel1"/>
-  </dgm:cxnLst>
-  <dgm:bg/>
-  <dgm:whole/>
-  <dgm:extLst>
-    <a:ext uri="http://schemas.microsoft.com/office/drawing/2008/diagram">
-      <dsp:dataModelExt xmlns:dsp="http://schemas.microsoft.com/office/drawing/2008/diagram" relId="rId6" minVer="http://schemas.openxmlformats.org/drawingml/2006/diagram"/>
-    </a:ext>
-  </dgm:extLst>
-</dgm:dataModel>
-</file>
-
-<file path=ppt/diagrams/data5.xml><?xml version="1.0" encoding="utf-8"?>
-<dgm:dataModel xmlns:dgm="http://schemas.openxmlformats.org/drawingml/2006/diagram" xmlns:a="http://schemas.openxmlformats.org/drawingml/2006/main">
-  <dgm:ptLst>
     <dgm:pt modelId="{FF7764D9-07D2-455C-AE21-A7639F77AFDC}" type="doc">
       <dgm:prSet loTypeId="urn:diagrams.loki3.com/VaryingWidthList" loCatId="list" qsTypeId="urn:microsoft.com/office/officeart/2005/8/quickstyle/simple1" qsCatId="simple" csTypeId="urn:microsoft.com/office/officeart/2005/8/colors/accent1_2" csCatId="accent1" phldr="1"/>
       <dgm:spPr/>
@@ -6235,7 +5978,7 @@
 </dgm:dataModel>
 </file>
 
-<file path=ppt/diagrams/data6.xml><?xml version="1.0" encoding="utf-8"?>
+<file path=ppt/diagrams/data5.xml><?xml version="1.0" encoding="utf-8"?>
 <dgm:dataModel xmlns:dgm="http://schemas.openxmlformats.org/drawingml/2006/diagram" xmlns:a="http://schemas.openxmlformats.org/drawingml/2006/main">
   <dgm:ptLst>
     <dgm:pt modelId="{FF7764D9-07D2-455C-AE21-A7639F77AFDC}" type="doc">
@@ -6411,6 +6154,264 @@
     <dgm:cxn modelId="{1803F25F-A034-47BD-9267-FA3B0CC02C2A}" type="presParOf" srcId="{815E33A5-8645-4FE9-9E46-1F7CDB1DC570}" destId="{FBAE0CDF-97F5-4670-B798-25312DD5276F}" srcOrd="2" destOrd="0" presId="urn:diagrams.loki3.com/VaryingWidthList"/>
     <dgm:cxn modelId="{BBD23BF0-2D99-4C17-A03A-8CADA80F9695}" type="presParOf" srcId="{815E33A5-8645-4FE9-9E46-1F7CDB1DC570}" destId="{A14D7CA2-E6D9-4C5B-B5A8-00DD7946FFAE}" srcOrd="3" destOrd="0" presId="urn:diagrams.loki3.com/VaryingWidthList"/>
     <dgm:cxn modelId="{491AE0A9-C874-4330-ACDD-AABCC9254C11}" type="presParOf" srcId="{815E33A5-8645-4FE9-9E46-1F7CDB1DC570}" destId="{AE0604BC-D12A-4D46-92BA-C63AF5153431}" srcOrd="4" destOrd="0" presId="urn:diagrams.loki3.com/VaryingWidthList"/>
+  </dgm:cxnLst>
+  <dgm:bg/>
+  <dgm:whole/>
+  <dgm:extLst>
+    <a:ext uri="http://schemas.microsoft.com/office/drawing/2008/diagram">
+      <dsp:dataModelExt xmlns:dsp="http://schemas.microsoft.com/office/drawing/2008/diagram" relId="rId6" minVer="http://schemas.openxmlformats.org/drawingml/2006/diagram"/>
+    </a:ext>
+  </dgm:extLst>
+</dgm:dataModel>
+</file>
+
+<file path=ppt/diagrams/data6.xml><?xml version="1.0" encoding="utf-8"?>
+<dgm:dataModel xmlns:dgm="http://schemas.openxmlformats.org/drawingml/2006/diagram" xmlns:a="http://schemas.openxmlformats.org/drawingml/2006/main">
+  <dgm:ptLst>
+    <dgm:pt modelId="{97D3F531-5BB8-4D17-AED5-6BBCBB23F6B2}" type="doc">
+      <dgm:prSet loTypeId="urn:microsoft.com/office/officeart/2005/8/layout/funnel1" loCatId="relationship" qsTypeId="urn:microsoft.com/office/officeart/2005/8/quickstyle/simple1" qsCatId="simple" csTypeId="urn:microsoft.com/office/officeart/2005/8/colors/accent1_2" csCatId="accent1" phldr="1"/>
+      <dgm:spPr/>
+      <dgm:t>
+        <a:bodyPr/>
+        <a:lstStyle/>
+        <a:p>
+          <a:endParaRPr lang="en-US"/>
+        </a:p>
+      </dgm:t>
+    </dgm:pt>
+    <dgm:pt modelId="{51C1408F-8BEC-4902-8014-463AC54AC5A2}">
+      <dgm:prSet phldrT="[Text]" custT="1"/>
+      <dgm:spPr/>
+      <dgm:t>
+        <a:bodyPr/>
+        <a:lstStyle/>
+        <a:p>
+          <a:r>
+            <a:rPr lang="en-US" sz="1400" dirty="0"/>
+            <a:t>Travel Agency</a:t>
+          </a:r>
+        </a:p>
+        <a:p>
+          <a:r>
+            <a:rPr lang="en-US" sz="1400" dirty="0"/>
+            <a:t>Travel Company Website</a:t>
+          </a:r>
+        </a:p>
+        <a:p>
+          <a:r>
+            <a:rPr lang="en-US" sz="1400" dirty="0"/>
+            <a:t>D.O.T</a:t>
+          </a:r>
+        </a:p>
+      </dgm:t>
+    </dgm:pt>
+    <dgm:pt modelId="{23975A75-A249-4A82-B8E8-AE0AFC2E39A1}" type="parTrans" cxnId="{2B2A0BC7-B164-4463-A69C-CA4570B5DE57}">
+      <dgm:prSet/>
+      <dgm:spPr/>
+      <dgm:t>
+        <a:bodyPr/>
+        <a:lstStyle/>
+        <a:p>
+          <a:endParaRPr lang="en-US"/>
+        </a:p>
+      </dgm:t>
+    </dgm:pt>
+    <dgm:pt modelId="{A30C63DE-1802-4586-AE67-8D72C78F4841}" type="sibTrans" cxnId="{2B2A0BC7-B164-4463-A69C-CA4570B5DE57}">
+      <dgm:prSet/>
+      <dgm:spPr/>
+      <dgm:t>
+        <a:bodyPr/>
+        <a:lstStyle/>
+        <a:p>
+          <a:endParaRPr lang="en-US"/>
+        </a:p>
+      </dgm:t>
+    </dgm:pt>
+    <dgm:pt modelId="{826DF2FB-628A-4CDB-8003-E6D0347A5117}">
+      <dgm:prSet phldrT="[Text]"/>
+      <dgm:spPr/>
+      <dgm:t>
+        <a:bodyPr/>
+        <a:lstStyle/>
+        <a:p>
+          <a:r>
+            <a:rPr lang="en-US" dirty="0"/>
+            <a:t>Social Media Ads</a:t>
+          </a:r>
+        </a:p>
+        <a:p>
+          <a:r>
+            <a:rPr lang="en-US" dirty="0"/>
+            <a:t>Influencer’s Blog</a:t>
+          </a:r>
+        </a:p>
+      </dgm:t>
+    </dgm:pt>
+    <dgm:pt modelId="{A65B6F5D-05E6-4F11-A599-1211BF87A973}" type="parTrans" cxnId="{A398D454-D6F1-45FA-8969-16B6318672C1}">
+      <dgm:prSet/>
+      <dgm:spPr/>
+      <dgm:t>
+        <a:bodyPr/>
+        <a:lstStyle/>
+        <a:p>
+          <a:endParaRPr lang="en-US"/>
+        </a:p>
+      </dgm:t>
+    </dgm:pt>
+    <dgm:pt modelId="{E6FF1FB0-054C-4F4E-B89A-71E298D5A324}" type="sibTrans" cxnId="{A398D454-D6F1-45FA-8969-16B6318672C1}">
+      <dgm:prSet/>
+      <dgm:spPr/>
+      <dgm:t>
+        <a:bodyPr/>
+        <a:lstStyle/>
+        <a:p>
+          <a:endParaRPr lang="en-US"/>
+        </a:p>
+      </dgm:t>
+    </dgm:pt>
+    <dgm:pt modelId="{95919428-F01C-476E-BFBD-352D28C559A7}">
+      <dgm:prSet phldrT="[Text]"/>
+      <dgm:spPr/>
+      <dgm:t>
+        <a:bodyPr/>
+        <a:lstStyle/>
+        <a:p>
+          <a:r>
+            <a:rPr lang="en-US" dirty="0"/>
+            <a:t>Customer’s Feedback</a:t>
+          </a:r>
+        </a:p>
+      </dgm:t>
+    </dgm:pt>
+    <dgm:pt modelId="{34BEF668-2EE4-4C7F-BBB4-97A5A7C49737}" type="parTrans" cxnId="{A2301E7F-89D0-4365-A8A6-ED10C5CDDE33}">
+      <dgm:prSet/>
+      <dgm:spPr/>
+      <dgm:t>
+        <a:bodyPr/>
+        <a:lstStyle/>
+        <a:p>
+          <a:endParaRPr lang="en-US"/>
+        </a:p>
+      </dgm:t>
+    </dgm:pt>
+    <dgm:pt modelId="{35A521F6-C114-4F36-98EE-382D6BE0A5AD}" type="sibTrans" cxnId="{A2301E7F-89D0-4365-A8A6-ED10C5CDDE33}">
+      <dgm:prSet/>
+      <dgm:spPr/>
+      <dgm:t>
+        <a:bodyPr/>
+        <a:lstStyle/>
+        <a:p>
+          <a:endParaRPr lang="en-US"/>
+        </a:p>
+      </dgm:t>
+    </dgm:pt>
+    <dgm:pt modelId="{C992637A-2047-4D63-A1B2-5AADA53B026E}">
+      <dgm:prSet phldrT="[Text]"/>
+      <dgm:spPr/>
+      <dgm:t>
+        <a:bodyPr/>
+        <a:lstStyle/>
+        <a:p>
+          <a:r>
+            <a:rPr lang="en-US" dirty="0"/>
+            <a:t>Sales Funnel</a:t>
+          </a:r>
+        </a:p>
+      </dgm:t>
+    </dgm:pt>
+    <dgm:pt modelId="{50590985-D4E8-42D7-A67C-601FC80B26D9}" type="parTrans" cxnId="{178018AF-AC7A-414F-AE48-18B92482AD6D}">
+      <dgm:prSet/>
+      <dgm:spPr/>
+      <dgm:t>
+        <a:bodyPr/>
+        <a:lstStyle/>
+        <a:p>
+          <a:endParaRPr lang="en-US"/>
+        </a:p>
+      </dgm:t>
+    </dgm:pt>
+    <dgm:pt modelId="{A72D8A17-1A2A-471D-8E91-8468FC51AB1E}" type="sibTrans" cxnId="{178018AF-AC7A-414F-AE48-18B92482AD6D}">
+      <dgm:prSet/>
+      <dgm:spPr/>
+      <dgm:t>
+        <a:bodyPr/>
+        <a:lstStyle/>
+        <a:p>
+          <a:endParaRPr lang="en-US"/>
+        </a:p>
+      </dgm:t>
+    </dgm:pt>
+    <dgm:pt modelId="{43484FC9-1A94-4170-A19A-405BEE3BCDDD}" type="pres">
+      <dgm:prSet presAssocID="{97D3F531-5BB8-4D17-AED5-6BBCBB23F6B2}" presName="Name0" presStyleCnt="0">
+        <dgm:presLayoutVars>
+          <dgm:chMax val="4"/>
+          <dgm:resizeHandles val="exact"/>
+        </dgm:presLayoutVars>
+      </dgm:prSet>
+      <dgm:spPr/>
+    </dgm:pt>
+    <dgm:pt modelId="{571C7BC7-835E-4EBC-BFDC-A8906B97BC5F}" type="pres">
+      <dgm:prSet presAssocID="{97D3F531-5BB8-4D17-AED5-6BBCBB23F6B2}" presName="ellipse" presStyleLbl="trBgShp" presStyleIdx="0" presStyleCnt="1"/>
+      <dgm:spPr/>
+    </dgm:pt>
+    <dgm:pt modelId="{4DE91573-F76F-4026-8941-FDDC137A47E4}" type="pres">
+      <dgm:prSet presAssocID="{97D3F531-5BB8-4D17-AED5-6BBCBB23F6B2}" presName="arrow1" presStyleLbl="fgShp" presStyleIdx="0" presStyleCnt="1"/>
+      <dgm:spPr/>
+    </dgm:pt>
+    <dgm:pt modelId="{375E99DE-0465-4A0E-9213-ADD7140DC951}" type="pres">
+      <dgm:prSet presAssocID="{97D3F531-5BB8-4D17-AED5-6BBCBB23F6B2}" presName="rectangle" presStyleLbl="revTx" presStyleIdx="0" presStyleCnt="1">
+        <dgm:presLayoutVars>
+          <dgm:bulletEnabled val="1"/>
+        </dgm:presLayoutVars>
+      </dgm:prSet>
+      <dgm:spPr/>
+    </dgm:pt>
+    <dgm:pt modelId="{EEFF9738-13B3-4A3C-B745-BA430F6F7E51}" type="pres">
+      <dgm:prSet presAssocID="{826DF2FB-628A-4CDB-8003-E6D0347A5117}" presName="item1" presStyleLbl="node1" presStyleIdx="0" presStyleCnt="3">
+        <dgm:presLayoutVars>
+          <dgm:bulletEnabled val="1"/>
+        </dgm:presLayoutVars>
+      </dgm:prSet>
+      <dgm:spPr/>
+    </dgm:pt>
+    <dgm:pt modelId="{D1957E61-FF5C-4E9F-8C0B-89A40F2944AF}" type="pres">
+      <dgm:prSet presAssocID="{95919428-F01C-476E-BFBD-352D28C559A7}" presName="item2" presStyleLbl="node1" presStyleIdx="1" presStyleCnt="3" custLinFactNeighborY="1843">
+        <dgm:presLayoutVars>
+          <dgm:bulletEnabled val="1"/>
+        </dgm:presLayoutVars>
+      </dgm:prSet>
+      <dgm:spPr/>
+    </dgm:pt>
+    <dgm:pt modelId="{1DF77DD4-42DA-4C2F-A2AD-618DA802347D}" type="pres">
+      <dgm:prSet presAssocID="{C992637A-2047-4D63-A1B2-5AADA53B026E}" presName="item3" presStyleLbl="node1" presStyleIdx="2" presStyleCnt="3">
+        <dgm:presLayoutVars>
+          <dgm:bulletEnabled val="1"/>
+        </dgm:presLayoutVars>
+      </dgm:prSet>
+      <dgm:spPr/>
+    </dgm:pt>
+    <dgm:pt modelId="{DFFE7824-1935-459E-93CD-BD36A34B5DD1}" type="pres">
+      <dgm:prSet presAssocID="{97D3F531-5BB8-4D17-AED5-6BBCBB23F6B2}" presName="funnel" presStyleLbl="trAlignAcc1" presStyleIdx="0" presStyleCnt="1" custLinFactNeighborX="258" custLinFactNeighborY="-400"/>
+      <dgm:spPr/>
+    </dgm:pt>
+  </dgm:ptLst>
+  <dgm:cxnLst>
+    <dgm:cxn modelId="{0490F928-176A-4F2C-AE04-F1762680F5E3}" type="presOf" srcId="{95919428-F01C-476E-BFBD-352D28C559A7}" destId="{EEFF9738-13B3-4A3C-B745-BA430F6F7E51}" srcOrd="0" destOrd="0" presId="urn:microsoft.com/office/officeart/2005/8/layout/funnel1"/>
+    <dgm:cxn modelId="{A398D454-D6F1-45FA-8969-16B6318672C1}" srcId="{97D3F531-5BB8-4D17-AED5-6BBCBB23F6B2}" destId="{826DF2FB-628A-4CDB-8003-E6D0347A5117}" srcOrd="1" destOrd="0" parTransId="{A65B6F5D-05E6-4F11-A599-1211BF87A973}" sibTransId="{E6FF1FB0-054C-4F4E-B89A-71E298D5A324}"/>
+    <dgm:cxn modelId="{A2301E7F-89D0-4365-A8A6-ED10C5CDDE33}" srcId="{97D3F531-5BB8-4D17-AED5-6BBCBB23F6B2}" destId="{95919428-F01C-476E-BFBD-352D28C559A7}" srcOrd="2" destOrd="0" parTransId="{34BEF668-2EE4-4C7F-BBB4-97A5A7C49737}" sibTransId="{35A521F6-C114-4F36-98EE-382D6BE0A5AD}"/>
+    <dgm:cxn modelId="{9B294AAB-FD51-4CF9-86CA-527835A56B9E}" type="presOf" srcId="{51C1408F-8BEC-4902-8014-463AC54AC5A2}" destId="{1DF77DD4-42DA-4C2F-A2AD-618DA802347D}" srcOrd="0" destOrd="0" presId="urn:microsoft.com/office/officeart/2005/8/layout/funnel1"/>
+    <dgm:cxn modelId="{178018AF-AC7A-414F-AE48-18B92482AD6D}" srcId="{97D3F531-5BB8-4D17-AED5-6BBCBB23F6B2}" destId="{C992637A-2047-4D63-A1B2-5AADA53B026E}" srcOrd="3" destOrd="0" parTransId="{50590985-D4E8-42D7-A67C-601FC80B26D9}" sibTransId="{A72D8A17-1A2A-471D-8E91-8468FC51AB1E}"/>
+    <dgm:cxn modelId="{2B2A0BC7-B164-4463-A69C-CA4570B5DE57}" srcId="{97D3F531-5BB8-4D17-AED5-6BBCBB23F6B2}" destId="{51C1408F-8BEC-4902-8014-463AC54AC5A2}" srcOrd="0" destOrd="0" parTransId="{23975A75-A249-4A82-B8E8-AE0AFC2E39A1}" sibTransId="{A30C63DE-1802-4586-AE67-8D72C78F4841}"/>
+    <dgm:cxn modelId="{FA2373D7-954E-4DEA-A0CA-45F7FBC453AE}" type="presOf" srcId="{97D3F531-5BB8-4D17-AED5-6BBCBB23F6B2}" destId="{43484FC9-1A94-4170-A19A-405BEE3BCDDD}" srcOrd="0" destOrd="0" presId="urn:microsoft.com/office/officeart/2005/8/layout/funnel1"/>
+    <dgm:cxn modelId="{05097EEA-EDFD-4028-932D-AD6D7C6B9632}" type="presOf" srcId="{826DF2FB-628A-4CDB-8003-E6D0347A5117}" destId="{D1957E61-FF5C-4E9F-8C0B-89A40F2944AF}" srcOrd="0" destOrd="0" presId="urn:microsoft.com/office/officeart/2005/8/layout/funnel1"/>
+    <dgm:cxn modelId="{94DFE2F9-E215-4629-9BD6-5E118B61B34C}" type="presOf" srcId="{C992637A-2047-4D63-A1B2-5AADA53B026E}" destId="{375E99DE-0465-4A0E-9213-ADD7140DC951}" srcOrd="0" destOrd="0" presId="urn:microsoft.com/office/officeart/2005/8/layout/funnel1"/>
+    <dgm:cxn modelId="{3FB54B73-303B-4154-9AED-06108B42A359}" type="presParOf" srcId="{43484FC9-1A94-4170-A19A-405BEE3BCDDD}" destId="{571C7BC7-835E-4EBC-BFDC-A8906B97BC5F}" srcOrd="0" destOrd="0" presId="urn:microsoft.com/office/officeart/2005/8/layout/funnel1"/>
+    <dgm:cxn modelId="{B454F4F8-A4BD-487D-92FA-2CC6E422238D}" type="presParOf" srcId="{43484FC9-1A94-4170-A19A-405BEE3BCDDD}" destId="{4DE91573-F76F-4026-8941-FDDC137A47E4}" srcOrd="1" destOrd="0" presId="urn:microsoft.com/office/officeart/2005/8/layout/funnel1"/>
+    <dgm:cxn modelId="{ABBE4A8E-4698-49F4-A340-8D7968721F37}" type="presParOf" srcId="{43484FC9-1A94-4170-A19A-405BEE3BCDDD}" destId="{375E99DE-0465-4A0E-9213-ADD7140DC951}" srcOrd="2" destOrd="0" presId="urn:microsoft.com/office/officeart/2005/8/layout/funnel1"/>
+    <dgm:cxn modelId="{7CE3A4FE-4565-4F1E-B778-156597460DC0}" type="presParOf" srcId="{43484FC9-1A94-4170-A19A-405BEE3BCDDD}" destId="{EEFF9738-13B3-4A3C-B745-BA430F6F7E51}" srcOrd="3" destOrd="0" presId="urn:microsoft.com/office/officeart/2005/8/layout/funnel1"/>
+    <dgm:cxn modelId="{DED91D7F-AB44-445E-B882-06D158693D34}" type="presParOf" srcId="{43484FC9-1A94-4170-A19A-405BEE3BCDDD}" destId="{D1957E61-FF5C-4E9F-8C0B-89A40F2944AF}" srcOrd="4" destOrd="0" presId="urn:microsoft.com/office/officeart/2005/8/layout/funnel1"/>
+    <dgm:cxn modelId="{A6B6DAB2-232E-437F-A247-CABB29FE7BBE}" type="presParOf" srcId="{43484FC9-1A94-4170-A19A-405BEE3BCDDD}" destId="{1DF77DD4-42DA-4C2F-A2AD-618DA802347D}" srcOrd="5" destOrd="0" presId="urn:microsoft.com/office/officeart/2005/8/layout/funnel1"/>
+    <dgm:cxn modelId="{AC3D74B0-3B0A-4FAC-942F-BC78474809F7}" type="presParOf" srcId="{43484FC9-1A94-4170-A19A-405BEE3BCDDD}" destId="{DFFE7824-1935-459E-93CD-BD36A34B5DD1}" srcOrd="6" destOrd="0" presId="urn:microsoft.com/office/officeart/2005/8/layout/funnel1"/>
   </dgm:cxnLst>
   <dgm:bg/>
   <dgm:whole/>
@@ -8043,6 +8044,646 @@
       <dsp:cNvGrpSpPr/>
     </dsp:nvGrpSpPr>
     <dsp:grpSpPr/>
+    <dsp:sp modelId="{3479001B-9D36-4F74-983E-DAA29F9FC5C5}">
+      <dsp:nvSpPr>
+        <dsp:cNvPr id="0" name=""/>
+        <dsp:cNvSpPr/>
+      </dsp:nvSpPr>
+      <dsp:spPr>
+        <a:xfrm>
+          <a:off x="2052545" y="0"/>
+          <a:ext cx="4078471" cy="804643"/>
+        </a:xfrm>
+        <a:prstGeom prst="rect">
+          <a:avLst/>
+        </a:prstGeom>
+        <a:solidFill>
+          <a:schemeClr val="accent1">
+            <a:hueOff val="0"/>
+            <a:satOff val="0"/>
+            <a:lumOff val="0"/>
+            <a:alphaOff val="0"/>
+          </a:schemeClr>
+        </a:solidFill>
+        <a:ln w="42500" cap="flat" cmpd="sng" algn="ctr">
+          <a:solidFill>
+            <a:schemeClr val="lt1">
+              <a:hueOff val="0"/>
+              <a:satOff val="0"/>
+              <a:lumOff val="0"/>
+              <a:alphaOff val="0"/>
+            </a:schemeClr>
+          </a:solidFill>
+          <a:prstDash val="solid"/>
+        </a:ln>
+        <a:effectLst/>
+      </dsp:spPr>
+      <dsp:style>
+        <a:lnRef idx="2">
+          <a:scrgbClr r="0" g="0" b="0"/>
+        </a:lnRef>
+        <a:fillRef idx="1">
+          <a:scrgbClr r="0" g="0" b="0"/>
+        </a:fillRef>
+        <a:effectRef idx="0">
+          <a:scrgbClr r="0" g="0" b="0"/>
+        </a:effectRef>
+        <a:fontRef idx="minor">
+          <a:schemeClr val="lt1"/>
+        </a:fontRef>
+      </dsp:style>
+      <dsp:txBody>
+        <a:bodyPr spcFirstLastPara="0" vert="horz" wrap="square" lIns="76200" tIns="76200" rIns="76200" bIns="76200" numCol="1" spcCol="1270" anchor="ctr" anchorCtr="0">
+          <a:noAutofit/>
+        </a:bodyPr>
+        <a:lstStyle/>
+        <a:p>
+          <a:pPr marL="0" lvl="0" indent="0" algn="ctr" defTabSz="1333500">
+            <a:lnSpc>
+              <a:spcPct val="90000"/>
+            </a:lnSpc>
+            <a:spcBef>
+              <a:spcPct val="0"/>
+            </a:spcBef>
+            <a:spcAft>
+              <a:spcPct val="35000"/>
+            </a:spcAft>
+            <a:buNone/>
+          </a:pPr>
+          <a:r>
+            <a:rPr lang="en-US" sz="3000" kern="1200" dirty="0"/>
+            <a:t>Mobile Development</a:t>
+          </a:r>
+        </a:p>
+      </dsp:txBody>
+      <dsp:txXfrm>
+        <a:off x="2052545" y="0"/>
+        <a:ext cx="4078471" cy="804643"/>
+      </dsp:txXfrm>
+    </dsp:sp>
+    <dsp:sp modelId="{9BF5040A-7BE8-4810-B463-8231731C7772}">
+      <dsp:nvSpPr>
+        <dsp:cNvPr id="0" name=""/>
+        <dsp:cNvSpPr/>
+      </dsp:nvSpPr>
+      <dsp:spPr>
+        <a:xfrm>
+          <a:off x="2052541" y="846715"/>
+          <a:ext cx="4078479" cy="804643"/>
+        </a:xfrm>
+        <a:prstGeom prst="rect">
+          <a:avLst/>
+        </a:prstGeom>
+        <a:solidFill>
+          <a:schemeClr val="accent1">
+            <a:hueOff val="0"/>
+            <a:satOff val="0"/>
+            <a:lumOff val="0"/>
+            <a:alphaOff val="0"/>
+          </a:schemeClr>
+        </a:solidFill>
+        <a:ln w="42500" cap="flat" cmpd="sng" algn="ctr">
+          <a:solidFill>
+            <a:schemeClr val="lt1">
+              <a:hueOff val="0"/>
+              <a:satOff val="0"/>
+              <a:lumOff val="0"/>
+              <a:alphaOff val="0"/>
+            </a:schemeClr>
+          </a:solidFill>
+          <a:prstDash val="solid"/>
+        </a:ln>
+        <a:effectLst/>
+      </dsp:spPr>
+      <dsp:style>
+        <a:lnRef idx="2">
+          <a:scrgbClr r="0" g="0" b="0"/>
+        </a:lnRef>
+        <a:fillRef idx="1">
+          <a:scrgbClr r="0" g="0" b="0"/>
+        </a:fillRef>
+        <a:effectRef idx="0">
+          <a:scrgbClr r="0" g="0" b="0"/>
+        </a:effectRef>
+        <a:fontRef idx="minor">
+          <a:schemeClr val="lt1"/>
+        </a:fontRef>
+      </dsp:style>
+      <dsp:txBody>
+        <a:bodyPr spcFirstLastPara="0" vert="horz" wrap="square" lIns="76200" tIns="76200" rIns="76200" bIns="76200" numCol="1" spcCol="1270" anchor="ctr" anchorCtr="0">
+          <a:noAutofit/>
+        </a:bodyPr>
+        <a:lstStyle/>
+        <a:p>
+          <a:pPr marL="0" lvl="0" indent="0" algn="ctr" defTabSz="1333500">
+            <a:lnSpc>
+              <a:spcPct val="90000"/>
+            </a:lnSpc>
+            <a:spcBef>
+              <a:spcPct val="0"/>
+            </a:spcBef>
+            <a:spcAft>
+              <a:spcPct val="35000"/>
+            </a:spcAft>
+            <a:buNone/>
+          </a:pPr>
+          <a:r>
+            <a:rPr lang="en-US" sz="3000" kern="1200" dirty="0"/>
+            <a:t>Marketing</a:t>
+          </a:r>
+        </a:p>
+      </dsp:txBody>
+      <dsp:txXfrm>
+        <a:off x="2052541" y="846715"/>
+        <a:ext cx="4078479" cy="804643"/>
+      </dsp:txXfrm>
+    </dsp:sp>
+    <dsp:sp modelId="{FBAE0CDF-97F5-4670-B798-25312DD5276F}">
+      <dsp:nvSpPr>
+        <dsp:cNvPr id="0" name=""/>
+        <dsp:cNvSpPr/>
+      </dsp:nvSpPr>
+      <dsp:spPr>
+        <a:xfrm>
+          <a:off x="2052541" y="1691590"/>
+          <a:ext cx="4078479" cy="804643"/>
+        </a:xfrm>
+        <a:prstGeom prst="rect">
+          <a:avLst/>
+        </a:prstGeom>
+        <a:solidFill>
+          <a:schemeClr val="accent1">
+            <a:hueOff val="0"/>
+            <a:satOff val="0"/>
+            <a:lumOff val="0"/>
+            <a:alphaOff val="0"/>
+          </a:schemeClr>
+        </a:solidFill>
+        <a:ln w="42500" cap="flat" cmpd="sng" algn="ctr">
+          <a:solidFill>
+            <a:schemeClr val="lt1">
+              <a:hueOff val="0"/>
+              <a:satOff val="0"/>
+              <a:lumOff val="0"/>
+              <a:alphaOff val="0"/>
+            </a:schemeClr>
+          </a:solidFill>
+          <a:prstDash val="solid"/>
+        </a:ln>
+        <a:effectLst/>
+      </dsp:spPr>
+      <dsp:style>
+        <a:lnRef idx="2">
+          <a:scrgbClr r="0" g="0" b="0"/>
+        </a:lnRef>
+        <a:fillRef idx="1">
+          <a:scrgbClr r="0" g="0" b="0"/>
+        </a:fillRef>
+        <a:effectRef idx="0">
+          <a:scrgbClr r="0" g="0" b="0"/>
+        </a:effectRef>
+        <a:fontRef idx="minor">
+          <a:schemeClr val="lt1"/>
+        </a:fontRef>
+      </dsp:style>
+      <dsp:txBody>
+        <a:bodyPr spcFirstLastPara="0" vert="horz" wrap="square" lIns="76200" tIns="76200" rIns="76200" bIns="76200" numCol="1" spcCol="1270" anchor="ctr" anchorCtr="0">
+          <a:noAutofit/>
+        </a:bodyPr>
+        <a:lstStyle/>
+        <a:p>
+          <a:pPr marL="0" lvl="0" indent="0" algn="ctr" defTabSz="1333500">
+            <a:lnSpc>
+              <a:spcPct val="90000"/>
+            </a:lnSpc>
+            <a:spcBef>
+              <a:spcPct val="0"/>
+            </a:spcBef>
+            <a:spcAft>
+              <a:spcPct val="35000"/>
+            </a:spcAft>
+            <a:buNone/>
+          </a:pPr>
+          <a:r>
+            <a:rPr lang="en-US" sz="3000" kern="1200" dirty="0"/>
+            <a:t>Advertising</a:t>
+          </a:r>
+        </a:p>
+      </dsp:txBody>
+      <dsp:txXfrm>
+        <a:off x="2052541" y="1691590"/>
+        <a:ext cx="4078479" cy="804643"/>
+      </dsp:txXfrm>
+    </dsp:sp>
+    <dsp:sp modelId="{AE0604BC-D12A-4D46-92BA-C63AF5153431}">
+      <dsp:nvSpPr>
+        <dsp:cNvPr id="0" name=""/>
+        <dsp:cNvSpPr/>
+      </dsp:nvSpPr>
+      <dsp:spPr>
+        <a:xfrm>
+          <a:off x="2052537" y="2536466"/>
+          <a:ext cx="4078486" cy="804643"/>
+        </a:xfrm>
+        <a:prstGeom prst="rect">
+          <a:avLst/>
+        </a:prstGeom>
+        <a:solidFill>
+          <a:schemeClr val="accent1">
+            <a:hueOff val="0"/>
+            <a:satOff val="0"/>
+            <a:lumOff val="0"/>
+            <a:alphaOff val="0"/>
+          </a:schemeClr>
+        </a:solidFill>
+        <a:ln w="42500" cap="flat" cmpd="sng" algn="ctr">
+          <a:solidFill>
+            <a:schemeClr val="lt1">
+              <a:hueOff val="0"/>
+              <a:satOff val="0"/>
+              <a:lumOff val="0"/>
+              <a:alphaOff val="0"/>
+            </a:schemeClr>
+          </a:solidFill>
+          <a:prstDash val="solid"/>
+        </a:ln>
+        <a:effectLst/>
+      </dsp:spPr>
+      <dsp:style>
+        <a:lnRef idx="2">
+          <a:scrgbClr r="0" g="0" b="0"/>
+        </a:lnRef>
+        <a:fillRef idx="1">
+          <a:scrgbClr r="0" g="0" b="0"/>
+        </a:fillRef>
+        <a:effectRef idx="0">
+          <a:scrgbClr r="0" g="0" b="0"/>
+        </a:effectRef>
+        <a:fontRef idx="minor">
+          <a:schemeClr val="lt1"/>
+        </a:fontRef>
+      </dsp:style>
+      <dsp:txBody>
+        <a:bodyPr spcFirstLastPara="0" vert="horz" wrap="square" lIns="76200" tIns="76200" rIns="76200" bIns="76200" numCol="1" spcCol="1270" anchor="ctr" anchorCtr="0">
+          <a:noAutofit/>
+        </a:bodyPr>
+        <a:lstStyle/>
+        <a:p>
+          <a:pPr marL="0" lvl="0" indent="0" algn="ctr" defTabSz="1333500">
+            <a:lnSpc>
+              <a:spcPct val="90000"/>
+            </a:lnSpc>
+            <a:spcBef>
+              <a:spcPct val="0"/>
+            </a:spcBef>
+            <a:spcAft>
+              <a:spcPct val="35000"/>
+            </a:spcAft>
+            <a:buNone/>
+          </a:pPr>
+          <a:r>
+            <a:rPr lang="en-US" sz="3000" kern="1200" dirty="0"/>
+            <a:t>Salaries</a:t>
+          </a:r>
+        </a:p>
+      </dsp:txBody>
+      <dsp:txXfrm>
+        <a:off x="2052537" y="2536466"/>
+        <a:ext cx="4078486" cy="804643"/>
+      </dsp:txXfrm>
+    </dsp:sp>
+    <dsp:sp modelId="{E0AE8D40-B29C-480E-A79F-F59EE3EDA3CB}">
+      <dsp:nvSpPr>
+        <dsp:cNvPr id="0" name=""/>
+        <dsp:cNvSpPr/>
+      </dsp:nvSpPr>
+      <dsp:spPr>
+        <a:xfrm>
+          <a:off x="2052541" y="3381341"/>
+          <a:ext cx="4078479" cy="804643"/>
+        </a:xfrm>
+        <a:prstGeom prst="rect">
+          <a:avLst/>
+        </a:prstGeom>
+        <a:solidFill>
+          <a:schemeClr val="accent1">
+            <a:hueOff val="0"/>
+            <a:satOff val="0"/>
+            <a:lumOff val="0"/>
+            <a:alphaOff val="0"/>
+          </a:schemeClr>
+        </a:solidFill>
+        <a:ln w="42500" cap="flat" cmpd="sng" algn="ctr">
+          <a:solidFill>
+            <a:schemeClr val="lt1">
+              <a:hueOff val="0"/>
+              <a:satOff val="0"/>
+              <a:lumOff val="0"/>
+              <a:alphaOff val="0"/>
+            </a:schemeClr>
+          </a:solidFill>
+          <a:prstDash val="solid"/>
+        </a:ln>
+        <a:effectLst/>
+      </dsp:spPr>
+      <dsp:style>
+        <a:lnRef idx="2">
+          <a:scrgbClr r="0" g="0" b="0"/>
+        </a:lnRef>
+        <a:fillRef idx="1">
+          <a:scrgbClr r="0" g="0" b="0"/>
+        </a:fillRef>
+        <a:effectRef idx="0">
+          <a:scrgbClr r="0" g="0" b="0"/>
+        </a:effectRef>
+        <a:fontRef idx="minor">
+          <a:schemeClr val="lt1"/>
+        </a:fontRef>
+      </dsp:style>
+      <dsp:txBody>
+        <a:bodyPr spcFirstLastPara="0" vert="horz" wrap="square" lIns="76200" tIns="76200" rIns="76200" bIns="76200" numCol="1" spcCol="1270" anchor="ctr" anchorCtr="0">
+          <a:noAutofit/>
+        </a:bodyPr>
+        <a:lstStyle/>
+        <a:p>
+          <a:pPr marL="0" lvl="0" indent="0" algn="ctr" defTabSz="1333500">
+            <a:lnSpc>
+              <a:spcPct val="90000"/>
+            </a:lnSpc>
+            <a:spcBef>
+              <a:spcPct val="0"/>
+            </a:spcBef>
+            <a:spcAft>
+              <a:spcPct val="35000"/>
+            </a:spcAft>
+            <a:buNone/>
+          </a:pPr>
+          <a:r>
+            <a:rPr lang="en-US" sz="3000" kern="1200" dirty="0"/>
+            <a:t>Utilities</a:t>
+          </a:r>
+        </a:p>
+      </dsp:txBody>
+      <dsp:txXfrm>
+        <a:off x="2052541" y="3381341"/>
+        <a:ext cx="4078479" cy="804643"/>
+      </dsp:txXfrm>
+    </dsp:sp>
+  </dsp:spTree>
+</dsp:drawing>
+</file>
+
+<file path=ppt/diagrams/drawing5.xml><?xml version="1.0" encoding="utf-8"?>
+<dsp:drawing xmlns:dgm="http://schemas.openxmlformats.org/drawingml/2006/diagram" xmlns:dsp="http://schemas.microsoft.com/office/drawing/2008/diagram" xmlns:a="http://schemas.openxmlformats.org/drawingml/2006/main">
+  <dsp:spTree>
+    <dsp:nvGrpSpPr>
+      <dsp:cNvPr id="0" name=""/>
+      <dsp:cNvGrpSpPr/>
+    </dsp:nvGrpSpPr>
+    <dsp:grpSpPr/>
+    <dsp:sp modelId="{3479001B-9D36-4F74-983E-DAA29F9FC5C5}">
+      <dsp:nvSpPr>
+        <dsp:cNvPr id="0" name=""/>
+        <dsp:cNvSpPr/>
+      </dsp:nvSpPr>
+      <dsp:spPr>
+        <a:xfrm>
+          <a:off x="2242586" y="0"/>
+          <a:ext cx="3698388" cy="1349592"/>
+        </a:xfrm>
+        <a:prstGeom prst="rect">
+          <a:avLst/>
+        </a:prstGeom>
+        <a:solidFill>
+          <a:schemeClr val="accent1">
+            <a:hueOff val="0"/>
+            <a:satOff val="0"/>
+            <a:lumOff val="0"/>
+            <a:alphaOff val="0"/>
+          </a:schemeClr>
+        </a:solidFill>
+        <a:ln w="42500" cap="flat" cmpd="sng" algn="ctr">
+          <a:solidFill>
+            <a:schemeClr val="lt1">
+              <a:hueOff val="0"/>
+              <a:satOff val="0"/>
+              <a:lumOff val="0"/>
+              <a:alphaOff val="0"/>
+            </a:schemeClr>
+          </a:solidFill>
+          <a:prstDash val="solid"/>
+        </a:ln>
+        <a:effectLst/>
+      </dsp:spPr>
+      <dsp:style>
+        <a:lnRef idx="2">
+          <a:scrgbClr r="0" g="0" b="0"/>
+        </a:lnRef>
+        <a:fillRef idx="1">
+          <a:scrgbClr r="0" g="0" b="0"/>
+        </a:fillRef>
+        <a:effectRef idx="0">
+          <a:scrgbClr r="0" g="0" b="0"/>
+        </a:effectRef>
+        <a:fontRef idx="minor">
+          <a:schemeClr val="lt1"/>
+        </a:fontRef>
+      </dsp:style>
+      <dsp:txBody>
+        <a:bodyPr spcFirstLastPara="0" vert="horz" wrap="square" lIns="76200" tIns="76200" rIns="76200" bIns="76200" numCol="1" spcCol="1270" anchor="ctr" anchorCtr="0">
+          <a:noAutofit/>
+        </a:bodyPr>
+        <a:lstStyle/>
+        <a:p>
+          <a:pPr marL="0" lvl="0" indent="0" algn="ctr" defTabSz="1333500">
+            <a:lnSpc>
+              <a:spcPct val="90000"/>
+            </a:lnSpc>
+            <a:spcBef>
+              <a:spcPct val="0"/>
+            </a:spcBef>
+            <a:spcAft>
+              <a:spcPct val="35000"/>
+            </a:spcAft>
+            <a:buNone/>
+          </a:pPr>
+          <a:r>
+            <a:rPr lang="en-US" sz="3000" kern="1200" dirty="0"/>
+            <a:t>Stakeholders</a:t>
+          </a:r>
+        </a:p>
+      </dsp:txBody>
+      <dsp:txXfrm>
+        <a:off x="2242586" y="0"/>
+        <a:ext cx="3698388" cy="1349592"/>
+      </dsp:txXfrm>
+    </dsp:sp>
+    <dsp:sp modelId="{FBAE0CDF-97F5-4670-B798-25312DD5276F}">
+      <dsp:nvSpPr>
+        <dsp:cNvPr id="0" name=""/>
+        <dsp:cNvSpPr/>
+      </dsp:nvSpPr>
+      <dsp:spPr>
+        <a:xfrm>
+          <a:off x="2242590" y="1419116"/>
+          <a:ext cx="3698380" cy="1349592"/>
+        </a:xfrm>
+        <a:prstGeom prst="rect">
+          <a:avLst/>
+        </a:prstGeom>
+        <a:solidFill>
+          <a:schemeClr val="accent1">
+            <a:hueOff val="0"/>
+            <a:satOff val="0"/>
+            <a:lumOff val="0"/>
+            <a:alphaOff val="0"/>
+          </a:schemeClr>
+        </a:solidFill>
+        <a:ln w="42500" cap="flat" cmpd="sng" algn="ctr">
+          <a:solidFill>
+            <a:schemeClr val="lt1">
+              <a:hueOff val="0"/>
+              <a:satOff val="0"/>
+              <a:lumOff val="0"/>
+              <a:alphaOff val="0"/>
+            </a:schemeClr>
+          </a:solidFill>
+          <a:prstDash val="solid"/>
+        </a:ln>
+        <a:effectLst/>
+      </dsp:spPr>
+      <dsp:style>
+        <a:lnRef idx="2">
+          <a:scrgbClr r="0" g="0" b="0"/>
+        </a:lnRef>
+        <a:fillRef idx="1">
+          <a:scrgbClr r="0" g="0" b="0"/>
+        </a:fillRef>
+        <a:effectRef idx="0">
+          <a:scrgbClr r="0" g="0" b="0"/>
+        </a:effectRef>
+        <a:fontRef idx="minor">
+          <a:schemeClr val="lt1"/>
+        </a:fontRef>
+      </dsp:style>
+      <dsp:txBody>
+        <a:bodyPr spcFirstLastPara="0" vert="horz" wrap="square" lIns="76200" tIns="76200" rIns="76200" bIns="76200" numCol="1" spcCol="1270" anchor="ctr" anchorCtr="0">
+          <a:noAutofit/>
+        </a:bodyPr>
+        <a:lstStyle/>
+        <a:p>
+          <a:pPr marL="0" lvl="0" indent="0" algn="ctr" defTabSz="1333500">
+            <a:lnSpc>
+              <a:spcPct val="90000"/>
+            </a:lnSpc>
+            <a:spcBef>
+              <a:spcPct val="0"/>
+            </a:spcBef>
+            <a:spcAft>
+              <a:spcPct val="35000"/>
+            </a:spcAft>
+            <a:buNone/>
+          </a:pPr>
+          <a:r>
+            <a:rPr lang="en-US" sz="3000" kern="1200" dirty="0"/>
+            <a:t>Paid Customers</a:t>
+          </a:r>
+        </a:p>
+      </dsp:txBody>
+      <dsp:txXfrm>
+        <a:off x="2242590" y="1419116"/>
+        <a:ext cx="3698380" cy="1349592"/>
+      </dsp:txXfrm>
+    </dsp:sp>
+    <dsp:sp modelId="{AE0604BC-D12A-4D46-92BA-C63AF5153431}">
+      <dsp:nvSpPr>
+        <dsp:cNvPr id="0" name=""/>
+        <dsp:cNvSpPr/>
+      </dsp:nvSpPr>
+      <dsp:spPr>
+        <a:xfrm>
+          <a:off x="2242591" y="2836188"/>
+          <a:ext cx="3698379" cy="1349592"/>
+        </a:xfrm>
+        <a:prstGeom prst="rect">
+          <a:avLst/>
+        </a:prstGeom>
+        <a:solidFill>
+          <a:schemeClr val="accent1">
+            <a:hueOff val="0"/>
+            <a:satOff val="0"/>
+            <a:lumOff val="0"/>
+            <a:alphaOff val="0"/>
+          </a:schemeClr>
+        </a:solidFill>
+        <a:ln w="42500" cap="flat" cmpd="sng" algn="ctr">
+          <a:solidFill>
+            <a:schemeClr val="lt1">
+              <a:hueOff val="0"/>
+              <a:satOff val="0"/>
+              <a:lumOff val="0"/>
+              <a:alphaOff val="0"/>
+            </a:schemeClr>
+          </a:solidFill>
+          <a:prstDash val="solid"/>
+        </a:ln>
+        <a:effectLst/>
+      </dsp:spPr>
+      <dsp:style>
+        <a:lnRef idx="2">
+          <a:scrgbClr r="0" g="0" b="0"/>
+        </a:lnRef>
+        <a:fillRef idx="1">
+          <a:scrgbClr r="0" g="0" b="0"/>
+        </a:fillRef>
+        <a:effectRef idx="0">
+          <a:scrgbClr r="0" g="0" b="0"/>
+        </a:effectRef>
+        <a:fontRef idx="minor">
+          <a:schemeClr val="lt1"/>
+        </a:fontRef>
+      </dsp:style>
+      <dsp:txBody>
+        <a:bodyPr spcFirstLastPara="0" vert="horz" wrap="square" lIns="76200" tIns="76200" rIns="76200" bIns="76200" numCol="1" spcCol="1270" anchor="ctr" anchorCtr="0">
+          <a:noAutofit/>
+        </a:bodyPr>
+        <a:lstStyle/>
+        <a:p>
+          <a:pPr marL="0" lvl="0" indent="0" algn="ctr" defTabSz="1333500">
+            <a:lnSpc>
+              <a:spcPct val="90000"/>
+            </a:lnSpc>
+            <a:spcBef>
+              <a:spcPct val="0"/>
+            </a:spcBef>
+            <a:spcAft>
+              <a:spcPct val="35000"/>
+            </a:spcAft>
+            <a:buNone/>
+          </a:pPr>
+          <a:r>
+            <a:rPr lang="en-US" sz="3000" kern="1200" dirty="0"/>
+            <a:t>Development Fees</a:t>
+          </a:r>
+        </a:p>
+      </dsp:txBody>
+      <dsp:txXfrm>
+        <a:off x="2242591" y="2836188"/>
+        <a:ext cx="3698379" cy="1349592"/>
+      </dsp:txXfrm>
+    </dsp:sp>
+  </dsp:spTree>
+</dsp:drawing>
+</file>
+
+<file path=ppt/diagrams/drawing6.xml><?xml version="1.0" encoding="utf-8"?>
+<dsp:drawing xmlns:dgm="http://schemas.openxmlformats.org/drawingml/2006/diagram" xmlns:dsp="http://schemas.microsoft.com/office/drawing/2008/diagram" xmlns:a="http://schemas.openxmlformats.org/drawingml/2006/main">
+  <dsp:spTree>
+    <dsp:nvGrpSpPr>
+      <dsp:cNvPr id="0" name=""/>
+      <dsp:cNvGrpSpPr/>
+    </dsp:nvGrpSpPr>
+    <dsp:grpSpPr/>
     <dsp:sp modelId="{571C7BC7-835E-4EBC-BFDC-A8906B97BC5F}">
       <dsp:nvSpPr>
         <dsp:cNvPr id="0" name=""/>
@@ -8524,646 +9165,6 @@
         </a:effectRef>
         <a:fontRef idx="minor"/>
       </dsp:style>
-    </dsp:sp>
-  </dsp:spTree>
-</dsp:drawing>
-</file>
-
-<file path=ppt/diagrams/drawing5.xml><?xml version="1.0" encoding="utf-8"?>
-<dsp:drawing xmlns:dgm="http://schemas.openxmlformats.org/drawingml/2006/diagram" xmlns:dsp="http://schemas.microsoft.com/office/drawing/2008/diagram" xmlns:a="http://schemas.openxmlformats.org/drawingml/2006/main">
-  <dsp:spTree>
-    <dsp:nvGrpSpPr>
-      <dsp:cNvPr id="0" name=""/>
-      <dsp:cNvGrpSpPr/>
-    </dsp:nvGrpSpPr>
-    <dsp:grpSpPr/>
-    <dsp:sp modelId="{3479001B-9D36-4F74-983E-DAA29F9FC5C5}">
-      <dsp:nvSpPr>
-        <dsp:cNvPr id="0" name=""/>
-        <dsp:cNvSpPr/>
-      </dsp:nvSpPr>
-      <dsp:spPr>
-        <a:xfrm>
-          <a:off x="2052545" y="0"/>
-          <a:ext cx="4078471" cy="804643"/>
-        </a:xfrm>
-        <a:prstGeom prst="rect">
-          <a:avLst/>
-        </a:prstGeom>
-        <a:solidFill>
-          <a:schemeClr val="accent1">
-            <a:hueOff val="0"/>
-            <a:satOff val="0"/>
-            <a:lumOff val="0"/>
-            <a:alphaOff val="0"/>
-          </a:schemeClr>
-        </a:solidFill>
-        <a:ln w="42500" cap="flat" cmpd="sng" algn="ctr">
-          <a:solidFill>
-            <a:schemeClr val="lt1">
-              <a:hueOff val="0"/>
-              <a:satOff val="0"/>
-              <a:lumOff val="0"/>
-              <a:alphaOff val="0"/>
-            </a:schemeClr>
-          </a:solidFill>
-          <a:prstDash val="solid"/>
-        </a:ln>
-        <a:effectLst/>
-      </dsp:spPr>
-      <dsp:style>
-        <a:lnRef idx="2">
-          <a:scrgbClr r="0" g="0" b="0"/>
-        </a:lnRef>
-        <a:fillRef idx="1">
-          <a:scrgbClr r="0" g="0" b="0"/>
-        </a:fillRef>
-        <a:effectRef idx="0">
-          <a:scrgbClr r="0" g="0" b="0"/>
-        </a:effectRef>
-        <a:fontRef idx="minor">
-          <a:schemeClr val="lt1"/>
-        </a:fontRef>
-      </dsp:style>
-      <dsp:txBody>
-        <a:bodyPr spcFirstLastPara="0" vert="horz" wrap="square" lIns="76200" tIns="76200" rIns="76200" bIns="76200" numCol="1" spcCol="1270" anchor="ctr" anchorCtr="0">
-          <a:noAutofit/>
-        </a:bodyPr>
-        <a:lstStyle/>
-        <a:p>
-          <a:pPr marL="0" lvl="0" indent="0" algn="ctr" defTabSz="1333500">
-            <a:lnSpc>
-              <a:spcPct val="90000"/>
-            </a:lnSpc>
-            <a:spcBef>
-              <a:spcPct val="0"/>
-            </a:spcBef>
-            <a:spcAft>
-              <a:spcPct val="35000"/>
-            </a:spcAft>
-            <a:buNone/>
-          </a:pPr>
-          <a:r>
-            <a:rPr lang="en-US" sz="3000" kern="1200" dirty="0"/>
-            <a:t>Mobile Development</a:t>
-          </a:r>
-        </a:p>
-      </dsp:txBody>
-      <dsp:txXfrm>
-        <a:off x="2052545" y="0"/>
-        <a:ext cx="4078471" cy="804643"/>
-      </dsp:txXfrm>
-    </dsp:sp>
-    <dsp:sp modelId="{9BF5040A-7BE8-4810-B463-8231731C7772}">
-      <dsp:nvSpPr>
-        <dsp:cNvPr id="0" name=""/>
-        <dsp:cNvSpPr/>
-      </dsp:nvSpPr>
-      <dsp:spPr>
-        <a:xfrm>
-          <a:off x="2052541" y="846715"/>
-          <a:ext cx="4078479" cy="804643"/>
-        </a:xfrm>
-        <a:prstGeom prst="rect">
-          <a:avLst/>
-        </a:prstGeom>
-        <a:solidFill>
-          <a:schemeClr val="accent1">
-            <a:hueOff val="0"/>
-            <a:satOff val="0"/>
-            <a:lumOff val="0"/>
-            <a:alphaOff val="0"/>
-          </a:schemeClr>
-        </a:solidFill>
-        <a:ln w="42500" cap="flat" cmpd="sng" algn="ctr">
-          <a:solidFill>
-            <a:schemeClr val="lt1">
-              <a:hueOff val="0"/>
-              <a:satOff val="0"/>
-              <a:lumOff val="0"/>
-              <a:alphaOff val="0"/>
-            </a:schemeClr>
-          </a:solidFill>
-          <a:prstDash val="solid"/>
-        </a:ln>
-        <a:effectLst/>
-      </dsp:spPr>
-      <dsp:style>
-        <a:lnRef idx="2">
-          <a:scrgbClr r="0" g="0" b="0"/>
-        </a:lnRef>
-        <a:fillRef idx="1">
-          <a:scrgbClr r="0" g="0" b="0"/>
-        </a:fillRef>
-        <a:effectRef idx="0">
-          <a:scrgbClr r="0" g="0" b="0"/>
-        </a:effectRef>
-        <a:fontRef idx="minor">
-          <a:schemeClr val="lt1"/>
-        </a:fontRef>
-      </dsp:style>
-      <dsp:txBody>
-        <a:bodyPr spcFirstLastPara="0" vert="horz" wrap="square" lIns="76200" tIns="76200" rIns="76200" bIns="76200" numCol="1" spcCol="1270" anchor="ctr" anchorCtr="0">
-          <a:noAutofit/>
-        </a:bodyPr>
-        <a:lstStyle/>
-        <a:p>
-          <a:pPr marL="0" lvl="0" indent="0" algn="ctr" defTabSz="1333500">
-            <a:lnSpc>
-              <a:spcPct val="90000"/>
-            </a:lnSpc>
-            <a:spcBef>
-              <a:spcPct val="0"/>
-            </a:spcBef>
-            <a:spcAft>
-              <a:spcPct val="35000"/>
-            </a:spcAft>
-            <a:buNone/>
-          </a:pPr>
-          <a:r>
-            <a:rPr lang="en-US" sz="3000" kern="1200" dirty="0"/>
-            <a:t>Marketing</a:t>
-          </a:r>
-        </a:p>
-      </dsp:txBody>
-      <dsp:txXfrm>
-        <a:off x="2052541" y="846715"/>
-        <a:ext cx="4078479" cy="804643"/>
-      </dsp:txXfrm>
-    </dsp:sp>
-    <dsp:sp modelId="{FBAE0CDF-97F5-4670-B798-25312DD5276F}">
-      <dsp:nvSpPr>
-        <dsp:cNvPr id="0" name=""/>
-        <dsp:cNvSpPr/>
-      </dsp:nvSpPr>
-      <dsp:spPr>
-        <a:xfrm>
-          <a:off x="2052541" y="1691590"/>
-          <a:ext cx="4078479" cy="804643"/>
-        </a:xfrm>
-        <a:prstGeom prst="rect">
-          <a:avLst/>
-        </a:prstGeom>
-        <a:solidFill>
-          <a:schemeClr val="accent1">
-            <a:hueOff val="0"/>
-            <a:satOff val="0"/>
-            <a:lumOff val="0"/>
-            <a:alphaOff val="0"/>
-          </a:schemeClr>
-        </a:solidFill>
-        <a:ln w="42500" cap="flat" cmpd="sng" algn="ctr">
-          <a:solidFill>
-            <a:schemeClr val="lt1">
-              <a:hueOff val="0"/>
-              <a:satOff val="0"/>
-              <a:lumOff val="0"/>
-              <a:alphaOff val="0"/>
-            </a:schemeClr>
-          </a:solidFill>
-          <a:prstDash val="solid"/>
-        </a:ln>
-        <a:effectLst/>
-      </dsp:spPr>
-      <dsp:style>
-        <a:lnRef idx="2">
-          <a:scrgbClr r="0" g="0" b="0"/>
-        </a:lnRef>
-        <a:fillRef idx="1">
-          <a:scrgbClr r="0" g="0" b="0"/>
-        </a:fillRef>
-        <a:effectRef idx="0">
-          <a:scrgbClr r="0" g="0" b="0"/>
-        </a:effectRef>
-        <a:fontRef idx="minor">
-          <a:schemeClr val="lt1"/>
-        </a:fontRef>
-      </dsp:style>
-      <dsp:txBody>
-        <a:bodyPr spcFirstLastPara="0" vert="horz" wrap="square" lIns="76200" tIns="76200" rIns="76200" bIns="76200" numCol="1" spcCol="1270" anchor="ctr" anchorCtr="0">
-          <a:noAutofit/>
-        </a:bodyPr>
-        <a:lstStyle/>
-        <a:p>
-          <a:pPr marL="0" lvl="0" indent="0" algn="ctr" defTabSz="1333500">
-            <a:lnSpc>
-              <a:spcPct val="90000"/>
-            </a:lnSpc>
-            <a:spcBef>
-              <a:spcPct val="0"/>
-            </a:spcBef>
-            <a:spcAft>
-              <a:spcPct val="35000"/>
-            </a:spcAft>
-            <a:buNone/>
-          </a:pPr>
-          <a:r>
-            <a:rPr lang="en-US" sz="3000" kern="1200" dirty="0"/>
-            <a:t>Advertising</a:t>
-          </a:r>
-        </a:p>
-      </dsp:txBody>
-      <dsp:txXfrm>
-        <a:off x="2052541" y="1691590"/>
-        <a:ext cx="4078479" cy="804643"/>
-      </dsp:txXfrm>
-    </dsp:sp>
-    <dsp:sp modelId="{AE0604BC-D12A-4D46-92BA-C63AF5153431}">
-      <dsp:nvSpPr>
-        <dsp:cNvPr id="0" name=""/>
-        <dsp:cNvSpPr/>
-      </dsp:nvSpPr>
-      <dsp:spPr>
-        <a:xfrm>
-          <a:off x="2052537" y="2536466"/>
-          <a:ext cx="4078486" cy="804643"/>
-        </a:xfrm>
-        <a:prstGeom prst="rect">
-          <a:avLst/>
-        </a:prstGeom>
-        <a:solidFill>
-          <a:schemeClr val="accent1">
-            <a:hueOff val="0"/>
-            <a:satOff val="0"/>
-            <a:lumOff val="0"/>
-            <a:alphaOff val="0"/>
-          </a:schemeClr>
-        </a:solidFill>
-        <a:ln w="42500" cap="flat" cmpd="sng" algn="ctr">
-          <a:solidFill>
-            <a:schemeClr val="lt1">
-              <a:hueOff val="0"/>
-              <a:satOff val="0"/>
-              <a:lumOff val="0"/>
-              <a:alphaOff val="0"/>
-            </a:schemeClr>
-          </a:solidFill>
-          <a:prstDash val="solid"/>
-        </a:ln>
-        <a:effectLst/>
-      </dsp:spPr>
-      <dsp:style>
-        <a:lnRef idx="2">
-          <a:scrgbClr r="0" g="0" b="0"/>
-        </a:lnRef>
-        <a:fillRef idx="1">
-          <a:scrgbClr r="0" g="0" b="0"/>
-        </a:fillRef>
-        <a:effectRef idx="0">
-          <a:scrgbClr r="0" g="0" b="0"/>
-        </a:effectRef>
-        <a:fontRef idx="minor">
-          <a:schemeClr val="lt1"/>
-        </a:fontRef>
-      </dsp:style>
-      <dsp:txBody>
-        <a:bodyPr spcFirstLastPara="0" vert="horz" wrap="square" lIns="76200" tIns="76200" rIns="76200" bIns="76200" numCol="1" spcCol="1270" anchor="ctr" anchorCtr="0">
-          <a:noAutofit/>
-        </a:bodyPr>
-        <a:lstStyle/>
-        <a:p>
-          <a:pPr marL="0" lvl="0" indent="0" algn="ctr" defTabSz="1333500">
-            <a:lnSpc>
-              <a:spcPct val="90000"/>
-            </a:lnSpc>
-            <a:spcBef>
-              <a:spcPct val="0"/>
-            </a:spcBef>
-            <a:spcAft>
-              <a:spcPct val="35000"/>
-            </a:spcAft>
-            <a:buNone/>
-          </a:pPr>
-          <a:r>
-            <a:rPr lang="en-US" sz="3000" kern="1200" dirty="0"/>
-            <a:t>Salaries</a:t>
-          </a:r>
-        </a:p>
-      </dsp:txBody>
-      <dsp:txXfrm>
-        <a:off x="2052537" y="2536466"/>
-        <a:ext cx="4078486" cy="804643"/>
-      </dsp:txXfrm>
-    </dsp:sp>
-    <dsp:sp modelId="{E0AE8D40-B29C-480E-A79F-F59EE3EDA3CB}">
-      <dsp:nvSpPr>
-        <dsp:cNvPr id="0" name=""/>
-        <dsp:cNvSpPr/>
-      </dsp:nvSpPr>
-      <dsp:spPr>
-        <a:xfrm>
-          <a:off x="2052541" y="3381341"/>
-          <a:ext cx="4078479" cy="804643"/>
-        </a:xfrm>
-        <a:prstGeom prst="rect">
-          <a:avLst/>
-        </a:prstGeom>
-        <a:solidFill>
-          <a:schemeClr val="accent1">
-            <a:hueOff val="0"/>
-            <a:satOff val="0"/>
-            <a:lumOff val="0"/>
-            <a:alphaOff val="0"/>
-          </a:schemeClr>
-        </a:solidFill>
-        <a:ln w="42500" cap="flat" cmpd="sng" algn="ctr">
-          <a:solidFill>
-            <a:schemeClr val="lt1">
-              <a:hueOff val="0"/>
-              <a:satOff val="0"/>
-              <a:lumOff val="0"/>
-              <a:alphaOff val="0"/>
-            </a:schemeClr>
-          </a:solidFill>
-          <a:prstDash val="solid"/>
-        </a:ln>
-        <a:effectLst/>
-      </dsp:spPr>
-      <dsp:style>
-        <a:lnRef idx="2">
-          <a:scrgbClr r="0" g="0" b="0"/>
-        </a:lnRef>
-        <a:fillRef idx="1">
-          <a:scrgbClr r="0" g="0" b="0"/>
-        </a:fillRef>
-        <a:effectRef idx="0">
-          <a:scrgbClr r="0" g="0" b="0"/>
-        </a:effectRef>
-        <a:fontRef idx="minor">
-          <a:schemeClr val="lt1"/>
-        </a:fontRef>
-      </dsp:style>
-      <dsp:txBody>
-        <a:bodyPr spcFirstLastPara="0" vert="horz" wrap="square" lIns="76200" tIns="76200" rIns="76200" bIns="76200" numCol="1" spcCol="1270" anchor="ctr" anchorCtr="0">
-          <a:noAutofit/>
-        </a:bodyPr>
-        <a:lstStyle/>
-        <a:p>
-          <a:pPr marL="0" lvl="0" indent="0" algn="ctr" defTabSz="1333500">
-            <a:lnSpc>
-              <a:spcPct val="90000"/>
-            </a:lnSpc>
-            <a:spcBef>
-              <a:spcPct val="0"/>
-            </a:spcBef>
-            <a:spcAft>
-              <a:spcPct val="35000"/>
-            </a:spcAft>
-            <a:buNone/>
-          </a:pPr>
-          <a:r>
-            <a:rPr lang="en-US" sz="3000" kern="1200" dirty="0"/>
-            <a:t>Utilities</a:t>
-          </a:r>
-        </a:p>
-      </dsp:txBody>
-      <dsp:txXfrm>
-        <a:off x="2052541" y="3381341"/>
-        <a:ext cx="4078479" cy="804643"/>
-      </dsp:txXfrm>
-    </dsp:sp>
-  </dsp:spTree>
-</dsp:drawing>
-</file>
-
-<file path=ppt/diagrams/drawing6.xml><?xml version="1.0" encoding="utf-8"?>
-<dsp:drawing xmlns:dgm="http://schemas.openxmlformats.org/drawingml/2006/diagram" xmlns:dsp="http://schemas.microsoft.com/office/drawing/2008/diagram" xmlns:a="http://schemas.openxmlformats.org/drawingml/2006/main">
-  <dsp:spTree>
-    <dsp:nvGrpSpPr>
-      <dsp:cNvPr id="0" name=""/>
-      <dsp:cNvGrpSpPr/>
-    </dsp:nvGrpSpPr>
-    <dsp:grpSpPr/>
-    <dsp:sp modelId="{3479001B-9D36-4F74-983E-DAA29F9FC5C5}">
-      <dsp:nvSpPr>
-        <dsp:cNvPr id="0" name=""/>
-        <dsp:cNvSpPr/>
-      </dsp:nvSpPr>
-      <dsp:spPr>
-        <a:xfrm>
-          <a:off x="2242586" y="0"/>
-          <a:ext cx="3698388" cy="1349592"/>
-        </a:xfrm>
-        <a:prstGeom prst="rect">
-          <a:avLst/>
-        </a:prstGeom>
-        <a:solidFill>
-          <a:schemeClr val="accent1">
-            <a:hueOff val="0"/>
-            <a:satOff val="0"/>
-            <a:lumOff val="0"/>
-            <a:alphaOff val="0"/>
-          </a:schemeClr>
-        </a:solidFill>
-        <a:ln w="42500" cap="flat" cmpd="sng" algn="ctr">
-          <a:solidFill>
-            <a:schemeClr val="lt1">
-              <a:hueOff val="0"/>
-              <a:satOff val="0"/>
-              <a:lumOff val="0"/>
-              <a:alphaOff val="0"/>
-            </a:schemeClr>
-          </a:solidFill>
-          <a:prstDash val="solid"/>
-        </a:ln>
-        <a:effectLst/>
-      </dsp:spPr>
-      <dsp:style>
-        <a:lnRef idx="2">
-          <a:scrgbClr r="0" g="0" b="0"/>
-        </a:lnRef>
-        <a:fillRef idx="1">
-          <a:scrgbClr r="0" g="0" b="0"/>
-        </a:fillRef>
-        <a:effectRef idx="0">
-          <a:scrgbClr r="0" g="0" b="0"/>
-        </a:effectRef>
-        <a:fontRef idx="minor">
-          <a:schemeClr val="lt1"/>
-        </a:fontRef>
-      </dsp:style>
-      <dsp:txBody>
-        <a:bodyPr spcFirstLastPara="0" vert="horz" wrap="square" lIns="76200" tIns="76200" rIns="76200" bIns="76200" numCol="1" spcCol="1270" anchor="ctr" anchorCtr="0">
-          <a:noAutofit/>
-        </a:bodyPr>
-        <a:lstStyle/>
-        <a:p>
-          <a:pPr marL="0" lvl="0" indent="0" algn="ctr" defTabSz="1333500">
-            <a:lnSpc>
-              <a:spcPct val="90000"/>
-            </a:lnSpc>
-            <a:spcBef>
-              <a:spcPct val="0"/>
-            </a:spcBef>
-            <a:spcAft>
-              <a:spcPct val="35000"/>
-            </a:spcAft>
-            <a:buNone/>
-          </a:pPr>
-          <a:r>
-            <a:rPr lang="en-US" sz="3000" kern="1200" dirty="0"/>
-            <a:t>Stakeholders</a:t>
-          </a:r>
-        </a:p>
-      </dsp:txBody>
-      <dsp:txXfrm>
-        <a:off x="2242586" y="0"/>
-        <a:ext cx="3698388" cy="1349592"/>
-      </dsp:txXfrm>
-    </dsp:sp>
-    <dsp:sp modelId="{FBAE0CDF-97F5-4670-B798-25312DD5276F}">
-      <dsp:nvSpPr>
-        <dsp:cNvPr id="0" name=""/>
-        <dsp:cNvSpPr/>
-      </dsp:nvSpPr>
-      <dsp:spPr>
-        <a:xfrm>
-          <a:off x="2242590" y="1419116"/>
-          <a:ext cx="3698380" cy="1349592"/>
-        </a:xfrm>
-        <a:prstGeom prst="rect">
-          <a:avLst/>
-        </a:prstGeom>
-        <a:solidFill>
-          <a:schemeClr val="accent1">
-            <a:hueOff val="0"/>
-            <a:satOff val="0"/>
-            <a:lumOff val="0"/>
-            <a:alphaOff val="0"/>
-          </a:schemeClr>
-        </a:solidFill>
-        <a:ln w="42500" cap="flat" cmpd="sng" algn="ctr">
-          <a:solidFill>
-            <a:schemeClr val="lt1">
-              <a:hueOff val="0"/>
-              <a:satOff val="0"/>
-              <a:lumOff val="0"/>
-              <a:alphaOff val="0"/>
-            </a:schemeClr>
-          </a:solidFill>
-          <a:prstDash val="solid"/>
-        </a:ln>
-        <a:effectLst/>
-      </dsp:spPr>
-      <dsp:style>
-        <a:lnRef idx="2">
-          <a:scrgbClr r="0" g="0" b="0"/>
-        </a:lnRef>
-        <a:fillRef idx="1">
-          <a:scrgbClr r="0" g="0" b="0"/>
-        </a:fillRef>
-        <a:effectRef idx="0">
-          <a:scrgbClr r="0" g="0" b="0"/>
-        </a:effectRef>
-        <a:fontRef idx="minor">
-          <a:schemeClr val="lt1"/>
-        </a:fontRef>
-      </dsp:style>
-      <dsp:txBody>
-        <a:bodyPr spcFirstLastPara="0" vert="horz" wrap="square" lIns="76200" tIns="76200" rIns="76200" bIns="76200" numCol="1" spcCol="1270" anchor="ctr" anchorCtr="0">
-          <a:noAutofit/>
-        </a:bodyPr>
-        <a:lstStyle/>
-        <a:p>
-          <a:pPr marL="0" lvl="0" indent="0" algn="ctr" defTabSz="1333500">
-            <a:lnSpc>
-              <a:spcPct val="90000"/>
-            </a:lnSpc>
-            <a:spcBef>
-              <a:spcPct val="0"/>
-            </a:spcBef>
-            <a:spcAft>
-              <a:spcPct val="35000"/>
-            </a:spcAft>
-            <a:buNone/>
-          </a:pPr>
-          <a:r>
-            <a:rPr lang="en-US" sz="3000" kern="1200" dirty="0"/>
-            <a:t>Paid Customers</a:t>
-          </a:r>
-        </a:p>
-      </dsp:txBody>
-      <dsp:txXfrm>
-        <a:off x="2242590" y="1419116"/>
-        <a:ext cx="3698380" cy="1349592"/>
-      </dsp:txXfrm>
-    </dsp:sp>
-    <dsp:sp modelId="{AE0604BC-D12A-4D46-92BA-C63AF5153431}">
-      <dsp:nvSpPr>
-        <dsp:cNvPr id="0" name=""/>
-        <dsp:cNvSpPr/>
-      </dsp:nvSpPr>
-      <dsp:spPr>
-        <a:xfrm>
-          <a:off x="2242591" y="2836188"/>
-          <a:ext cx="3698379" cy="1349592"/>
-        </a:xfrm>
-        <a:prstGeom prst="rect">
-          <a:avLst/>
-        </a:prstGeom>
-        <a:solidFill>
-          <a:schemeClr val="accent1">
-            <a:hueOff val="0"/>
-            <a:satOff val="0"/>
-            <a:lumOff val="0"/>
-            <a:alphaOff val="0"/>
-          </a:schemeClr>
-        </a:solidFill>
-        <a:ln w="42500" cap="flat" cmpd="sng" algn="ctr">
-          <a:solidFill>
-            <a:schemeClr val="lt1">
-              <a:hueOff val="0"/>
-              <a:satOff val="0"/>
-              <a:lumOff val="0"/>
-              <a:alphaOff val="0"/>
-            </a:schemeClr>
-          </a:solidFill>
-          <a:prstDash val="solid"/>
-        </a:ln>
-        <a:effectLst/>
-      </dsp:spPr>
-      <dsp:style>
-        <a:lnRef idx="2">
-          <a:scrgbClr r="0" g="0" b="0"/>
-        </a:lnRef>
-        <a:fillRef idx="1">
-          <a:scrgbClr r="0" g="0" b="0"/>
-        </a:fillRef>
-        <a:effectRef idx="0">
-          <a:scrgbClr r="0" g="0" b="0"/>
-        </a:effectRef>
-        <a:fontRef idx="minor">
-          <a:schemeClr val="lt1"/>
-        </a:fontRef>
-      </dsp:style>
-      <dsp:txBody>
-        <a:bodyPr spcFirstLastPara="0" vert="horz" wrap="square" lIns="76200" tIns="76200" rIns="76200" bIns="76200" numCol="1" spcCol="1270" anchor="ctr" anchorCtr="0">
-          <a:noAutofit/>
-        </a:bodyPr>
-        <a:lstStyle/>
-        <a:p>
-          <a:pPr marL="0" lvl="0" indent="0" algn="ctr" defTabSz="1333500">
-            <a:lnSpc>
-              <a:spcPct val="90000"/>
-            </a:lnSpc>
-            <a:spcBef>
-              <a:spcPct val="0"/>
-            </a:spcBef>
-            <a:spcAft>
-              <a:spcPct val="35000"/>
-            </a:spcAft>
-            <a:buNone/>
-          </a:pPr>
-          <a:r>
-            <a:rPr lang="en-US" sz="3000" kern="1200" dirty="0"/>
-            <a:t>Development Fees</a:t>
-          </a:r>
-        </a:p>
-      </dsp:txBody>
-      <dsp:txXfrm>
-        <a:off x="2242591" y="2836188"/>
-        <a:ext cx="3698379" cy="1349592"/>
-      </dsp:txXfrm>
     </dsp:sp>
   </dsp:spTree>
 </dsp:drawing>
@@ -9711,6 +9712,178 @@
 </file>
 
 <file path=ppt/diagrams/layout4.xml><?xml version="1.0" encoding="utf-8"?>
+<dgm:layoutDef xmlns:dgm="http://schemas.openxmlformats.org/drawingml/2006/diagram" xmlns:a="http://schemas.openxmlformats.org/drawingml/2006/main" uniqueId="urn:diagrams.loki3.com/VaryingWidthList">
+  <dgm:title val="Varying Width List"/>
+  <dgm:desc val="Use for emphasizing items of different weights.  Good for large amounts of Level 1 text.  The width of each shape is independently determined based on its text."/>
+  <dgm:catLst>
+    <dgm:cat type="list" pri="4160"/>
+    <dgm:cat type="officeonline" pri="5000"/>
+  </dgm:catLst>
+  <dgm:sampData useDef="1">
+    <dgm:dataModel>
+      <dgm:ptLst/>
+      <dgm:bg/>
+      <dgm:whole/>
+    </dgm:dataModel>
+  </dgm:sampData>
+  <dgm:styleData useDef="1">
+    <dgm:dataModel>
+      <dgm:ptLst/>
+      <dgm:bg/>
+      <dgm:whole/>
+    </dgm:dataModel>
+  </dgm:styleData>
+  <dgm:clrData useDef="1">
+    <dgm:dataModel>
+      <dgm:ptLst/>
+      <dgm:bg/>
+      <dgm:whole/>
+    </dgm:dataModel>
+  </dgm:clrData>
+  <dgm:layoutNode name="Name0">
+    <dgm:varLst>
+      <dgm:resizeHandles/>
+    </dgm:varLst>
+    <dgm:alg type="lin">
+      <dgm:param type="linDir" val="fromT"/>
+    </dgm:alg>
+    <dgm:shape xmlns:r="http://schemas.openxmlformats.org/officeDocument/2006/relationships" r:blip="">
+      <dgm:adjLst/>
+    </dgm:shape>
+    <dgm:presOf/>
+    <dgm:constrLst>
+      <dgm:constr type="w" for="ch" forName="text" val="20"/>
+      <dgm:constr type="h" for="ch" forName="text" refType="h"/>
+      <dgm:constr type="primFontSz" for="ch" forName="text" op="equ" val="65"/>
+      <dgm:constr type="h" for="ch" forName="space" refType="h" fact="0.05"/>
+    </dgm:constrLst>
+    <dgm:forEach name="Name1" axis="ch" ptType="node">
+      <dgm:layoutNode name="text" styleLbl="node1">
+        <dgm:varLst>
+          <dgm:bulletEnabled val="1"/>
+        </dgm:varLst>
+        <dgm:alg type="tx"/>
+        <dgm:shape xmlns:r="http://schemas.openxmlformats.org/officeDocument/2006/relationships" type="rect" r:blip="">
+          <dgm:adjLst/>
+        </dgm:shape>
+        <dgm:presOf axis="desOrSelf" ptType="node"/>
+        <dgm:constrLst>
+          <dgm:constr type="tMarg" refType="primFontSz" fact="0.2"/>
+          <dgm:constr type="bMarg" refType="primFontSz" fact="0.2"/>
+          <dgm:constr type="lMarg" refType="primFontSz" fact="0.2"/>
+          <dgm:constr type="rMarg" refType="primFontSz" fact="0.2"/>
+        </dgm:constrLst>
+        <dgm:ruleLst>
+          <dgm:rule type="w" val="INF" fact="NaN" max="NaN"/>
+          <dgm:rule type="primFontSz" val="5" fact="NaN" max="NaN"/>
+        </dgm:ruleLst>
+      </dgm:layoutNode>
+      <dgm:choose name="Name2">
+        <dgm:if name="Name3" axis="par ch" ptType="doc node" func="cnt" op="gte" val="2">
+          <dgm:forEach name="Name4" axis="followSib" ptType="sibTrans" cnt="1">
+            <dgm:layoutNode name="space">
+              <dgm:alg type="sp"/>
+              <dgm:shape xmlns:r="http://schemas.openxmlformats.org/officeDocument/2006/relationships" r:blip="">
+                <dgm:adjLst/>
+              </dgm:shape>
+              <dgm:presOf/>
+            </dgm:layoutNode>
+          </dgm:forEach>
+        </dgm:if>
+        <dgm:else name="Name5"/>
+      </dgm:choose>
+    </dgm:forEach>
+  </dgm:layoutNode>
+</dgm:layoutDef>
+</file>
+
+<file path=ppt/diagrams/layout5.xml><?xml version="1.0" encoding="utf-8"?>
+<dgm:layoutDef xmlns:dgm="http://schemas.openxmlformats.org/drawingml/2006/diagram" xmlns:a="http://schemas.openxmlformats.org/drawingml/2006/main" uniqueId="urn:diagrams.loki3.com/VaryingWidthList">
+  <dgm:title val="Varying Width List"/>
+  <dgm:desc val="Use for emphasizing items of different weights.  Good for large amounts of Level 1 text.  The width of each shape is independently determined based on its text."/>
+  <dgm:catLst>
+    <dgm:cat type="list" pri="4160"/>
+    <dgm:cat type="officeonline" pri="5000"/>
+  </dgm:catLst>
+  <dgm:sampData useDef="1">
+    <dgm:dataModel>
+      <dgm:ptLst/>
+      <dgm:bg/>
+      <dgm:whole/>
+    </dgm:dataModel>
+  </dgm:sampData>
+  <dgm:styleData useDef="1">
+    <dgm:dataModel>
+      <dgm:ptLst/>
+      <dgm:bg/>
+      <dgm:whole/>
+    </dgm:dataModel>
+  </dgm:styleData>
+  <dgm:clrData useDef="1">
+    <dgm:dataModel>
+      <dgm:ptLst/>
+      <dgm:bg/>
+      <dgm:whole/>
+    </dgm:dataModel>
+  </dgm:clrData>
+  <dgm:layoutNode name="Name0">
+    <dgm:varLst>
+      <dgm:resizeHandles/>
+    </dgm:varLst>
+    <dgm:alg type="lin">
+      <dgm:param type="linDir" val="fromT"/>
+    </dgm:alg>
+    <dgm:shape xmlns:r="http://schemas.openxmlformats.org/officeDocument/2006/relationships" r:blip="">
+      <dgm:adjLst/>
+    </dgm:shape>
+    <dgm:presOf/>
+    <dgm:constrLst>
+      <dgm:constr type="w" for="ch" forName="text" val="20"/>
+      <dgm:constr type="h" for="ch" forName="text" refType="h"/>
+      <dgm:constr type="primFontSz" for="ch" forName="text" op="equ" val="65"/>
+      <dgm:constr type="h" for="ch" forName="space" refType="h" fact="0.05"/>
+    </dgm:constrLst>
+    <dgm:forEach name="Name1" axis="ch" ptType="node">
+      <dgm:layoutNode name="text" styleLbl="node1">
+        <dgm:varLst>
+          <dgm:bulletEnabled val="1"/>
+        </dgm:varLst>
+        <dgm:alg type="tx"/>
+        <dgm:shape xmlns:r="http://schemas.openxmlformats.org/officeDocument/2006/relationships" type="rect" r:blip="">
+          <dgm:adjLst/>
+        </dgm:shape>
+        <dgm:presOf axis="desOrSelf" ptType="node"/>
+        <dgm:constrLst>
+          <dgm:constr type="tMarg" refType="primFontSz" fact="0.2"/>
+          <dgm:constr type="bMarg" refType="primFontSz" fact="0.2"/>
+          <dgm:constr type="lMarg" refType="primFontSz" fact="0.2"/>
+          <dgm:constr type="rMarg" refType="primFontSz" fact="0.2"/>
+        </dgm:constrLst>
+        <dgm:ruleLst>
+          <dgm:rule type="w" val="INF" fact="NaN" max="NaN"/>
+          <dgm:rule type="primFontSz" val="5" fact="NaN" max="NaN"/>
+        </dgm:ruleLst>
+      </dgm:layoutNode>
+      <dgm:choose name="Name2">
+        <dgm:if name="Name3" axis="par ch" ptType="doc node" func="cnt" op="gte" val="2">
+          <dgm:forEach name="Name4" axis="followSib" ptType="sibTrans" cnt="1">
+            <dgm:layoutNode name="space">
+              <dgm:alg type="sp"/>
+              <dgm:shape xmlns:r="http://schemas.openxmlformats.org/officeDocument/2006/relationships" r:blip="">
+                <dgm:adjLst/>
+              </dgm:shape>
+              <dgm:presOf/>
+            </dgm:layoutNode>
+          </dgm:forEach>
+        </dgm:if>
+        <dgm:else name="Name5"/>
+      </dgm:choose>
+    </dgm:forEach>
+  </dgm:layoutNode>
+</dgm:layoutDef>
+</file>
+
+<file path=ppt/diagrams/layout6.xml><?xml version="1.0" encoding="utf-8"?>
 <dgm:layoutDef xmlns:dgm="http://schemas.openxmlformats.org/drawingml/2006/diagram" xmlns:a="http://schemas.openxmlformats.org/drawingml/2006/main" uniqueId="urn:microsoft.com/office/officeart/2005/8/layout/funnel1">
   <dgm:title val=""/>
   <dgm:desc val=""/>
@@ -10028,178 +10201,6 @@
 </dgm:layoutDef>
 </file>
 
-<file path=ppt/diagrams/layout5.xml><?xml version="1.0" encoding="utf-8"?>
-<dgm:layoutDef xmlns:dgm="http://schemas.openxmlformats.org/drawingml/2006/diagram" xmlns:a="http://schemas.openxmlformats.org/drawingml/2006/main" uniqueId="urn:diagrams.loki3.com/VaryingWidthList">
-  <dgm:title val="Varying Width List"/>
-  <dgm:desc val="Use for emphasizing items of different weights.  Good for large amounts of Level 1 text.  The width of each shape is independently determined based on its text."/>
-  <dgm:catLst>
-    <dgm:cat type="list" pri="4160"/>
-    <dgm:cat type="officeonline" pri="5000"/>
-  </dgm:catLst>
-  <dgm:sampData useDef="1">
-    <dgm:dataModel>
-      <dgm:ptLst/>
-      <dgm:bg/>
-      <dgm:whole/>
-    </dgm:dataModel>
-  </dgm:sampData>
-  <dgm:styleData useDef="1">
-    <dgm:dataModel>
-      <dgm:ptLst/>
-      <dgm:bg/>
-      <dgm:whole/>
-    </dgm:dataModel>
-  </dgm:styleData>
-  <dgm:clrData useDef="1">
-    <dgm:dataModel>
-      <dgm:ptLst/>
-      <dgm:bg/>
-      <dgm:whole/>
-    </dgm:dataModel>
-  </dgm:clrData>
-  <dgm:layoutNode name="Name0">
-    <dgm:varLst>
-      <dgm:resizeHandles/>
-    </dgm:varLst>
-    <dgm:alg type="lin">
-      <dgm:param type="linDir" val="fromT"/>
-    </dgm:alg>
-    <dgm:shape xmlns:r="http://schemas.openxmlformats.org/officeDocument/2006/relationships" r:blip="">
-      <dgm:adjLst/>
-    </dgm:shape>
-    <dgm:presOf/>
-    <dgm:constrLst>
-      <dgm:constr type="w" for="ch" forName="text" val="20"/>
-      <dgm:constr type="h" for="ch" forName="text" refType="h"/>
-      <dgm:constr type="primFontSz" for="ch" forName="text" op="equ" val="65"/>
-      <dgm:constr type="h" for="ch" forName="space" refType="h" fact="0.05"/>
-    </dgm:constrLst>
-    <dgm:forEach name="Name1" axis="ch" ptType="node">
-      <dgm:layoutNode name="text" styleLbl="node1">
-        <dgm:varLst>
-          <dgm:bulletEnabled val="1"/>
-        </dgm:varLst>
-        <dgm:alg type="tx"/>
-        <dgm:shape xmlns:r="http://schemas.openxmlformats.org/officeDocument/2006/relationships" type="rect" r:blip="">
-          <dgm:adjLst/>
-        </dgm:shape>
-        <dgm:presOf axis="desOrSelf" ptType="node"/>
-        <dgm:constrLst>
-          <dgm:constr type="tMarg" refType="primFontSz" fact="0.2"/>
-          <dgm:constr type="bMarg" refType="primFontSz" fact="0.2"/>
-          <dgm:constr type="lMarg" refType="primFontSz" fact="0.2"/>
-          <dgm:constr type="rMarg" refType="primFontSz" fact="0.2"/>
-        </dgm:constrLst>
-        <dgm:ruleLst>
-          <dgm:rule type="w" val="INF" fact="NaN" max="NaN"/>
-          <dgm:rule type="primFontSz" val="5" fact="NaN" max="NaN"/>
-        </dgm:ruleLst>
-      </dgm:layoutNode>
-      <dgm:choose name="Name2">
-        <dgm:if name="Name3" axis="par ch" ptType="doc node" func="cnt" op="gte" val="2">
-          <dgm:forEach name="Name4" axis="followSib" ptType="sibTrans" cnt="1">
-            <dgm:layoutNode name="space">
-              <dgm:alg type="sp"/>
-              <dgm:shape xmlns:r="http://schemas.openxmlformats.org/officeDocument/2006/relationships" r:blip="">
-                <dgm:adjLst/>
-              </dgm:shape>
-              <dgm:presOf/>
-            </dgm:layoutNode>
-          </dgm:forEach>
-        </dgm:if>
-        <dgm:else name="Name5"/>
-      </dgm:choose>
-    </dgm:forEach>
-  </dgm:layoutNode>
-</dgm:layoutDef>
-</file>
-
-<file path=ppt/diagrams/layout6.xml><?xml version="1.0" encoding="utf-8"?>
-<dgm:layoutDef xmlns:dgm="http://schemas.openxmlformats.org/drawingml/2006/diagram" xmlns:a="http://schemas.openxmlformats.org/drawingml/2006/main" uniqueId="urn:diagrams.loki3.com/VaryingWidthList">
-  <dgm:title val="Varying Width List"/>
-  <dgm:desc val="Use for emphasizing items of different weights.  Good for large amounts of Level 1 text.  The width of each shape is independently determined based on its text."/>
-  <dgm:catLst>
-    <dgm:cat type="list" pri="4160"/>
-    <dgm:cat type="officeonline" pri="5000"/>
-  </dgm:catLst>
-  <dgm:sampData useDef="1">
-    <dgm:dataModel>
-      <dgm:ptLst/>
-      <dgm:bg/>
-      <dgm:whole/>
-    </dgm:dataModel>
-  </dgm:sampData>
-  <dgm:styleData useDef="1">
-    <dgm:dataModel>
-      <dgm:ptLst/>
-      <dgm:bg/>
-      <dgm:whole/>
-    </dgm:dataModel>
-  </dgm:styleData>
-  <dgm:clrData useDef="1">
-    <dgm:dataModel>
-      <dgm:ptLst/>
-      <dgm:bg/>
-      <dgm:whole/>
-    </dgm:dataModel>
-  </dgm:clrData>
-  <dgm:layoutNode name="Name0">
-    <dgm:varLst>
-      <dgm:resizeHandles/>
-    </dgm:varLst>
-    <dgm:alg type="lin">
-      <dgm:param type="linDir" val="fromT"/>
-    </dgm:alg>
-    <dgm:shape xmlns:r="http://schemas.openxmlformats.org/officeDocument/2006/relationships" r:blip="">
-      <dgm:adjLst/>
-    </dgm:shape>
-    <dgm:presOf/>
-    <dgm:constrLst>
-      <dgm:constr type="w" for="ch" forName="text" val="20"/>
-      <dgm:constr type="h" for="ch" forName="text" refType="h"/>
-      <dgm:constr type="primFontSz" for="ch" forName="text" op="equ" val="65"/>
-      <dgm:constr type="h" for="ch" forName="space" refType="h" fact="0.05"/>
-    </dgm:constrLst>
-    <dgm:forEach name="Name1" axis="ch" ptType="node">
-      <dgm:layoutNode name="text" styleLbl="node1">
-        <dgm:varLst>
-          <dgm:bulletEnabled val="1"/>
-        </dgm:varLst>
-        <dgm:alg type="tx"/>
-        <dgm:shape xmlns:r="http://schemas.openxmlformats.org/officeDocument/2006/relationships" type="rect" r:blip="">
-          <dgm:adjLst/>
-        </dgm:shape>
-        <dgm:presOf axis="desOrSelf" ptType="node"/>
-        <dgm:constrLst>
-          <dgm:constr type="tMarg" refType="primFontSz" fact="0.2"/>
-          <dgm:constr type="bMarg" refType="primFontSz" fact="0.2"/>
-          <dgm:constr type="lMarg" refType="primFontSz" fact="0.2"/>
-          <dgm:constr type="rMarg" refType="primFontSz" fact="0.2"/>
-        </dgm:constrLst>
-        <dgm:ruleLst>
-          <dgm:rule type="w" val="INF" fact="NaN" max="NaN"/>
-          <dgm:rule type="primFontSz" val="5" fact="NaN" max="NaN"/>
-        </dgm:ruleLst>
-      </dgm:layoutNode>
-      <dgm:choose name="Name2">
-        <dgm:if name="Name3" axis="par ch" ptType="doc node" func="cnt" op="gte" val="2">
-          <dgm:forEach name="Name4" axis="followSib" ptType="sibTrans" cnt="1">
-            <dgm:layoutNode name="space">
-              <dgm:alg type="sp"/>
-              <dgm:shape xmlns:r="http://schemas.openxmlformats.org/officeDocument/2006/relationships" r:blip="">
-                <dgm:adjLst/>
-              </dgm:shape>
-              <dgm:presOf/>
-            </dgm:layoutNode>
-          </dgm:forEach>
-        </dgm:if>
-        <dgm:else name="Name5"/>
-      </dgm:choose>
-    </dgm:forEach>
-  </dgm:layoutNode>
-</dgm:layoutDef>
-</file>
-
 <file path=ppt/diagrams/quickStyle1.xml><?xml version="1.0" encoding="utf-8"?>
 <dgm:styleDef xmlns:dgm="http://schemas.openxmlformats.org/drawingml/2006/diagram" xmlns:a="http://schemas.openxmlformats.org/drawingml/2006/main" uniqueId="urn:microsoft.com/office/officeart/2005/8/quickstyle/simple1">
   <dgm:title val=""/>
@@ -16479,7 +16480,7 @@
             <a:fld id="{3739F75B-3842-4986-B379-A25F65D2E2D9}" type="datetimeFigureOut">
               <a:rPr lang="en-US" smtClean="0"/>
               <a:pPr/>
-              <a:t>9/4/2017</a:t>
+              <a:t>9/5/2017</a:t>
             </a:fld>
             <a:endParaRPr lang="en-US"/>
           </a:p>
@@ -16625,7 +16626,7 @@
             <a:fld id="{866387FC-CCBE-45D6-8023-B2729909DF51}" type="datetimeFigureOut">
               <a:rPr lang="en-US" smtClean="0"/>
               <a:pPr/>
-              <a:t>9/4/2017</a:t>
+              <a:t>9/5/2017</a:t>
             </a:fld>
             <a:endParaRPr lang="en-US"/>
           </a:p>
@@ -16955,7 +16956,7 @@
             <a:fld id="{866387FC-CCBE-45D6-8023-B2729909DF51}" type="datetimeFigureOut">
               <a:rPr lang="en-US" smtClean="0"/>
               <a:pPr/>
-              <a:t>9/4/2017</a:t>
+              <a:t>9/5/2017</a:t>
             </a:fld>
             <a:endParaRPr lang="en-US"/>
           </a:p>
@@ -17104,7 +17105,7 @@
             <a:fld id="{866387FC-CCBE-45D6-8023-B2729909DF51}" type="datetimeFigureOut">
               <a:rPr lang="en-US" smtClean="0"/>
               <a:pPr/>
-              <a:t>9/4/2017</a:t>
+              <a:t>9/5/2017</a:t>
             </a:fld>
             <a:endParaRPr lang="en-US"/>
           </a:p>
@@ -17253,7 +17254,7 @@
             <a:fld id="{866387FC-CCBE-45D6-8023-B2729909DF51}" type="datetimeFigureOut">
               <a:rPr lang="en-US" smtClean="0"/>
               <a:pPr/>
-              <a:t>9/4/2017</a:t>
+              <a:t>9/5/2017</a:t>
             </a:fld>
             <a:endParaRPr lang="en-US"/>
           </a:p>
@@ -17410,7 +17411,7 @@
             <a:fld id="{866387FC-CCBE-45D6-8023-B2729909DF51}" type="datetimeFigureOut">
               <a:rPr lang="en-US" smtClean="0"/>
               <a:pPr/>
-              <a:t>9/4/2017</a:t>
+              <a:t>9/5/2017</a:t>
             </a:fld>
             <a:endParaRPr lang="en-US"/>
           </a:p>
@@ -17564,7 +17565,7 @@
             <a:fld id="{866387FC-CCBE-45D6-8023-B2729909DF51}" type="datetimeFigureOut">
               <a:rPr lang="en-US" smtClean="0"/>
               <a:pPr/>
-              <a:t>9/4/2017</a:t>
+              <a:t>9/5/2017</a:t>
             </a:fld>
             <a:endParaRPr lang="en-US"/>
           </a:p>
@@ -17718,7 +17719,7 @@
             <a:fld id="{866387FC-CCBE-45D6-8023-B2729909DF51}" type="datetimeFigureOut">
               <a:rPr lang="en-US" smtClean="0"/>
               <a:pPr/>
-              <a:t>9/4/2017</a:t>
+              <a:t>9/5/2017</a:t>
             </a:fld>
             <a:endParaRPr lang="en-US"/>
           </a:p>
@@ -18176,7 +18177,7 @@
             <a:fld id="{633EFA78-DE0E-433D-8CFA-D9FBF0D95DCD}" type="datetime1">
               <a:rPr lang="en-US" smtClean="0"/>
               <a:pPr/>
-              <a:t>9/4/2017</a:t>
+              <a:t>9/5/2017</a:t>
             </a:fld>
             <a:endParaRPr lang="en-US"/>
           </a:p>
@@ -18353,7 +18354,7 @@
             <a:fld id="{4427F9C6-20A9-45D8-B666-D95AD1AA535F}" type="datetime1">
               <a:rPr lang="en-US" smtClean="0"/>
               <a:pPr/>
-              <a:t>9/4/2017</a:t>
+              <a:t>9/5/2017</a:t>
             </a:fld>
             <a:endParaRPr lang="en-US"/>
           </a:p>
@@ -18468,7 +18469,7 @@
             <a:fld id="{5AFB2161-9FCA-498A-A51E-7B90071250E8}" type="datetime1">
               <a:rPr lang="en-US" smtClean="0"/>
               <a:pPr/>
-              <a:t>9/4/2017</a:t>
+              <a:t>9/5/2017</a:t>
             </a:fld>
             <a:endParaRPr lang="en-US"/>
           </a:p>
@@ -18720,7 +18721,7 @@
             <a:fld id="{9F5395AF-258B-4502-92DF-E211AA281B41}" type="datetime1">
               <a:rPr lang="en-US" smtClean="0"/>
               <a:pPr/>
-              <a:t>9/4/2017</a:t>
+              <a:t>9/5/2017</a:t>
             </a:fld>
             <a:endParaRPr lang="en-US"/>
           </a:p>
@@ -18949,7 +18950,7 @@
             <a:fld id="{A1099F1B-DCEB-4336-9EB0-63F5002A04E3}" type="datetimeFigureOut">
               <a:rPr lang="en-US" smtClean="0"/>
               <a:pPr/>
-              <a:t>9/4/2017</a:t>
+              <a:t>9/5/2017</a:t>
             </a:fld>
             <a:endParaRPr lang="en-US"/>
           </a:p>
@@ -19116,7 +19117,7 @@
             <a:fld id="{A1099F1B-DCEB-4336-9EB0-63F5002A04E3}" type="datetimeFigureOut">
               <a:rPr lang="en-US" smtClean="0"/>
               <a:pPr/>
-              <a:t>9/4/2017</a:t>
+              <a:t>9/5/2017</a:t>
             </a:fld>
             <a:endParaRPr lang="en-US"/>
           </a:p>
@@ -19345,7 +19346,7 @@
             <a:fld id="{A1099F1B-DCEB-4336-9EB0-63F5002A04E3}" type="datetimeFigureOut">
               <a:rPr lang="en-US" smtClean="0"/>
               <a:pPr/>
-              <a:t>9/4/2017</a:t>
+              <a:t>9/5/2017</a:t>
             </a:fld>
             <a:endParaRPr lang="en-US"/>
           </a:p>
@@ -19786,7 +19787,7 @@
             <a:fld id="{1BC102A9-C1B1-4354-89E4-F43472216A4F}" type="datetime1">
               <a:rPr lang="en-US" smtClean="0"/>
               <a:pPr algn="r"/>
-              <a:t>9/4/2017</a:t>
+              <a:t>9/5/2017</a:t>
             </a:fld>
             <a:endParaRPr lang="en-US" sz="1000" dirty="0">
               <a:solidFill>
@@ -20682,61 +20683,6 @@
           <a:chExt cx="0" cy="0"/>
         </a:xfrm>
       </p:grpSpPr>
-      <p:graphicFrame>
-        <p:nvGraphicFramePr>
-          <p:cNvPr id="4" name="Content Placeholder 3"/>
-          <p:cNvGraphicFramePr>
-            <a:graphicFrameLocks noGrp="1"/>
-          </p:cNvGraphicFramePr>
-          <p:nvPr>
-            <p:ph idx="1"/>
-            <p:extLst>
-              <p:ext uri="{D42A27DB-BD31-4B8C-83A1-F6EECF244321}">
-                <p14:modId xmlns:p14="http://schemas.microsoft.com/office/powerpoint/2010/main" val="429898103"/>
-              </p:ext>
-            </p:extLst>
-          </p:nvPr>
-        </p:nvGraphicFramePr>
-        <p:xfrm>
-          <a:off x="467544" y="476672"/>
-          <a:ext cx="8208912" cy="5688632"/>
-        </p:xfrm>
-        <a:graphic>
-          <a:graphicData uri="http://schemas.openxmlformats.org/drawingml/2006/diagram">
-            <dgm:relIds xmlns:dgm="http://schemas.openxmlformats.org/drawingml/2006/diagram" xmlns:r="http://schemas.openxmlformats.org/officeDocument/2006/relationships" r:dm="rId2" r:lo="rId3" r:qs="rId4" r:cs="rId5"/>
-          </a:graphicData>
-        </a:graphic>
-      </p:graphicFrame>
-    </p:spTree>
-    <p:extLst>
-      <p:ext uri="{BB962C8B-B14F-4D97-AF65-F5344CB8AC3E}">
-        <p14:creationId xmlns:p14="http://schemas.microsoft.com/office/powerpoint/2010/main" val="3914691018"/>
-      </p:ext>
-    </p:extLst>
-  </p:cSld>
-  <p:clrMapOvr>
-    <a:masterClrMapping/>
-  </p:clrMapOvr>
-</p:sld>
-</file>
-
-<file path=ppt/slides/slide14.xml><?xml version="1.0" encoding="utf-8"?>
-<p:sld xmlns:a="http://schemas.openxmlformats.org/drawingml/2006/main" xmlns:r="http://schemas.openxmlformats.org/officeDocument/2006/relationships" xmlns:p="http://schemas.openxmlformats.org/presentationml/2006/main">
-  <p:cSld>
-    <p:spTree>
-      <p:nvGrpSpPr>
-        <p:cNvPr id="1" name=""/>
-        <p:cNvGrpSpPr/>
-        <p:nvPr/>
-      </p:nvGrpSpPr>
-      <p:grpSpPr>
-        <a:xfrm>
-          <a:off x="0" y="0"/>
-          <a:ext cx="0" cy="0"/>
-          <a:chOff x="0" y="0"/>
-          <a:chExt cx="0" cy="0"/>
-        </a:xfrm>
-      </p:grpSpPr>
       <p:sp>
         <p:nvSpPr>
           <p:cNvPr id="2" name="Title 1"/>
@@ -20799,7 +20745,7 @@
 </p:sld>
 </file>
 
-<file path=ppt/slides/slide15.xml><?xml version="1.0" encoding="utf-8"?>
+<file path=ppt/slides/slide14.xml><?xml version="1.0" encoding="utf-8"?>
 <p:sld xmlns:a="http://schemas.openxmlformats.org/drawingml/2006/main" xmlns:r="http://schemas.openxmlformats.org/officeDocument/2006/relationships" xmlns:p="http://schemas.openxmlformats.org/presentationml/2006/main">
   <p:cSld>
     <p:spTree>
@@ -20878,7 +20824,7 @@
 </p:sld>
 </file>
 
-<file path=ppt/slides/slide16.xml><?xml version="1.0" encoding="utf-8"?>
+<file path=ppt/slides/slide15.xml><?xml version="1.0" encoding="utf-8"?>
 <p:sld xmlns:a="http://schemas.openxmlformats.org/drawingml/2006/main" xmlns:r="http://schemas.openxmlformats.org/officeDocument/2006/relationships" xmlns:p="http://schemas.openxmlformats.org/presentationml/2006/main">
   <p:cSld>
     <p:spTree>
@@ -20938,7 +20884,157 @@
 </p:sld>
 </file>
 
+<file path=ppt/slides/slide16.xml><?xml version="1.0" encoding="utf-8"?>
+<p:sld xmlns:a="http://schemas.openxmlformats.org/drawingml/2006/main" xmlns:r="http://schemas.openxmlformats.org/officeDocument/2006/relationships" xmlns:p="http://schemas.openxmlformats.org/presentationml/2006/main">
+  <p:cSld>
+    <p:spTree>
+      <p:nvGrpSpPr>
+        <p:cNvPr id="1" name=""/>
+        <p:cNvGrpSpPr/>
+        <p:nvPr/>
+      </p:nvGrpSpPr>
+      <p:grpSpPr>
+        <a:xfrm>
+          <a:off x="0" y="0"/>
+          <a:ext cx="0" cy="0"/>
+          <a:chOff x="0" y="0"/>
+          <a:chExt cx="0" cy="0"/>
+        </a:xfrm>
+      </p:grpSpPr>
+      <p:pic>
+        <p:nvPicPr>
+          <p:cNvPr id="9" name="Picture 8"/>
+          <p:cNvPicPr>
+            <a:picLocks noChangeAspect="1"/>
+          </p:cNvPicPr>
+          <p:nvPr/>
+        </p:nvPicPr>
+        <p:blipFill>
+          <a:blip r:embed="rId2">
+            <a:extLst>
+              <a:ext uri="{28A0092B-C50C-407E-A947-70E740481C1C}">
+                <a14:useLocalDpi xmlns:a14="http://schemas.microsoft.com/office/drawing/2010/main" val="0"/>
+              </a:ext>
+            </a:extLst>
+          </a:blip>
+          <a:stretch>
+            <a:fillRect/>
+          </a:stretch>
+        </p:blipFill>
+        <p:spPr>
+          <a:xfrm>
+            <a:off x="1471180" y="476673"/>
+            <a:ext cx="6201640" cy="5400600"/>
+          </a:xfrm>
+          <a:prstGeom prst="rect">
+            <a:avLst/>
+          </a:prstGeom>
+        </p:spPr>
+      </p:pic>
+    </p:spTree>
+    <p:extLst>
+      <p:ext uri="{BB962C8B-B14F-4D97-AF65-F5344CB8AC3E}">
+        <p14:creationId xmlns:p14="http://schemas.microsoft.com/office/powerpoint/2010/main" val="4159881383"/>
+      </p:ext>
+    </p:extLst>
+  </p:cSld>
+  <p:clrMapOvr>
+    <a:masterClrMapping/>
+  </p:clrMapOvr>
+</p:sld>
+</file>
+
 <file path=ppt/slides/slide17.xml><?xml version="1.0" encoding="utf-8"?>
+<p:sld xmlns:a="http://schemas.openxmlformats.org/drawingml/2006/main" xmlns:r="http://schemas.openxmlformats.org/officeDocument/2006/relationships" xmlns:p="http://schemas.openxmlformats.org/presentationml/2006/main">
+  <p:cSld>
+    <p:spTree>
+      <p:nvGrpSpPr>
+        <p:cNvPr id="1" name=""/>
+        <p:cNvGrpSpPr/>
+        <p:nvPr/>
+      </p:nvGrpSpPr>
+      <p:grpSpPr>
+        <a:xfrm>
+          <a:off x="0" y="0"/>
+          <a:ext cx="0" cy="0"/>
+          <a:chOff x="0" y="0"/>
+          <a:chExt cx="0" cy="0"/>
+        </a:xfrm>
+      </p:grpSpPr>
+      <p:pic>
+        <p:nvPicPr>
+          <p:cNvPr id="3" name="Picture 2"/>
+          <p:cNvPicPr>
+            <a:picLocks noChangeAspect="1"/>
+          </p:cNvPicPr>
+          <p:nvPr/>
+        </p:nvPicPr>
+        <p:blipFill>
+          <a:blip r:embed="rId2">
+            <a:extLst>
+              <a:ext uri="{28A0092B-C50C-407E-A947-70E740481C1C}">
+                <a14:useLocalDpi xmlns:a14="http://schemas.microsoft.com/office/drawing/2010/main" val="0"/>
+              </a:ext>
+            </a:extLst>
+          </a:blip>
+          <a:stretch>
+            <a:fillRect/>
+          </a:stretch>
+        </p:blipFill>
+        <p:spPr>
+          <a:xfrm>
+            <a:off x="467544" y="1182003"/>
+            <a:ext cx="5904656" cy="3183101"/>
+          </a:xfrm>
+          <a:prstGeom prst="rect">
+            <a:avLst/>
+          </a:prstGeom>
+        </p:spPr>
+      </p:pic>
+      <p:pic>
+        <p:nvPicPr>
+          <p:cNvPr id="5" name="Picture 4"/>
+          <p:cNvPicPr>
+            <a:picLocks noChangeAspect="1"/>
+          </p:cNvPicPr>
+          <p:nvPr/>
+        </p:nvPicPr>
+        <p:blipFill>
+          <a:blip r:embed="rId3">
+            <a:extLst>
+              <a:ext uri="{28A0092B-C50C-407E-A947-70E740481C1C}">
+                <a14:useLocalDpi xmlns:a14="http://schemas.microsoft.com/office/drawing/2010/main" val="0"/>
+              </a:ext>
+            </a:extLst>
+          </a:blip>
+          <a:stretch>
+            <a:fillRect/>
+          </a:stretch>
+        </p:blipFill>
+        <p:spPr>
+          <a:xfrm>
+            <a:off x="3059832" y="4509120"/>
+            <a:ext cx="5668166" cy="648072"/>
+          </a:xfrm>
+          <a:prstGeom prst="rect">
+            <a:avLst/>
+          </a:prstGeom>
+        </p:spPr>
+      </p:pic>
+    </p:spTree>
+    <p:extLst>
+      <p:ext uri="{BB962C8B-B14F-4D97-AF65-F5344CB8AC3E}">
+        <p14:creationId xmlns:p14="http://schemas.microsoft.com/office/powerpoint/2010/main" val="699075704"/>
+      </p:ext>
+    </p:extLst>
+  </p:cSld>
+  <p:clrMapOvr>
+    <a:masterClrMapping/>
+  </p:clrMapOvr>
+</p:sld>
+</file>
+
+<file path=ppt/slides/slide18.xml><?xml version="1.0" encoding="utf-8"?>
 <p:sld xmlns:a="http://schemas.openxmlformats.org/drawingml/2006/main" xmlns:r="http://schemas.openxmlformats.org/officeDocument/2006/relationships" xmlns:p="http://schemas.openxmlformats.org/presentationml/2006/main">
   <p:cSld>
     <p:spTree>
@@ -20965,2885 +21061,25 @@
             <p:ph idx="1"/>
             <p:extLst>
               <p:ext uri="{D42A27DB-BD31-4B8C-83A1-F6EECF244321}">
-                <p14:modId xmlns:p14="http://schemas.microsoft.com/office/powerpoint/2010/main" val="3097590641"/>
+                <p14:modId xmlns:p14="http://schemas.microsoft.com/office/powerpoint/2010/main" val="429898103"/>
               </p:ext>
             </p:extLst>
           </p:nvPr>
         </p:nvGraphicFramePr>
         <p:xfrm>
-          <a:off x="467544" y="420097"/>
-          <a:ext cx="6552727" cy="1487805"/>
+          <a:off x="467544" y="476672"/>
+          <a:ext cx="8208912" cy="5688632"/>
         </p:xfrm>
         <a:graphic>
-          <a:graphicData uri="http://schemas.openxmlformats.org/drawingml/2006/table">
-            <a:tbl>
-              <a:tblPr>
-                <a:tableStyleId>{B301B821-A1FF-4177-AEE7-76D212191A09}</a:tableStyleId>
-              </a:tblPr>
-              <a:tblGrid>
-                <a:gridCol w="2761723">
-                  <a:extLst>
-                    <a:ext uri="{9D8B030D-6E8A-4147-A177-3AD203B41FA5}">
-                      <a16:colId xmlns:a16="http://schemas.microsoft.com/office/drawing/2014/main" val="60524709"/>
-                    </a:ext>
-                  </a:extLst>
-                </a:gridCol>
-                <a:gridCol w="1263668">
-                  <a:extLst>
-                    <a:ext uri="{9D8B030D-6E8A-4147-A177-3AD203B41FA5}">
-                      <a16:colId xmlns:a16="http://schemas.microsoft.com/office/drawing/2014/main" val="3400164603"/>
-                    </a:ext>
-                  </a:extLst>
-                </a:gridCol>
-                <a:gridCol w="1263668">
-                  <a:extLst>
-                    <a:ext uri="{9D8B030D-6E8A-4147-A177-3AD203B41FA5}">
-                      <a16:colId xmlns:a16="http://schemas.microsoft.com/office/drawing/2014/main" val="517197909"/>
-                    </a:ext>
-                  </a:extLst>
-                </a:gridCol>
-                <a:gridCol w="1263668">
-                  <a:extLst>
-                    <a:ext uri="{9D8B030D-6E8A-4147-A177-3AD203B41FA5}">
-                      <a16:colId xmlns:a16="http://schemas.microsoft.com/office/drawing/2014/main" val="2116990143"/>
-                    </a:ext>
-                  </a:extLst>
-                </a:gridCol>
-              </a:tblGrid>
-              <a:tr h="190500">
-                <a:tc>
-                  <a:txBody>
-                    <a:bodyPr/>
-                    <a:lstStyle/>
-                    <a:p>
-                      <a:pPr algn="ctr" fontAlgn="ctr"/>
-                      <a:r>
-                        <a:rPr lang="en-PH" sz="1100" u="none" strike="noStrike" dirty="0">
-                          <a:effectLst/>
-                        </a:rPr>
-                        <a:t>Personnel</a:t>
-                      </a:r>
-                      <a:endParaRPr lang="en-PH" sz="1100" b="1" i="0" u="none" strike="noStrike" dirty="0">
-                        <a:solidFill>
-                          <a:srgbClr val="000000"/>
-                        </a:solidFill>
-                        <a:effectLst/>
-                        <a:latin typeface="Calibri" panose="020F0502020204030204" pitchFamily="34" charset="0"/>
-                      </a:endParaRPr>
-                    </a:p>
-                  </a:txBody>
-                  <a:tcPr marL="9525" marR="9525" marT="9525" marB="0" anchor="ctr"/>
-                </a:tc>
-                <a:tc>
-                  <a:txBody>
-                    <a:bodyPr/>
-                    <a:lstStyle/>
-                    <a:p>
-                      <a:pPr algn="ctr" fontAlgn="ctr"/>
-                      <a:r>
-                        <a:rPr lang="en-PH" sz="1100" u="none" strike="noStrike">
-                          <a:effectLst/>
-                        </a:rPr>
-                        <a:t>Salary (monthly)</a:t>
-                      </a:r>
-                      <a:endParaRPr lang="en-PH" sz="1100" b="1" i="0" u="none" strike="noStrike">
-                        <a:solidFill>
-                          <a:srgbClr val="000000"/>
-                        </a:solidFill>
-                        <a:effectLst/>
-                        <a:latin typeface="Calibri" panose="020F0502020204030204" pitchFamily="34" charset="0"/>
-                      </a:endParaRPr>
-                    </a:p>
-                  </a:txBody>
-                  <a:tcPr marL="9525" marR="9525" marT="9525" marB="0" anchor="ctr"/>
-                </a:tc>
-                <a:tc>
-                  <a:txBody>
-                    <a:bodyPr/>
-                    <a:lstStyle/>
-                    <a:p>
-                      <a:pPr algn="ctr" fontAlgn="ctr"/>
-                      <a:r>
-                        <a:rPr lang="en-PH" sz="1100" u="none" strike="noStrike">
-                          <a:effectLst/>
-                        </a:rPr>
-                        <a:t>Duration (month)</a:t>
-                      </a:r>
-                      <a:endParaRPr lang="en-PH" sz="1100" b="1" i="0" u="none" strike="noStrike">
-                        <a:solidFill>
-                          <a:srgbClr val="000000"/>
-                        </a:solidFill>
-                        <a:effectLst/>
-                        <a:latin typeface="Calibri" panose="020F0502020204030204" pitchFamily="34" charset="0"/>
-                      </a:endParaRPr>
-                    </a:p>
-                  </a:txBody>
-                  <a:tcPr marL="9525" marR="9525" marT="9525" marB="0" anchor="ctr"/>
-                </a:tc>
-                <a:tc>
-                  <a:txBody>
-                    <a:bodyPr/>
-                    <a:lstStyle/>
-                    <a:p>
-                      <a:pPr algn="ctr" fontAlgn="ctr"/>
-                      <a:r>
-                        <a:rPr lang="en-PH" sz="1100" u="none" strike="noStrike">
-                          <a:effectLst/>
-                        </a:rPr>
-                        <a:t>Total</a:t>
-                      </a:r>
-                      <a:endParaRPr lang="en-PH" sz="1100" b="1" i="0" u="none" strike="noStrike">
-                        <a:solidFill>
-                          <a:srgbClr val="000000"/>
-                        </a:solidFill>
-                        <a:effectLst/>
-                        <a:latin typeface="Calibri" panose="020F0502020204030204" pitchFamily="34" charset="0"/>
-                      </a:endParaRPr>
-                    </a:p>
-                  </a:txBody>
-                  <a:tcPr marL="9525" marR="9525" marT="9525" marB="0" anchor="ctr"/>
-                </a:tc>
-                <a:extLst>
-                  <a:ext uri="{0D108BD9-81ED-4DB2-BD59-A6C34878D82A}">
-                    <a16:rowId xmlns:a16="http://schemas.microsoft.com/office/drawing/2014/main" val="1391054418"/>
-                  </a:ext>
-                </a:extLst>
-              </a:tr>
-              <a:tr h="190500">
-                <a:tc>
-                  <a:txBody>
-                    <a:bodyPr/>
-                    <a:lstStyle/>
-                    <a:p>
-                      <a:pPr algn="l" fontAlgn="b"/>
-                      <a:r>
-                        <a:rPr lang="en-PH" sz="1100" u="none" strike="noStrike">
-                          <a:effectLst/>
-                        </a:rPr>
-                        <a:t>Project Manager</a:t>
-                      </a:r>
-                      <a:endParaRPr lang="en-PH" sz="1100" b="0" i="0" u="none" strike="noStrike">
-                        <a:solidFill>
-                          <a:srgbClr val="000000"/>
-                        </a:solidFill>
-                        <a:effectLst/>
-                        <a:latin typeface="Calibri" panose="020F0502020204030204" pitchFamily="34" charset="0"/>
-                      </a:endParaRPr>
-                    </a:p>
-                  </a:txBody>
-                  <a:tcPr marL="9525" marR="9525" marT="9525" marB="0" anchor="b"/>
-                </a:tc>
-                <a:tc>
-                  <a:txBody>
-                    <a:bodyPr/>
-                    <a:lstStyle/>
-                    <a:p>
-                      <a:pPr algn="ctr" fontAlgn="b"/>
-                      <a:r>
-                        <a:rPr lang="en-PH" sz="1100" u="none" strike="noStrike">
-                          <a:effectLst/>
-                        </a:rPr>
-                        <a:t>₱36,667</a:t>
-                      </a:r>
-                      <a:endParaRPr lang="en-PH" sz="1100" b="0" i="0" u="none" strike="noStrike">
-                        <a:solidFill>
-                          <a:srgbClr val="000000"/>
-                        </a:solidFill>
-                        <a:effectLst/>
-                        <a:latin typeface="Calibri" panose="020F0502020204030204" pitchFamily="34" charset="0"/>
-                      </a:endParaRPr>
-                    </a:p>
-                  </a:txBody>
-                  <a:tcPr marL="9525" marR="9525" marT="9525" marB="0" anchor="b"/>
-                </a:tc>
-                <a:tc>
-                  <a:txBody>
-                    <a:bodyPr/>
-                    <a:lstStyle/>
-                    <a:p>
-                      <a:pPr algn="ctr" fontAlgn="b"/>
-                      <a:r>
-                        <a:rPr lang="en-PH" sz="1100" u="none" strike="noStrike">
-                          <a:effectLst/>
-                        </a:rPr>
-                        <a:t>18</a:t>
-                      </a:r>
-                      <a:endParaRPr lang="en-PH" sz="1100" b="0" i="0" u="none" strike="noStrike">
-                        <a:solidFill>
-                          <a:srgbClr val="000000"/>
-                        </a:solidFill>
-                        <a:effectLst/>
-                        <a:latin typeface="Calibri" panose="020F0502020204030204" pitchFamily="34" charset="0"/>
-                      </a:endParaRPr>
-                    </a:p>
-                  </a:txBody>
-                  <a:tcPr marL="9525" marR="9525" marT="9525" marB="0" anchor="b"/>
-                </a:tc>
-                <a:tc>
-                  <a:txBody>
-                    <a:bodyPr/>
-                    <a:lstStyle/>
-                    <a:p>
-                      <a:pPr algn="ctr" fontAlgn="b"/>
-                      <a:r>
-                        <a:rPr lang="en-PH" sz="1100" u="none" strike="noStrike">
-                          <a:effectLst/>
-                        </a:rPr>
-                        <a:t>₱660,006</a:t>
-                      </a:r>
-                      <a:endParaRPr lang="en-PH" sz="1100" b="0" i="0" u="none" strike="noStrike">
-                        <a:solidFill>
-                          <a:srgbClr val="000000"/>
-                        </a:solidFill>
-                        <a:effectLst/>
-                        <a:latin typeface="Calibri" panose="020F0502020204030204" pitchFamily="34" charset="0"/>
-                      </a:endParaRPr>
-                    </a:p>
-                  </a:txBody>
-                  <a:tcPr marL="9525" marR="9525" marT="9525" marB="0" anchor="b"/>
-                </a:tc>
-                <a:extLst>
-                  <a:ext uri="{0D108BD9-81ED-4DB2-BD59-A6C34878D82A}">
-                    <a16:rowId xmlns:a16="http://schemas.microsoft.com/office/drawing/2014/main" val="532331795"/>
-                  </a:ext>
-                </a:extLst>
-              </a:tr>
-              <a:tr h="190500">
-                <a:tc>
-                  <a:txBody>
-                    <a:bodyPr/>
-                    <a:lstStyle/>
-                    <a:p>
-                      <a:pPr algn="l" fontAlgn="b"/>
-                      <a:r>
-                        <a:rPr lang="en-PH" sz="1100" u="none" strike="noStrike" dirty="0">
-                          <a:effectLst/>
-                        </a:rPr>
-                        <a:t>Business Analyst</a:t>
-                      </a:r>
-                      <a:endParaRPr lang="en-PH" sz="1100" b="0" i="0" u="none" strike="noStrike" dirty="0">
-                        <a:solidFill>
-                          <a:srgbClr val="000000"/>
-                        </a:solidFill>
-                        <a:effectLst/>
-                        <a:latin typeface="Calibri" panose="020F0502020204030204" pitchFamily="34" charset="0"/>
-                      </a:endParaRPr>
-                    </a:p>
-                  </a:txBody>
-                  <a:tcPr marL="9525" marR="9525" marT="9525" marB="0" anchor="b"/>
-                </a:tc>
-                <a:tc>
-                  <a:txBody>
-                    <a:bodyPr/>
-                    <a:lstStyle/>
-                    <a:p>
-                      <a:pPr algn="ctr" fontAlgn="b"/>
-                      <a:r>
-                        <a:rPr lang="en-PH" sz="1100" u="none" strike="noStrike">
-                          <a:effectLst/>
-                        </a:rPr>
-                        <a:t>₱18,841</a:t>
-                      </a:r>
-                      <a:endParaRPr lang="en-PH" sz="1100" b="0" i="0" u="none" strike="noStrike">
-                        <a:solidFill>
-                          <a:srgbClr val="000000"/>
-                        </a:solidFill>
-                        <a:effectLst/>
-                        <a:latin typeface="Calibri" panose="020F0502020204030204" pitchFamily="34" charset="0"/>
-                      </a:endParaRPr>
-                    </a:p>
-                  </a:txBody>
-                  <a:tcPr marL="9525" marR="9525" marT="9525" marB="0" anchor="b"/>
-                </a:tc>
-                <a:tc>
-                  <a:txBody>
-                    <a:bodyPr/>
-                    <a:lstStyle/>
-                    <a:p>
-                      <a:pPr algn="ctr" fontAlgn="b"/>
-                      <a:r>
-                        <a:rPr lang="en-PH" sz="1100" u="none" strike="noStrike" dirty="0">
-                          <a:effectLst/>
-                        </a:rPr>
-                        <a:t>6</a:t>
-                      </a:r>
-                      <a:endParaRPr lang="en-PH" sz="1100" b="0" i="0" u="none" strike="noStrike" dirty="0">
-                        <a:solidFill>
-                          <a:srgbClr val="000000"/>
-                        </a:solidFill>
-                        <a:effectLst/>
-                        <a:latin typeface="Calibri" panose="020F0502020204030204" pitchFamily="34" charset="0"/>
-                      </a:endParaRPr>
-                    </a:p>
-                  </a:txBody>
-                  <a:tcPr marL="9525" marR="9525" marT="9525" marB="0" anchor="b"/>
-                </a:tc>
-                <a:tc>
-                  <a:txBody>
-                    <a:bodyPr/>
-                    <a:lstStyle/>
-                    <a:p>
-                      <a:pPr algn="ctr" fontAlgn="b"/>
-                      <a:r>
-                        <a:rPr lang="en-PH" sz="1100" u="none" strike="noStrike">
-                          <a:effectLst/>
-                        </a:rPr>
-                        <a:t>₱113,046</a:t>
-                      </a:r>
-                      <a:endParaRPr lang="en-PH" sz="1100" b="0" i="0" u="none" strike="noStrike">
-                        <a:solidFill>
-                          <a:srgbClr val="000000"/>
-                        </a:solidFill>
-                        <a:effectLst/>
-                        <a:latin typeface="Calibri" panose="020F0502020204030204" pitchFamily="34" charset="0"/>
-                      </a:endParaRPr>
-                    </a:p>
-                  </a:txBody>
-                  <a:tcPr marL="9525" marR="9525" marT="9525" marB="0" anchor="b"/>
-                </a:tc>
-                <a:extLst>
-                  <a:ext uri="{0D108BD9-81ED-4DB2-BD59-A6C34878D82A}">
-                    <a16:rowId xmlns:a16="http://schemas.microsoft.com/office/drawing/2014/main" val="4124344398"/>
-                  </a:ext>
-                </a:extLst>
-              </a:tr>
-              <a:tr h="190500">
-                <a:tc>
-                  <a:txBody>
-                    <a:bodyPr/>
-                    <a:lstStyle/>
-                    <a:p>
-                      <a:pPr algn="l" fontAlgn="b"/>
-                      <a:r>
-                        <a:rPr lang="en-PH" sz="1100" u="none" strike="noStrike">
-                          <a:effectLst/>
-                        </a:rPr>
-                        <a:t>Mobile Applications Developer (Android)</a:t>
-                      </a:r>
-                      <a:endParaRPr lang="en-PH" sz="1100" b="0" i="0" u="none" strike="noStrike">
-                        <a:solidFill>
-                          <a:srgbClr val="000000"/>
-                        </a:solidFill>
-                        <a:effectLst/>
-                        <a:latin typeface="Calibri" panose="020F0502020204030204" pitchFamily="34" charset="0"/>
-                      </a:endParaRPr>
-                    </a:p>
-                  </a:txBody>
-                  <a:tcPr marL="9525" marR="9525" marT="9525" marB="0" anchor="b"/>
-                </a:tc>
-                <a:tc>
-                  <a:txBody>
-                    <a:bodyPr/>
-                    <a:lstStyle/>
-                    <a:p>
-                      <a:pPr algn="ctr" fontAlgn="b"/>
-                      <a:r>
-                        <a:rPr lang="en-PH" sz="1100" u="none" strike="noStrike">
-                          <a:effectLst/>
-                        </a:rPr>
-                        <a:t>₱26,667</a:t>
-                      </a:r>
-                      <a:endParaRPr lang="en-PH" sz="1100" b="0" i="0" u="none" strike="noStrike">
-                        <a:solidFill>
-                          <a:srgbClr val="000000"/>
-                        </a:solidFill>
-                        <a:effectLst/>
-                        <a:latin typeface="Calibri" panose="020F0502020204030204" pitchFamily="34" charset="0"/>
-                      </a:endParaRPr>
-                    </a:p>
-                  </a:txBody>
-                  <a:tcPr marL="9525" marR="9525" marT="9525" marB="0" anchor="b"/>
-                </a:tc>
-                <a:tc>
-                  <a:txBody>
-                    <a:bodyPr/>
-                    <a:lstStyle/>
-                    <a:p>
-                      <a:pPr algn="ctr" fontAlgn="b"/>
-                      <a:r>
-                        <a:rPr lang="en-PH" sz="1100" u="none" strike="noStrike">
-                          <a:effectLst/>
-                        </a:rPr>
-                        <a:t>18</a:t>
-                      </a:r>
-                      <a:endParaRPr lang="en-PH" sz="1100" b="0" i="0" u="none" strike="noStrike">
-                        <a:solidFill>
-                          <a:srgbClr val="000000"/>
-                        </a:solidFill>
-                        <a:effectLst/>
-                        <a:latin typeface="Calibri" panose="020F0502020204030204" pitchFamily="34" charset="0"/>
-                      </a:endParaRPr>
-                    </a:p>
-                  </a:txBody>
-                  <a:tcPr marL="9525" marR="9525" marT="9525" marB="0" anchor="b"/>
-                </a:tc>
-                <a:tc>
-                  <a:txBody>
-                    <a:bodyPr/>
-                    <a:lstStyle/>
-                    <a:p>
-                      <a:pPr algn="ctr" fontAlgn="b"/>
-                      <a:r>
-                        <a:rPr lang="en-PH" sz="1100" u="none" strike="noStrike">
-                          <a:effectLst/>
-                        </a:rPr>
-                        <a:t>₱480,006</a:t>
-                      </a:r>
-                      <a:endParaRPr lang="en-PH" sz="1100" b="0" i="0" u="none" strike="noStrike">
-                        <a:solidFill>
-                          <a:srgbClr val="000000"/>
-                        </a:solidFill>
-                        <a:effectLst/>
-                        <a:latin typeface="Calibri" panose="020F0502020204030204" pitchFamily="34" charset="0"/>
-                      </a:endParaRPr>
-                    </a:p>
-                  </a:txBody>
-                  <a:tcPr marL="9525" marR="9525" marT="9525" marB="0" anchor="b"/>
-                </a:tc>
-                <a:extLst>
-                  <a:ext uri="{0D108BD9-81ED-4DB2-BD59-A6C34878D82A}">
-                    <a16:rowId xmlns:a16="http://schemas.microsoft.com/office/drawing/2014/main" val="2712336014"/>
-                  </a:ext>
-                </a:extLst>
-              </a:tr>
-              <a:tr h="190500">
-                <a:tc>
-                  <a:txBody>
-                    <a:bodyPr/>
-                    <a:lstStyle/>
-                    <a:p>
-                      <a:pPr algn="l" fontAlgn="b"/>
-                      <a:r>
-                        <a:rPr lang="en-PH" sz="1100" u="none" strike="noStrike" dirty="0">
-                          <a:effectLst/>
-                        </a:rPr>
-                        <a:t>Database Developer</a:t>
-                      </a:r>
-                      <a:endParaRPr lang="en-PH" sz="1100" b="0" i="0" u="none" strike="noStrike" dirty="0">
-                        <a:solidFill>
-                          <a:srgbClr val="000000"/>
-                        </a:solidFill>
-                        <a:effectLst/>
-                        <a:latin typeface="Calibri" panose="020F0502020204030204" pitchFamily="34" charset="0"/>
-                      </a:endParaRPr>
-                    </a:p>
-                  </a:txBody>
-                  <a:tcPr marL="9525" marR="9525" marT="9525" marB="0" anchor="b"/>
-                </a:tc>
-                <a:tc>
-                  <a:txBody>
-                    <a:bodyPr/>
-                    <a:lstStyle/>
-                    <a:p>
-                      <a:pPr algn="ctr" fontAlgn="b"/>
-                      <a:r>
-                        <a:rPr lang="en-PH" sz="1100" u="none" strike="noStrike">
-                          <a:effectLst/>
-                        </a:rPr>
-                        <a:t>₱15,501</a:t>
-                      </a:r>
-                      <a:endParaRPr lang="en-PH" sz="1100" b="0" i="0" u="none" strike="noStrike">
-                        <a:solidFill>
-                          <a:srgbClr val="000000"/>
-                        </a:solidFill>
-                        <a:effectLst/>
-                        <a:latin typeface="Calibri" panose="020F0502020204030204" pitchFamily="34" charset="0"/>
-                      </a:endParaRPr>
-                    </a:p>
-                  </a:txBody>
-                  <a:tcPr marL="9525" marR="9525" marT="9525" marB="0" anchor="b"/>
-                </a:tc>
-                <a:tc>
-                  <a:txBody>
-                    <a:bodyPr/>
-                    <a:lstStyle/>
-                    <a:p>
-                      <a:pPr algn="ctr" fontAlgn="b"/>
-                      <a:r>
-                        <a:rPr lang="en-PH" sz="1100" u="none" strike="noStrike">
-                          <a:effectLst/>
-                        </a:rPr>
-                        <a:t>9</a:t>
-                      </a:r>
-                      <a:endParaRPr lang="en-PH" sz="1100" b="0" i="0" u="none" strike="noStrike">
-                        <a:solidFill>
-                          <a:srgbClr val="000000"/>
-                        </a:solidFill>
-                        <a:effectLst/>
-                        <a:latin typeface="Calibri" panose="020F0502020204030204" pitchFamily="34" charset="0"/>
-                      </a:endParaRPr>
-                    </a:p>
-                  </a:txBody>
-                  <a:tcPr marL="9525" marR="9525" marT="9525" marB="0" anchor="b"/>
-                </a:tc>
-                <a:tc>
-                  <a:txBody>
-                    <a:bodyPr/>
-                    <a:lstStyle/>
-                    <a:p>
-                      <a:pPr algn="ctr" fontAlgn="b"/>
-                      <a:r>
-                        <a:rPr lang="en-PH" sz="1100" u="none" strike="noStrike">
-                          <a:effectLst/>
-                        </a:rPr>
-                        <a:t>₱139,509</a:t>
-                      </a:r>
-                      <a:endParaRPr lang="en-PH" sz="1100" b="0" i="0" u="none" strike="noStrike">
-                        <a:solidFill>
-                          <a:srgbClr val="000000"/>
-                        </a:solidFill>
-                        <a:effectLst/>
-                        <a:latin typeface="Calibri" panose="020F0502020204030204" pitchFamily="34" charset="0"/>
-                      </a:endParaRPr>
-                    </a:p>
-                  </a:txBody>
-                  <a:tcPr marL="9525" marR="9525" marT="9525" marB="0" anchor="b"/>
-                </a:tc>
-                <a:extLst>
-                  <a:ext uri="{0D108BD9-81ED-4DB2-BD59-A6C34878D82A}">
-                    <a16:rowId xmlns:a16="http://schemas.microsoft.com/office/drawing/2014/main" val="772607751"/>
-                  </a:ext>
-                </a:extLst>
-              </a:tr>
-              <a:tr h="190500">
-                <a:tc>
-                  <a:txBody>
-                    <a:bodyPr/>
-                    <a:lstStyle/>
-                    <a:p>
-                      <a:pPr algn="l" fontAlgn="b"/>
-                      <a:r>
-                        <a:rPr lang="en-PH" sz="1100" u="none" strike="noStrike">
-                          <a:effectLst/>
-                        </a:rPr>
-                        <a:t>Quality Assurance Analyst</a:t>
-                      </a:r>
-                      <a:endParaRPr lang="en-PH" sz="1100" b="0" i="0" u="none" strike="noStrike">
-                        <a:solidFill>
-                          <a:srgbClr val="000000"/>
-                        </a:solidFill>
-                        <a:effectLst/>
-                        <a:latin typeface="Calibri" panose="020F0502020204030204" pitchFamily="34" charset="0"/>
-                      </a:endParaRPr>
-                    </a:p>
-                  </a:txBody>
-                  <a:tcPr marL="9525" marR="9525" marT="9525" marB="0" anchor="b"/>
-                </a:tc>
-                <a:tc>
-                  <a:txBody>
-                    <a:bodyPr/>
-                    <a:lstStyle/>
-                    <a:p>
-                      <a:pPr algn="ctr" fontAlgn="b"/>
-                      <a:r>
-                        <a:rPr lang="en-PH" sz="1100" u="none" strike="noStrike">
-                          <a:effectLst/>
-                        </a:rPr>
-                        <a:t>₱12,112</a:t>
-                      </a:r>
-                      <a:endParaRPr lang="en-PH" sz="1100" b="0" i="0" u="none" strike="noStrike">
-                        <a:solidFill>
-                          <a:srgbClr val="000000"/>
-                        </a:solidFill>
-                        <a:effectLst/>
-                        <a:latin typeface="Calibri" panose="020F0502020204030204" pitchFamily="34" charset="0"/>
-                      </a:endParaRPr>
-                    </a:p>
-                  </a:txBody>
-                  <a:tcPr marL="9525" marR="9525" marT="9525" marB="0" anchor="b"/>
-                </a:tc>
-                <a:tc>
-                  <a:txBody>
-                    <a:bodyPr/>
-                    <a:lstStyle/>
-                    <a:p>
-                      <a:pPr algn="ctr" fontAlgn="b"/>
-                      <a:r>
-                        <a:rPr lang="en-PH" sz="1100" u="none" strike="noStrike">
-                          <a:effectLst/>
-                        </a:rPr>
-                        <a:t>3</a:t>
-                      </a:r>
-                      <a:endParaRPr lang="en-PH" sz="1100" b="0" i="0" u="none" strike="noStrike">
-                        <a:solidFill>
-                          <a:srgbClr val="000000"/>
-                        </a:solidFill>
-                        <a:effectLst/>
-                        <a:latin typeface="Calibri" panose="020F0502020204030204" pitchFamily="34" charset="0"/>
-                      </a:endParaRPr>
-                    </a:p>
-                  </a:txBody>
-                  <a:tcPr marL="9525" marR="9525" marT="9525" marB="0" anchor="b"/>
-                </a:tc>
-                <a:tc>
-                  <a:txBody>
-                    <a:bodyPr/>
-                    <a:lstStyle/>
-                    <a:p>
-                      <a:pPr algn="ctr" fontAlgn="b"/>
-                      <a:r>
-                        <a:rPr lang="en-PH" sz="1100" u="none" strike="noStrike">
-                          <a:effectLst/>
-                        </a:rPr>
-                        <a:t>₱36,336</a:t>
-                      </a:r>
-                      <a:endParaRPr lang="en-PH" sz="1100" b="0" i="0" u="none" strike="noStrike">
-                        <a:solidFill>
-                          <a:srgbClr val="000000"/>
-                        </a:solidFill>
-                        <a:effectLst/>
-                        <a:latin typeface="Calibri" panose="020F0502020204030204" pitchFamily="34" charset="0"/>
-                      </a:endParaRPr>
-                    </a:p>
-                  </a:txBody>
-                  <a:tcPr marL="9525" marR="9525" marT="9525" marB="0" anchor="b"/>
-                </a:tc>
-                <a:extLst>
-                  <a:ext uri="{0D108BD9-81ED-4DB2-BD59-A6C34878D82A}">
-                    <a16:rowId xmlns:a16="http://schemas.microsoft.com/office/drawing/2014/main" val="589758878"/>
-                  </a:ext>
-                </a:extLst>
-              </a:tr>
-              <a:tr h="190500">
-                <a:tc>
-                  <a:txBody>
-                    <a:bodyPr/>
-                    <a:lstStyle/>
-                    <a:p>
-                      <a:pPr algn="l" fontAlgn="b"/>
-                      <a:endParaRPr lang="en-PH" sz="1100" b="0" i="0" u="none" strike="noStrike">
-                        <a:solidFill>
-                          <a:srgbClr val="000000"/>
-                        </a:solidFill>
-                        <a:effectLst/>
-                        <a:latin typeface="Calibri" panose="020F0502020204030204" pitchFamily="34" charset="0"/>
-                      </a:endParaRPr>
-                    </a:p>
-                  </a:txBody>
-                  <a:tcPr marL="9525" marR="9525" marT="9525" marB="0" anchor="b"/>
-                </a:tc>
-                <a:tc>
-                  <a:txBody>
-                    <a:bodyPr/>
-                    <a:lstStyle/>
-                    <a:p>
-                      <a:pPr algn="l" fontAlgn="b"/>
-                      <a:endParaRPr lang="en-PH" sz="1100" b="0" i="0" u="none" strike="noStrike">
-                        <a:solidFill>
-                          <a:srgbClr val="000000"/>
-                        </a:solidFill>
-                        <a:effectLst/>
-                        <a:latin typeface="Calibri" panose="020F0502020204030204" pitchFamily="34" charset="0"/>
-                      </a:endParaRPr>
-                    </a:p>
-                  </a:txBody>
-                  <a:tcPr marL="9525" marR="9525" marT="9525" marB="0" anchor="b"/>
-                </a:tc>
-                <a:tc>
-                  <a:txBody>
-                    <a:bodyPr/>
-                    <a:lstStyle/>
-                    <a:p>
-                      <a:pPr algn="l" fontAlgn="b"/>
-                      <a:endParaRPr lang="en-PH" sz="1100" b="0" i="0" u="none" strike="noStrike">
-                        <a:solidFill>
-                          <a:srgbClr val="000000"/>
-                        </a:solidFill>
-                        <a:effectLst/>
-                        <a:latin typeface="Calibri" panose="020F0502020204030204" pitchFamily="34" charset="0"/>
-                      </a:endParaRPr>
-                    </a:p>
-                  </a:txBody>
-                  <a:tcPr marL="9525" marR="9525" marT="9525" marB="0" anchor="b"/>
-                </a:tc>
-                <a:tc>
-                  <a:txBody>
-                    <a:bodyPr/>
-                    <a:lstStyle/>
-                    <a:p>
-                      <a:pPr algn="ctr" fontAlgn="ctr"/>
-                      <a:r>
-                        <a:rPr lang="en-PH" sz="1100" u="none" strike="noStrike" dirty="0">
-                          <a:effectLst/>
-                        </a:rPr>
-                        <a:t>₱1,428,903</a:t>
-                      </a:r>
-                      <a:endParaRPr lang="en-PH" sz="1100" b="1" i="0" u="none" strike="noStrike" dirty="0">
-                        <a:solidFill>
-                          <a:srgbClr val="FA7D00"/>
-                        </a:solidFill>
-                        <a:effectLst/>
-                        <a:latin typeface="Calibri" panose="020F0502020204030204" pitchFamily="34" charset="0"/>
-                      </a:endParaRPr>
-                    </a:p>
-                  </a:txBody>
-                  <a:tcPr marL="9525" marR="9525" marT="9525" marB="0" anchor="ctr"/>
-                </a:tc>
-                <a:extLst>
-                  <a:ext uri="{0D108BD9-81ED-4DB2-BD59-A6C34878D82A}">
-                    <a16:rowId xmlns:a16="http://schemas.microsoft.com/office/drawing/2014/main" val="1327661173"/>
-                  </a:ext>
-                </a:extLst>
-              </a:tr>
-            </a:tbl>
-          </a:graphicData>
-        </a:graphic>
-      </p:graphicFrame>
-      <p:graphicFrame>
-        <p:nvGraphicFramePr>
-          <p:cNvPr id="5" name="Table 4"/>
-          <p:cNvGraphicFramePr>
-            <a:graphicFrameLocks noGrp="1"/>
-          </p:cNvGraphicFramePr>
-          <p:nvPr>
-            <p:extLst>
-              <p:ext uri="{D42A27DB-BD31-4B8C-83A1-F6EECF244321}">
-                <p14:modId xmlns:p14="http://schemas.microsoft.com/office/powerpoint/2010/main" val="2974890608"/>
-              </p:ext>
-            </p:extLst>
-          </p:nvPr>
-        </p:nvGraphicFramePr>
-        <p:xfrm>
-          <a:off x="2123729" y="1907902"/>
-          <a:ext cx="6552632" cy="952500"/>
-        </p:xfrm>
-        <a:graphic>
-          <a:graphicData uri="http://schemas.openxmlformats.org/drawingml/2006/table">
-            <a:tbl>
-              <a:tblPr>
-                <a:tableStyleId>{B301B821-A1FF-4177-AEE7-76D212191A09}</a:tableStyleId>
-              </a:tblPr>
-              <a:tblGrid>
-                <a:gridCol w="2761685">
-                  <a:extLst>
-                    <a:ext uri="{9D8B030D-6E8A-4147-A177-3AD203B41FA5}">
-                      <a16:colId xmlns:a16="http://schemas.microsoft.com/office/drawing/2014/main" val="2166273623"/>
-                    </a:ext>
-                  </a:extLst>
-                </a:gridCol>
-                <a:gridCol w="1263649">
-                  <a:extLst>
-                    <a:ext uri="{9D8B030D-6E8A-4147-A177-3AD203B41FA5}">
-                      <a16:colId xmlns:a16="http://schemas.microsoft.com/office/drawing/2014/main" val="2034104171"/>
-                    </a:ext>
-                  </a:extLst>
-                </a:gridCol>
-                <a:gridCol w="1263649">
-                  <a:extLst>
-                    <a:ext uri="{9D8B030D-6E8A-4147-A177-3AD203B41FA5}">
-                      <a16:colId xmlns:a16="http://schemas.microsoft.com/office/drawing/2014/main" val="3603715156"/>
-                    </a:ext>
-                  </a:extLst>
-                </a:gridCol>
-                <a:gridCol w="1263649">
-                  <a:extLst>
-                    <a:ext uri="{9D8B030D-6E8A-4147-A177-3AD203B41FA5}">
-                      <a16:colId xmlns:a16="http://schemas.microsoft.com/office/drawing/2014/main" val="2573753868"/>
-                    </a:ext>
-                  </a:extLst>
-                </a:gridCol>
-              </a:tblGrid>
-              <a:tr h="190500">
-                <a:tc>
-                  <a:txBody>
-                    <a:bodyPr/>
-                    <a:lstStyle/>
-                    <a:p>
-                      <a:pPr algn="ctr" fontAlgn="ctr"/>
-                      <a:r>
-                        <a:rPr lang="en-PH" sz="1100" u="none" strike="noStrike" dirty="0">
-                          <a:effectLst/>
-                        </a:rPr>
-                        <a:t>Software</a:t>
-                      </a:r>
-                      <a:endParaRPr lang="en-PH" sz="1100" b="1" i="0" u="none" strike="noStrike" dirty="0">
-                        <a:solidFill>
-                          <a:srgbClr val="000000"/>
-                        </a:solidFill>
-                        <a:effectLst/>
-                        <a:latin typeface="Calibri" panose="020F0502020204030204" pitchFamily="34" charset="0"/>
-                      </a:endParaRPr>
-                    </a:p>
-                  </a:txBody>
-                  <a:tcPr marL="9525" marR="9525" marT="9525" marB="0" anchor="ctr"/>
-                </a:tc>
-                <a:tc>
-                  <a:txBody>
-                    <a:bodyPr/>
-                    <a:lstStyle/>
-                    <a:p>
-                      <a:pPr algn="ctr" fontAlgn="b"/>
-                      <a:r>
-                        <a:rPr lang="en-PH" sz="1100" u="none" strike="noStrike">
-                          <a:effectLst/>
-                        </a:rPr>
-                        <a:t>Price</a:t>
-                      </a:r>
-                      <a:endParaRPr lang="en-PH" sz="1100" b="1" i="0" u="none" strike="noStrike">
-                        <a:solidFill>
-                          <a:srgbClr val="000000"/>
-                        </a:solidFill>
-                        <a:effectLst/>
-                        <a:latin typeface="Calibri" panose="020F0502020204030204" pitchFamily="34" charset="0"/>
-                      </a:endParaRPr>
-                    </a:p>
-                  </a:txBody>
-                  <a:tcPr marL="9525" marR="9525" marT="9525" marB="0" anchor="b"/>
-                </a:tc>
-                <a:tc>
-                  <a:txBody>
-                    <a:bodyPr/>
-                    <a:lstStyle/>
-                    <a:p>
-                      <a:pPr algn="ctr" fontAlgn="b"/>
-                      <a:r>
-                        <a:rPr lang="en-PH" sz="1100" u="none" strike="noStrike">
-                          <a:effectLst/>
-                        </a:rPr>
-                        <a:t>Duration (month)</a:t>
-                      </a:r>
-                      <a:endParaRPr lang="en-PH" sz="1100" b="1" i="0" u="none" strike="noStrike">
-                        <a:solidFill>
-                          <a:srgbClr val="000000"/>
-                        </a:solidFill>
-                        <a:effectLst/>
-                        <a:latin typeface="Calibri" panose="020F0502020204030204" pitchFamily="34" charset="0"/>
-                      </a:endParaRPr>
-                    </a:p>
-                  </a:txBody>
-                  <a:tcPr marL="9525" marR="9525" marT="9525" marB="0" anchor="b"/>
-                </a:tc>
-                <a:tc>
-                  <a:txBody>
-                    <a:bodyPr/>
-                    <a:lstStyle/>
-                    <a:p>
-                      <a:pPr algn="ctr" fontAlgn="b"/>
-                      <a:r>
-                        <a:rPr lang="en-PH" sz="1100" u="none" strike="noStrike">
-                          <a:effectLst/>
-                        </a:rPr>
-                        <a:t>Total</a:t>
-                      </a:r>
-                      <a:endParaRPr lang="en-PH" sz="1100" b="1" i="0" u="none" strike="noStrike">
-                        <a:solidFill>
-                          <a:srgbClr val="000000"/>
-                        </a:solidFill>
-                        <a:effectLst/>
-                        <a:latin typeface="Calibri" panose="020F0502020204030204" pitchFamily="34" charset="0"/>
-                      </a:endParaRPr>
-                    </a:p>
-                  </a:txBody>
-                  <a:tcPr marL="9525" marR="9525" marT="9525" marB="0" anchor="b"/>
-                </a:tc>
-                <a:extLst>
-                  <a:ext uri="{0D108BD9-81ED-4DB2-BD59-A6C34878D82A}">
-                    <a16:rowId xmlns:a16="http://schemas.microsoft.com/office/drawing/2014/main" val="2822888809"/>
-                  </a:ext>
-                </a:extLst>
-              </a:tr>
-              <a:tr h="190500">
-                <a:tc>
-                  <a:txBody>
-                    <a:bodyPr/>
-                    <a:lstStyle/>
-                    <a:p>
-                      <a:pPr algn="l" fontAlgn="b"/>
-                      <a:r>
-                        <a:rPr lang="en-PH" sz="1100" u="none" strike="noStrike">
-                          <a:effectLst/>
-                        </a:rPr>
-                        <a:t>Android Studio</a:t>
-                      </a:r>
-                      <a:endParaRPr lang="en-PH" sz="1100" b="0" i="0" u="none" strike="noStrike">
-                        <a:solidFill>
-                          <a:srgbClr val="000000"/>
-                        </a:solidFill>
-                        <a:effectLst/>
-                        <a:latin typeface="Calibri" panose="020F0502020204030204" pitchFamily="34" charset="0"/>
-                      </a:endParaRPr>
-                    </a:p>
-                  </a:txBody>
-                  <a:tcPr marL="9525" marR="9525" marT="9525" marB="0" anchor="b"/>
-                </a:tc>
-                <a:tc>
-                  <a:txBody>
-                    <a:bodyPr/>
-                    <a:lstStyle/>
-                    <a:p>
-                      <a:pPr algn="ctr" fontAlgn="b"/>
-                      <a:r>
-                        <a:rPr lang="en-PH" sz="1100" u="none" strike="noStrike">
-                          <a:effectLst/>
-                        </a:rPr>
-                        <a:t>Free</a:t>
-                      </a:r>
-                      <a:endParaRPr lang="en-PH" sz="1100" b="0" i="0" u="none" strike="noStrike">
-                        <a:solidFill>
-                          <a:srgbClr val="000000"/>
-                        </a:solidFill>
-                        <a:effectLst/>
-                        <a:latin typeface="Calibri" panose="020F0502020204030204" pitchFamily="34" charset="0"/>
-                      </a:endParaRPr>
-                    </a:p>
-                  </a:txBody>
-                  <a:tcPr marL="9525" marR="9525" marT="9525" marB="0" anchor="b"/>
-                </a:tc>
-                <a:tc>
-                  <a:txBody>
-                    <a:bodyPr/>
-                    <a:lstStyle/>
-                    <a:p>
-                      <a:pPr algn="ctr" fontAlgn="b"/>
-                      <a:r>
-                        <a:rPr lang="en-PH" sz="1100" u="none" strike="noStrike">
-                          <a:effectLst/>
-                        </a:rPr>
-                        <a:t>18</a:t>
-                      </a:r>
-                      <a:endParaRPr lang="en-PH" sz="1100" b="0" i="0" u="none" strike="noStrike">
-                        <a:solidFill>
-                          <a:srgbClr val="000000"/>
-                        </a:solidFill>
-                        <a:effectLst/>
-                        <a:latin typeface="Calibri" panose="020F0502020204030204" pitchFamily="34" charset="0"/>
-                      </a:endParaRPr>
-                    </a:p>
-                  </a:txBody>
-                  <a:tcPr marL="9525" marR="9525" marT="9525" marB="0" anchor="b"/>
-                </a:tc>
-                <a:tc>
-                  <a:txBody>
-                    <a:bodyPr/>
-                    <a:lstStyle/>
-                    <a:p>
-                      <a:pPr algn="ctr" fontAlgn="b"/>
-                      <a:r>
-                        <a:rPr lang="en-PH" sz="1100" u="none" strike="noStrike">
-                          <a:effectLst/>
-                        </a:rPr>
-                        <a:t>-</a:t>
-                      </a:r>
-                      <a:endParaRPr lang="en-PH" sz="1100" b="0" i="0" u="none" strike="noStrike">
-                        <a:solidFill>
-                          <a:srgbClr val="000000"/>
-                        </a:solidFill>
-                        <a:effectLst/>
-                        <a:latin typeface="Calibri" panose="020F0502020204030204" pitchFamily="34" charset="0"/>
-                      </a:endParaRPr>
-                    </a:p>
-                  </a:txBody>
-                  <a:tcPr marL="9525" marR="9525" marT="9525" marB="0" anchor="b"/>
-                </a:tc>
-                <a:extLst>
-                  <a:ext uri="{0D108BD9-81ED-4DB2-BD59-A6C34878D82A}">
-                    <a16:rowId xmlns:a16="http://schemas.microsoft.com/office/drawing/2014/main" val="3408086842"/>
-                  </a:ext>
-                </a:extLst>
-              </a:tr>
-              <a:tr h="190500">
-                <a:tc>
-                  <a:txBody>
-                    <a:bodyPr/>
-                    <a:lstStyle/>
-                    <a:p>
-                      <a:pPr algn="l" fontAlgn="b"/>
-                      <a:r>
-                        <a:rPr lang="en-PH" sz="1100" u="none" strike="noStrike" dirty="0">
-                          <a:effectLst/>
-                        </a:rPr>
-                        <a:t>Firebase</a:t>
-                      </a:r>
-                      <a:endParaRPr lang="en-PH" sz="1100" b="0" i="0" u="none" strike="noStrike" dirty="0">
-                        <a:solidFill>
-                          <a:srgbClr val="000000"/>
-                        </a:solidFill>
-                        <a:effectLst/>
-                        <a:latin typeface="Calibri" panose="020F0502020204030204" pitchFamily="34" charset="0"/>
-                      </a:endParaRPr>
-                    </a:p>
-                  </a:txBody>
-                  <a:tcPr marL="9525" marR="9525" marT="9525" marB="0" anchor="b"/>
-                </a:tc>
-                <a:tc>
-                  <a:txBody>
-                    <a:bodyPr/>
-                    <a:lstStyle/>
-                    <a:p>
-                      <a:pPr algn="ctr" fontAlgn="b"/>
-                      <a:r>
-                        <a:rPr lang="en-PH" sz="1100" u="none" strike="noStrike">
-                          <a:effectLst/>
-                        </a:rPr>
-                        <a:t>Free</a:t>
-                      </a:r>
-                      <a:endParaRPr lang="en-PH" sz="1100" b="0" i="0" u="none" strike="noStrike">
-                        <a:solidFill>
-                          <a:srgbClr val="000000"/>
-                        </a:solidFill>
-                        <a:effectLst/>
-                        <a:latin typeface="Calibri" panose="020F0502020204030204" pitchFamily="34" charset="0"/>
-                      </a:endParaRPr>
-                    </a:p>
-                  </a:txBody>
-                  <a:tcPr marL="9525" marR="9525" marT="9525" marB="0" anchor="b"/>
-                </a:tc>
-                <a:tc>
-                  <a:txBody>
-                    <a:bodyPr/>
-                    <a:lstStyle/>
-                    <a:p>
-                      <a:pPr algn="ctr" fontAlgn="b"/>
-                      <a:r>
-                        <a:rPr lang="en-PH" sz="1100" u="none" strike="noStrike">
-                          <a:effectLst/>
-                        </a:rPr>
-                        <a:t>18</a:t>
-                      </a:r>
-                      <a:endParaRPr lang="en-PH" sz="1100" b="0" i="0" u="none" strike="noStrike">
-                        <a:solidFill>
-                          <a:srgbClr val="000000"/>
-                        </a:solidFill>
-                        <a:effectLst/>
-                        <a:latin typeface="Calibri" panose="020F0502020204030204" pitchFamily="34" charset="0"/>
-                      </a:endParaRPr>
-                    </a:p>
-                  </a:txBody>
-                  <a:tcPr marL="9525" marR="9525" marT="9525" marB="0" anchor="b"/>
-                </a:tc>
-                <a:tc>
-                  <a:txBody>
-                    <a:bodyPr/>
-                    <a:lstStyle/>
-                    <a:p>
-                      <a:pPr algn="ctr" fontAlgn="b"/>
-                      <a:r>
-                        <a:rPr lang="en-PH" sz="1100" u="none" strike="noStrike">
-                          <a:effectLst/>
-                        </a:rPr>
-                        <a:t>-</a:t>
-                      </a:r>
-                      <a:endParaRPr lang="en-PH" sz="1100" b="0" i="0" u="none" strike="noStrike">
-                        <a:solidFill>
-                          <a:srgbClr val="000000"/>
-                        </a:solidFill>
-                        <a:effectLst/>
-                        <a:latin typeface="Calibri" panose="020F0502020204030204" pitchFamily="34" charset="0"/>
-                      </a:endParaRPr>
-                    </a:p>
-                  </a:txBody>
-                  <a:tcPr marL="9525" marR="9525" marT="9525" marB="0" anchor="b"/>
-                </a:tc>
-                <a:extLst>
-                  <a:ext uri="{0D108BD9-81ED-4DB2-BD59-A6C34878D82A}">
-                    <a16:rowId xmlns:a16="http://schemas.microsoft.com/office/drawing/2014/main" val="2801432497"/>
-                  </a:ext>
-                </a:extLst>
-              </a:tr>
-              <a:tr h="190500">
-                <a:tc>
-                  <a:txBody>
-                    <a:bodyPr/>
-                    <a:lstStyle/>
-                    <a:p>
-                      <a:pPr algn="l" fontAlgn="b"/>
-                      <a:r>
-                        <a:rPr lang="en-PH" sz="1100" u="none" strike="noStrike">
-                          <a:effectLst/>
-                        </a:rPr>
-                        <a:t>SQLite</a:t>
-                      </a:r>
-                      <a:endParaRPr lang="en-PH" sz="1100" b="0" i="0" u="none" strike="noStrike">
-                        <a:solidFill>
-                          <a:srgbClr val="000000"/>
-                        </a:solidFill>
-                        <a:effectLst/>
-                        <a:latin typeface="Calibri" panose="020F0502020204030204" pitchFamily="34" charset="0"/>
-                      </a:endParaRPr>
-                    </a:p>
-                  </a:txBody>
-                  <a:tcPr marL="9525" marR="9525" marT="9525" marB="0" anchor="b"/>
-                </a:tc>
-                <a:tc>
-                  <a:txBody>
-                    <a:bodyPr/>
-                    <a:lstStyle/>
-                    <a:p>
-                      <a:pPr algn="ctr" fontAlgn="b"/>
-                      <a:r>
-                        <a:rPr lang="en-PH" sz="1100" u="none" strike="noStrike">
-                          <a:effectLst/>
-                        </a:rPr>
-                        <a:t>Free</a:t>
-                      </a:r>
-                      <a:endParaRPr lang="en-PH" sz="1100" b="0" i="0" u="none" strike="noStrike">
-                        <a:solidFill>
-                          <a:srgbClr val="000000"/>
-                        </a:solidFill>
-                        <a:effectLst/>
-                        <a:latin typeface="Calibri" panose="020F0502020204030204" pitchFamily="34" charset="0"/>
-                      </a:endParaRPr>
-                    </a:p>
-                  </a:txBody>
-                  <a:tcPr marL="9525" marR="9525" marT="9525" marB="0" anchor="b"/>
-                </a:tc>
-                <a:tc>
-                  <a:txBody>
-                    <a:bodyPr/>
-                    <a:lstStyle/>
-                    <a:p>
-                      <a:pPr algn="ctr" fontAlgn="b"/>
-                      <a:r>
-                        <a:rPr lang="en-PH" sz="1100" u="none" strike="noStrike">
-                          <a:effectLst/>
-                        </a:rPr>
-                        <a:t>18</a:t>
-                      </a:r>
-                      <a:endParaRPr lang="en-PH" sz="1100" b="0" i="0" u="none" strike="noStrike">
-                        <a:solidFill>
-                          <a:srgbClr val="000000"/>
-                        </a:solidFill>
-                        <a:effectLst/>
-                        <a:latin typeface="Calibri" panose="020F0502020204030204" pitchFamily="34" charset="0"/>
-                      </a:endParaRPr>
-                    </a:p>
-                  </a:txBody>
-                  <a:tcPr marL="9525" marR="9525" marT="9525" marB="0" anchor="b"/>
-                </a:tc>
-                <a:tc>
-                  <a:txBody>
-                    <a:bodyPr/>
-                    <a:lstStyle/>
-                    <a:p>
-                      <a:pPr algn="ctr" fontAlgn="b"/>
-                      <a:r>
-                        <a:rPr lang="en-PH" sz="1100" u="none" strike="noStrike">
-                          <a:effectLst/>
-                        </a:rPr>
-                        <a:t>-</a:t>
-                      </a:r>
-                      <a:endParaRPr lang="en-PH" sz="1100" b="0" i="0" u="none" strike="noStrike">
-                        <a:solidFill>
-                          <a:srgbClr val="000000"/>
-                        </a:solidFill>
-                        <a:effectLst/>
-                        <a:latin typeface="Calibri" panose="020F0502020204030204" pitchFamily="34" charset="0"/>
-                      </a:endParaRPr>
-                    </a:p>
-                  </a:txBody>
-                  <a:tcPr marL="9525" marR="9525" marT="9525" marB="0" anchor="b"/>
-                </a:tc>
-                <a:extLst>
-                  <a:ext uri="{0D108BD9-81ED-4DB2-BD59-A6C34878D82A}">
-                    <a16:rowId xmlns:a16="http://schemas.microsoft.com/office/drawing/2014/main" val="4282006283"/>
-                  </a:ext>
-                </a:extLst>
-              </a:tr>
-              <a:tr h="190500">
-                <a:tc>
-                  <a:txBody>
-                    <a:bodyPr/>
-                    <a:lstStyle/>
-                    <a:p>
-                      <a:pPr algn="l" fontAlgn="b"/>
-                      <a:endParaRPr lang="en-PH" sz="1100" b="0" i="0" u="none" strike="noStrike">
-                        <a:solidFill>
-                          <a:srgbClr val="000000"/>
-                        </a:solidFill>
-                        <a:effectLst/>
-                        <a:latin typeface="Calibri" panose="020F0502020204030204" pitchFamily="34" charset="0"/>
-                      </a:endParaRPr>
-                    </a:p>
-                  </a:txBody>
-                  <a:tcPr marL="9525" marR="9525" marT="9525" marB="0" anchor="b"/>
-                </a:tc>
-                <a:tc>
-                  <a:txBody>
-                    <a:bodyPr/>
-                    <a:lstStyle/>
-                    <a:p>
-                      <a:pPr algn="ctr" fontAlgn="b"/>
-                      <a:endParaRPr lang="en-PH" sz="1100" b="0" i="0" u="none" strike="noStrike">
-                        <a:solidFill>
-                          <a:srgbClr val="000000"/>
-                        </a:solidFill>
-                        <a:effectLst/>
-                        <a:latin typeface="Calibri" panose="020F0502020204030204" pitchFamily="34" charset="0"/>
-                      </a:endParaRPr>
-                    </a:p>
-                  </a:txBody>
-                  <a:tcPr marL="9525" marR="9525" marT="9525" marB="0" anchor="b"/>
-                </a:tc>
-                <a:tc>
-                  <a:txBody>
-                    <a:bodyPr/>
-                    <a:lstStyle/>
-                    <a:p>
-                      <a:pPr algn="ctr" fontAlgn="b"/>
-                      <a:endParaRPr lang="en-PH" sz="1100" b="0" i="0" u="none" strike="noStrike">
-                        <a:solidFill>
-                          <a:srgbClr val="000000"/>
-                        </a:solidFill>
-                        <a:effectLst/>
-                        <a:latin typeface="Calibri" panose="020F0502020204030204" pitchFamily="34" charset="0"/>
-                      </a:endParaRPr>
-                    </a:p>
-                  </a:txBody>
-                  <a:tcPr marL="9525" marR="9525" marT="9525" marB="0" anchor="b"/>
-                </a:tc>
-                <a:tc>
-                  <a:txBody>
-                    <a:bodyPr/>
-                    <a:lstStyle/>
-                    <a:p>
-                      <a:pPr algn="ctr" fontAlgn="b"/>
-                      <a:r>
-                        <a:rPr lang="en-PH" sz="1100" u="none" strike="noStrike" dirty="0">
-                          <a:effectLst/>
-                        </a:rPr>
-                        <a:t>-</a:t>
-                      </a:r>
-                      <a:endParaRPr lang="en-PH" sz="1100" b="1" i="0" u="none" strike="noStrike" dirty="0">
-                        <a:solidFill>
-                          <a:srgbClr val="FA7D00"/>
-                        </a:solidFill>
-                        <a:effectLst/>
-                        <a:latin typeface="Calibri" panose="020F0502020204030204" pitchFamily="34" charset="0"/>
-                      </a:endParaRPr>
-                    </a:p>
-                  </a:txBody>
-                  <a:tcPr marL="9525" marR="9525" marT="9525" marB="0" anchor="b"/>
-                </a:tc>
-                <a:extLst>
-                  <a:ext uri="{0D108BD9-81ED-4DB2-BD59-A6C34878D82A}">
-                    <a16:rowId xmlns:a16="http://schemas.microsoft.com/office/drawing/2014/main" val="3686032713"/>
-                  </a:ext>
-                </a:extLst>
-              </a:tr>
-            </a:tbl>
-          </a:graphicData>
-        </a:graphic>
-      </p:graphicFrame>
-      <p:graphicFrame>
-        <p:nvGraphicFramePr>
-          <p:cNvPr id="6" name="Table 5"/>
-          <p:cNvGraphicFramePr>
-            <a:graphicFrameLocks noGrp="1"/>
-          </p:cNvGraphicFramePr>
-          <p:nvPr>
-            <p:extLst>
-              <p:ext uri="{D42A27DB-BD31-4B8C-83A1-F6EECF244321}">
-                <p14:modId xmlns:p14="http://schemas.microsoft.com/office/powerpoint/2010/main" val="1509471500"/>
-              </p:ext>
-            </p:extLst>
-          </p:nvPr>
-        </p:nvGraphicFramePr>
-        <p:xfrm>
-          <a:off x="467544" y="2860402"/>
-          <a:ext cx="6552727" cy="1905000"/>
-        </p:xfrm>
-        <a:graphic>
-          <a:graphicData uri="http://schemas.openxmlformats.org/drawingml/2006/table">
-            <a:tbl>
-              <a:tblPr>
-                <a:tableStyleId>{B301B821-A1FF-4177-AEE7-76D212191A09}</a:tableStyleId>
-              </a:tblPr>
-              <a:tblGrid>
-                <a:gridCol w="2761726">
-                  <a:extLst>
-                    <a:ext uri="{9D8B030D-6E8A-4147-A177-3AD203B41FA5}">
-                      <a16:colId xmlns:a16="http://schemas.microsoft.com/office/drawing/2014/main" val="1602631463"/>
-                    </a:ext>
-                  </a:extLst>
-                </a:gridCol>
-                <a:gridCol w="1263667">
-                  <a:extLst>
-                    <a:ext uri="{9D8B030D-6E8A-4147-A177-3AD203B41FA5}">
-                      <a16:colId xmlns:a16="http://schemas.microsoft.com/office/drawing/2014/main" val="3663161867"/>
-                    </a:ext>
-                  </a:extLst>
-                </a:gridCol>
-                <a:gridCol w="1263667">
-                  <a:extLst>
-                    <a:ext uri="{9D8B030D-6E8A-4147-A177-3AD203B41FA5}">
-                      <a16:colId xmlns:a16="http://schemas.microsoft.com/office/drawing/2014/main" val="927241109"/>
-                    </a:ext>
-                  </a:extLst>
-                </a:gridCol>
-                <a:gridCol w="1263667">
-                  <a:extLst>
-                    <a:ext uri="{9D8B030D-6E8A-4147-A177-3AD203B41FA5}">
-                      <a16:colId xmlns:a16="http://schemas.microsoft.com/office/drawing/2014/main" val="3367580204"/>
-                    </a:ext>
-                  </a:extLst>
-                </a:gridCol>
-              </a:tblGrid>
-              <a:tr h="190500">
-                <a:tc>
-                  <a:txBody>
-                    <a:bodyPr/>
-                    <a:lstStyle/>
-                    <a:p>
-                      <a:pPr algn="ctr" fontAlgn="ctr"/>
-                      <a:r>
-                        <a:rPr lang="en-PH" sz="1100" u="none" strike="noStrike" dirty="0">
-                          <a:effectLst/>
-                        </a:rPr>
-                        <a:t>Facilities/Utilities/Equipment/Furniture</a:t>
-                      </a:r>
-                      <a:endParaRPr lang="en-PH" sz="1100" b="1" i="0" u="none" strike="noStrike" dirty="0">
-                        <a:solidFill>
-                          <a:srgbClr val="000000"/>
-                        </a:solidFill>
-                        <a:effectLst/>
-                        <a:latin typeface="Calibri" panose="020F0502020204030204" pitchFamily="34" charset="0"/>
-                      </a:endParaRPr>
-                    </a:p>
-                  </a:txBody>
-                  <a:tcPr marL="9525" marR="9525" marT="9525" marB="0" anchor="ctr"/>
-                </a:tc>
-                <a:tc>
-                  <a:txBody>
-                    <a:bodyPr/>
-                    <a:lstStyle/>
-                    <a:p>
-                      <a:pPr algn="ctr" fontAlgn="b"/>
-                      <a:r>
-                        <a:rPr lang="en-PH" sz="1100" u="none" strike="noStrike" dirty="0">
-                          <a:effectLst/>
-                        </a:rPr>
-                        <a:t>Price</a:t>
-                      </a:r>
-                      <a:endParaRPr lang="en-PH" sz="1100" b="1" i="0" u="none" strike="noStrike" dirty="0">
-                        <a:solidFill>
-                          <a:srgbClr val="000000"/>
-                        </a:solidFill>
-                        <a:effectLst/>
-                        <a:latin typeface="Calibri" panose="020F0502020204030204" pitchFamily="34" charset="0"/>
-                      </a:endParaRPr>
-                    </a:p>
-                  </a:txBody>
-                  <a:tcPr marL="9525" marR="9525" marT="9525" marB="0" anchor="b"/>
-                </a:tc>
-                <a:tc>
-                  <a:txBody>
-                    <a:bodyPr/>
-                    <a:lstStyle/>
-                    <a:p>
-                      <a:pPr algn="ctr" fontAlgn="b"/>
-                      <a:r>
-                        <a:rPr lang="en-PH" sz="1100" u="none" strike="noStrike">
-                          <a:effectLst/>
-                        </a:rPr>
-                        <a:t>Duration (month)</a:t>
-                      </a:r>
-                      <a:endParaRPr lang="en-PH" sz="1100" b="1" i="0" u="none" strike="noStrike">
-                        <a:solidFill>
-                          <a:srgbClr val="000000"/>
-                        </a:solidFill>
-                        <a:effectLst/>
-                        <a:latin typeface="Calibri" panose="020F0502020204030204" pitchFamily="34" charset="0"/>
-                      </a:endParaRPr>
-                    </a:p>
-                  </a:txBody>
-                  <a:tcPr marL="9525" marR="9525" marT="9525" marB="0" anchor="b"/>
-                </a:tc>
-                <a:tc>
-                  <a:txBody>
-                    <a:bodyPr/>
-                    <a:lstStyle/>
-                    <a:p>
-                      <a:pPr algn="ctr" fontAlgn="b"/>
-                      <a:r>
-                        <a:rPr lang="en-PH" sz="1100" u="none" strike="noStrike" dirty="0">
-                          <a:effectLst/>
-                        </a:rPr>
-                        <a:t>Total</a:t>
-                      </a:r>
-                      <a:endParaRPr lang="en-PH" sz="1100" b="1" i="0" u="none" strike="noStrike" dirty="0">
-                        <a:solidFill>
-                          <a:srgbClr val="000000"/>
-                        </a:solidFill>
-                        <a:effectLst/>
-                        <a:latin typeface="Calibri" panose="020F0502020204030204" pitchFamily="34" charset="0"/>
-                      </a:endParaRPr>
-                    </a:p>
-                  </a:txBody>
-                  <a:tcPr marL="9525" marR="9525" marT="9525" marB="0" anchor="b"/>
-                </a:tc>
-                <a:extLst>
-                  <a:ext uri="{0D108BD9-81ED-4DB2-BD59-A6C34878D82A}">
-                    <a16:rowId xmlns:a16="http://schemas.microsoft.com/office/drawing/2014/main" val="2291434894"/>
-                  </a:ext>
-                </a:extLst>
-              </a:tr>
-              <a:tr h="190500">
-                <a:tc>
-                  <a:txBody>
-                    <a:bodyPr/>
-                    <a:lstStyle/>
-                    <a:p>
-                      <a:pPr algn="l" fontAlgn="b"/>
-                      <a:r>
-                        <a:rPr lang="en-PH" sz="1100" u="none" strike="noStrike">
-                          <a:effectLst/>
-                        </a:rPr>
-                        <a:t>Working Space</a:t>
-                      </a:r>
-                      <a:endParaRPr lang="en-PH" sz="1100" b="0" i="0" u="none" strike="noStrike">
-                        <a:solidFill>
-                          <a:srgbClr val="000000"/>
-                        </a:solidFill>
-                        <a:effectLst/>
-                        <a:latin typeface="Calibri" panose="020F0502020204030204" pitchFamily="34" charset="0"/>
-                      </a:endParaRPr>
-                    </a:p>
-                  </a:txBody>
-                  <a:tcPr marL="9525" marR="9525" marT="9525" marB="0" anchor="b"/>
-                </a:tc>
-                <a:tc>
-                  <a:txBody>
-                    <a:bodyPr/>
-                    <a:lstStyle/>
-                    <a:p>
-                      <a:pPr algn="ctr" fontAlgn="b"/>
-                      <a:r>
-                        <a:rPr lang="en-PH" sz="1100" u="none" strike="noStrike">
-                          <a:effectLst/>
-                        </a:rPr>
-                        <a:t>₱9,000</a:t>
-                      </a:r>
-                      <a:endParaRPr lang="en-PH" sz="1100" b="0" i="0" u="none" strike="noStrike">
-                        <a:solidFill>
-                          <a:srgbClr val="000000"/>
-                        </a:solidFill>
-                        <a:effectLst/>
-                        <a:latin typeface="Calibri" panose="020F0502020204030204" pitchFamily="34" charset="0"/>
-                      </a:endParaRPr>
-                    </a:p>
-                  </a:txBody>
-                  <a:tcPr marL="9525" marR="9525" marT="9525" marB="0" anchor="b"/>
-                </a:tc>
-                <a:tc>
-                  <a:txBody>
-                    <a:bodyPr/>
-                    <a:lstStyle/>
-                    <a:p>
-                      <a:pPr algn="ctr" fontAlgn="b"/>
-                      <a:r>
-                        <a:rPr lang="en-PH" sz="1100" u="none" strike="noStrike">
-                          <a:effectLst/>
-                        </a:rPr>
-                        <a:t>18</a:t>
-                      </a:r>
-                      <a:endParaRPr lang="en-PH" sz="1100" b="0" i="0" u="none" strike="noStrike">
-                        <a:solidFill>
-                          <a:srgbClr val="000000"/>
-                        </a:solidFill>
-                        <a:effectLst/>
-                        <a:latin typeface="Calibri" panose="020F0502020204030204" pitchFamily="34" charset="0"/>
-                      </a:endParaRPr>
-                    </a:p>
-                  </a:txBody>
-                  <a:tcPr marL="9525" marR="9525" marT="9525" marB="0" anchor="b"/>
-                </a:tc>
-                <a:tc>
-                  <a:txBody>
-                    <a:bodyPr/>
-                    <a:lstStyle/>
-                    <a:p>
-                      <a:pPr algn="ctr" fontAlgn="b"/>
-                      <a:r>
-                        <a:rPr lang="en-PH" sz="1100" u="none" strike="noStrike">
-                          <a:effectLst/>
-                        </a:rPr>
-                        <a:t>₱162,000</a:t>
-                      </a:r>
-                      <a:endParaRPr lang="en-PH" sz="1100" b="0" i="0" u="none" strike="noStrike">
-                        <a:solidFill>
-                          <a:srgbClr val="000000"/>
-                        </a:solidFill>
-                        <a:effectLst/>
-                        <a:latin typeface="Calibri" panose="020F0502020204030204" pitchFamily="34" charset="0"/>
-                      </a:endParaRPr>
-                    </a:p>
-                  </a:txBody>
-                  <a:tcPr marL="9525" marR="9525" marT="9525" marB="0" anchor="b"/>
-                </a:tc>
-                <a:extLst>
-                  <a:ext uri="{0D108BD9-81ED-4DB2-BD59-A6C34878D82A}">
-                    <a16:rowId xmlns:a16="http://schemas.microsoft.com/office/drawing/2014/main" val="3068643480"/>
-                  </a:ext>
-                </a:extLst>
-              </a:tr>
-              <a:tr h="190500">
-                <a:tc>
-                  <a:txBody>
-                    <a:bodyPr/>
-                    <a:lstStyle/>
-                    <a:p>
-                      <a:pPr algn="l" fontAlgn="b"/>
-                      <a:r>
-                        <a:rPr lang="en-PH" sz="1100" u="none" strike="noStrike">
-                          <a:effectLst/>
-                        </a:rPr>
-                        <a:t>Computers</a:t>
-                      </a:r>
-                      <a:endParaRPr lang="en-PH" sz="1100" b="0" i="0" u="none" strike="noStrike">
-                        <a:solidFill>
-                          <a:srgbClr val="000000"/>
-                        </a:solidFill>
-                        <a:effectLst/>
-                        <a:latin typeface="Calibri" panose="020F0502020204030204" pitchFamily="34" charset="0"/>
-                      </a:endParaRPr>
-                    </a:p>
-                  </a:txBody>
-                  <a:tcPr marL="9525" marR="9525" marT="9525" marB="0" anchor="b"/>
-                </a:tc>
-                <a:tc>
-                  <a:txBody>
-                    <a:bodyPr/>
-                    <a:lstStyle/>
-                    <a:p>
-                      <a:pPr algn="ctr" fontAlgn="b"/>
-                      <a:r>
-                        <a:rPr lang="en-PH" sz="1100" u="none" strike="noStrike">
-                          <a:effectLst/>
-                        </a:rPr>
-                        <a:t>₱60,000</a:t>
-                      </a:r>
-                      <a:endParaRPr lang="en-PH" sz="1100" b="0" i="0" u="none" strike="noStrike">
-                        <a:solidFill>
-                          <a:srgbClr val="000000"/>
-                        </a:solidFill>
-                        <a:effectLst/>
-                        <a:latin typeface="Calibri" panose="020F0502020204030204" pitchFamily="34" charset="0"/>
-                      </a:endParaRPr>
-                    </a:p>
-                  </a:txBody>
-                  <a:tcPr marL="9525" marR="9525" marT="9525" marB="0" anchor="b"/>
-                </a:tc>
-                <a:tc>
-                  <a:txBody>
-                    <a:bodyPr/>
-                    <a:lstStyle/>
-                    <a:p>
-                      <a:pPr algn="ctr" fontAlgn="b"/>
-                      <a:r>
-                        <a:rPr lang="en-PH" sz="1100" u="none" strike="noStrike">
-                          <a:effectLst/>
-                        </a:rPr>
-                        <a:t>18</a:t>
-                      </a:r>
-                      <a:endParaRPr lang="en-PH" sz="1100" b="0" i="0" u="none" strike="noStrike">
-                        <a:solidFill>
-                          <a:srgbClr val="000000"/>
-                        </a:solidFill>
-                        <a:effectLst/>
-                        <a:latin typeface="Calibri" panose="020F0502020204030204" pitchFamily="34" charset="0"/>
-                      </a:endParaRPr>
-                    </a:p>
-                  </a:txBody>
-                  <a:tcPr marL="9525" marR="9525" marT="9525" marB="0" anchor="b"/>
-                </a:tc>
-                <a:tc>
-                  <a:txBody>
-                    <a:bodyPr/>
-                    <a:lstStyle/>
-                    <a:p>
-                      <a:pPr algn="ctr" fontAlgn="b"/>
-                      <a:r>
-                        <a:rPr lang="en-PH" sz="1100" u="none" strike="noStrike">
-                          <a:effectLst/>
-                        </a:rPr>
-                        <a:t>₱60,000</a:t>
-                      </a:r>
-                      <a:endParaRPr lang="en-PH" sz="1100" b="0" i="0" u="none" strike="noStrike">
-                        <a:solidFill>
-                          <a:srgbClr val="000000"/>
-                        </a:solidFill>
-                        <a:effectLst/>
-                        <a:latin typeface="Calibri" panose="020F0502020204030204" pitchFamily="34" charset="0"/>
-                      </a:endParaRPr>
-                    </a:p>
-                  </a:txBody>
-                  <a:tcPr marL="9525" marR="9525" marT="9525" marB="0" anchor="b"/>
-                </a:tc>
-                <a:extLst>
-                  <a:ext uri="{0D108BD9-81ED-4DB2-BD59-A6C34878D82A}">
-                    <a16:rowId xmlns:a16="http://schemas.microsoft.com/office/drawing/2014/main" val="948550502"/>
-                  </a:ext>
-                </a:extLst>
-              </a:tr>
-              <a:tr h="190500">
-                <a:tc>
-                  <a:txBody>
-                    <a:bodyPr/>
-                    <a:lstStyle/>
-                    <a:p>
-                      <a:pPr algn="l" fontAlgn="b"/>
-                      <a:r>
-                        <a:rPr lang="en-PH" sz="1100" u="none" strike="noStrike">
-                          <a:effectLst/>
-                        </a:rPr>
-                        <a:t>Laptops (for backup)</a:t>
-                      </a:r>
-                      <a:endParaRPr lang="en-PH" sz="1100" b="0" i="0" u="none" strike="noStrike">
-                        <a:solidFill>
-                          <a:srgbClr val="000000"/>
-                        </a:solidFill>
-                        <a:effectLst/>
-                        <a:latin typeface="Calibri" panose="020F0502020204030204" pitchFamily="34" charset="0"/>
-                      </a:endParaRPr>
-                    </a:p>
-                  </a:txBody>
-                  <a:tcPr marL="9525" marR="9525" marT="9525" marB="0" anchor="b"/>
-                </a:tc>
-                <a:tc>
-                  <a:txBody>
-                    <a:bodyPr/>
-                    <a:lstStyle/>
-                    <a:p>
-                      <a:pPr algn="ctr" fontAlgn="b"/>
-                      <a:r>
-                        <a:rPr lang="en-PH" sz="1100" u="none" strike="noStrike">
-                          <a:effectLst/>
-                        </a:rPr>
-                        <a:t>₱30,000</a:t>
-                      </a:r>
-                      <a:endParaRPr lang="en-PH" sz="1100" b="0" i="0" u="none" strike="noStrike">
-                        <a:solidFill>
-                          <a:srgbClr val="000000"/>
-                        </a:solidFill>
-                        <a:effectLst/>
-                        <a:latin typeface="Calibri" panose="020F0502020204030204" pitchFamily="34" charset="0"/>
-                      </a:endParaRPr>
-                    </a:p>
-                  </a:txBody>
-                  <a:tcPr marL="9525" marR="9525" marT="9525" marB="0" anchor="b"/>
-                </a:tc>
-                <a:tc>
-                  <a:txBody>
-                    <a:bodyPr/>
-                    <a:lstStyle/>
-                    <a:p>
-                      <a:pPr algn="ctr" fontAlgn="b"/>
-                      <a:r>
-                        <a:rPr lang="en-PH" sz="1100" u="none" strike="noStrike">
-                          <a:effectLst/>
-                        </a:rPr>
-                        <a:t>18</a:t>
-                      </a:r>
-                      <a:endParaRPr lang="en-PH" sz="1100" b="0" i="0" u="none" strike="noStrike">
-                        <a:solidFill>
-                          <a:srgbClr val="000000"/>
-                        </a:solidFill>
-                        <a:effectLst/>
-                        <a:latin typeface="Calibri" panose="020F0502020204030204" pitchFamily="34" charset="0"/>
-                      </a:endParaRPr>
-                    </a:p>
-                  </a:txBody>
-                  <a:tcPr marL="9525" marR="9525" marT="9525" marB="0" anchor="b"/>
-                </a:tc>
-                <a:tc>
-                  <a:txBody>
-                    <a:bodyPr/>
-                    <a:lstStyle/>
-                    <a:p>
-                      <a:pPr algn="ctr" fontAlgn="b"/>
-                      <a:r>
-                        <a:rPr lang="en-PH" sz="1100" u="none" strike="noStrike">
-                          <a:effectLst/>
-                        </a:rPr>
-                        <a:t>₱30,000</a:t>
-                      </a:r>
-                      <a:endParaRPr lang="en-PH" sz="1100" b="0" i="0" u="none" strike="noStrike">
-                        <a:solidFill>
-                          <a:srgbClr val="000000"/>
-                        </a:solidFill>
-                        <a:effectLst/>
-                        <a:latin typeface="Calibri" panose="020F0502020204030204" pitchFamily="34" charset="0"/>
-                      </a:endParaRPr>
-                    </a:p>
-                  </a:txBody>
-                  <a:tcPr marL="9525" marR="9525" marT="9525" marB="0" anchor="b"/>
-                </a:tc>
-                <a:extLst>
-                  <a:ext uri="{0D108BD9-81ED-4DB2-BD59-A6C34878D82A}">
-                    <a16:rowId xmlns:a16="http://schemas.microsoft.com/office/drawing/2014/main" val="1831197388"/>
-                  </a:ext>
-                </a:extLst>
-              </a:tr>
-              <a:tr h="190500">
-                <a:tc>
-                  <a:txBody>
-                    <a:bodyPr/>
-                    <a:lstStyle/>
-                    <a:p>
-                      <a:pPr algn="l" fontAlgn="b"/>
-                      <a:r>
-                        <a:rPr lang="en-PH" sz="1100" u="none" strike="noStrike" dirty="0">
-                          <a:effectLst/>
-                        </a:rPr>
-                        <a:t>Tables (4)</a:t>
-                      </a:r>
-                      <a:endParaRPr lang="en-PH" sz="1100" b="0" i="0" u="none" strike="noStrike" dirty="0">
-                        <a:solidFill>
-                          <a:srgbClr val="000000"/>
-                        </a:solidFill>
-                        <a:effectLst/>
-                        <a:latin typeface="Calibri" panose="020F0502020204030204" pitchFamily="34" charset="0"/>
-                      </a:endParaRPr>
-                    </a:p>
-                  </a:txBody>
-                  <a:tcPr marL="9525" marR="9525" marT="9525" marB="0" anchor="b"/>
-                </a:tc>
-                <a:tc>
-                  <a:txBody>
-                    <a:bodyPr/>
-                    <a:lstStyle/>
-                    <a:p>
-                      <a:pPr algn="ctr" fontAlgn="b"/>
-                      <a:r>
-                        <a:rPr lang="en-PH" sz="1100" u="none" strike="noStrike">
-                          <a:effectLst/>
-                        </a:rPr>
-                        <a:t>₱2,185</a:t>
-                      </a:r>
-                      <a:endParaRPr lang="en-PH" sz="1100" b="0" i="0" u="none" strike="noStrike">
-                        <a:solidFill>
-                          <a:srgbClr val="000000"/>
-                        </a:solidFill>
-                        <a:effectLst/>
-                        <a:latin typeface="Calibri" panose="020F0502020204030204" pitchFamily="34" charset="0"/>
-                      </a:endParaRPr>
-                    </a:p>
-                  </a:txBody>
-                  <a:tcPr marL="9525" marR="9525" marT="9525" marB="0" anchor="b"/>
-                </a:tc>
-                <a:tc>
-                  <a:txBody>
-                    <a:bodyPr/>
-                    <a:lstStyle/>
-                    <a:p>
-                      <a:pPr algn="ctr" fontAlgn="b"/>
-                      <a:r>
-                        <a:rPr lang="en-PH" sz="1100" u="none" strike="noStrike">
-                          <a:effectLst/>
-                        </a:rPr>
-                        <a:t>18</a:t>
-                      </a:r>
-                      <a:endParaRPr lang="en-PH" sz="1100" b="0" i="0" u="none" strike="noStrike">
-                        <a:solidFill>
-                          <a:srgbClr val="000000"/>
-                        </a:solidFill>
-                        <a:effectLst/>
-                        <a:latin typeface="Calibri" panose="020F0502020204030204" pitchFamily="34" charset="0"/>
-                      </a:endParaRPr>
-                    </a:p>
-                  </a:txBody>
-                  <a:tcPr marL="9525" marR="9525" marT="9525" marB="0" anchor="b"/>
-                </a:tc>
-                <a:tc>
-                  <a:txBody>
-                    <a:bodyPr/>
-                    <a:lstStyle/>
-                    <a:p>
-                      <a:pPr algn="ctr" fontAlgn="b"/>
-                      <a:r>
-                        <a:rPr lang="en-PH" sz="1100" u="none" strike="noStrike">
-                          <a:effectLst/>
-                        </a:rPr>
-                        <a:t>₱8,740</a:t>
-                      </a:r>
-                      <a:endParaRPr lang="en-PH" sz="1100" b="0" i="0" u="none" strike="noStrike">
-                        <a:solidFill>
-                          <a:srgbClr val="000000"/>
-                        </a:solidFill>
-                        <a:effectLst/>
-                        <a:latin typeface="Calibri" panose="020F0502020204030204" pitchFamily="34" charset="0"/>
-                      </a:endParaRPr>
-                    </a:p>
-                  </a:txBody>
-                  <a:tcPr marL="9525" marR="9525" marT="9525" marB="0" anchor="b"/>
-                </a:tc>
-                <a:extLst>
-                  <a:ext uri="{0D108BD9-81ED-4DB2-BD59-A6C34878D82A}">
-                    <a16:rowId xmlns:a16="http://schemas.microsoft.com/office/drawing/2014/main" val="941835228"/>
-                  </a:ext>
-                </a:extLst>
-              </a:tr>
-              <a:tr h="190500">
-                <a:tc>
-                  <a:txBody>
-                    <a:bodyPr/>
-                    <a:lstStyle/>
-                    <a:p>
-                      <a:pPr algn="l" fontAlgn="b"/>
-                      <a:r>
-                        <a:rPr lang="en-PH" sz="1100" u="none" strike="noStrike">
-                          <a:effectLst/>
-                        </a:rPr>
-                        <a:t>Chairs (4)</a:t>
-                      </a:r>
-                      <a:endParaRPr lang="en-PH" sz="1100" b="0" i="0" u="none" strike="noStrike">
-                        <a:solidFill>
-                          <a:srgbClr val="000000"/>
-                        </a:solidFill>
-                        <a:effectLst/>
-                        <a:latin typeface="Calibri" panose="020F0502020204030204" pitchFamily="34" charset="0"/>
-                      </a:endParaRPr>
-                    </a:p>
-                  </a:txBody>
-                  <a:tcPr marL="9525" marR="9525" marT="9525" marB="0" anchor="b"/>
-                </a:tc>
-                <a:tc>
-                  <a:txBody>
-                    <a:bodyPr/>
-                    <a:lstStyle/>
-                    <a:p>
-                      <a:pPr algn="ctr" fontAlgn="b"/>
-                      <a:r>
-                        <a:rPr lang="en-PH" sz="1100" u="none" strike="noStrike">
-                          <a:effectLst/>
-                        </a:rPr>
-                        <a:t>₱980</a:t>
-                      </a:r>
-                      <a:endParaRPr lang="en-PH" sz="1100" b="0" i="0" u="none" strike="noStrike">
-                        <a:solidFill>
-                          <a:srgbClr val="000000"/>
-                        </a:solidFill>
-                        <a:effectLst/>
-                        <a:latin typeface="Calibri" panose="020F0502020204030204" pitchFamily="34" charset="0"/>
-                      </a:endParaRPr>
-                    </a:p>
-                  </a:txBody>
-                  <a:tcPr marL="9525" marR="9525" marT="9525" marB="0" anchor="b"/>
-                </a:tc>
-                <a:tc>
-                  <a:txBody>
-                    <a:bodyPr/>
-                    <a:lstStyle/>
-                    <a:p>
-                      <a:pPr algn="ctr" fontAlgn="b"/>
-                      <a:r>
-                        <a:rPr lang="en-PH" sz="1100" u="none" strike="noStrike">
-                          <a:effectLst/>
-                        </a:rPr>
-                        <a:t>18</a:t>
-                      </a:r>
-                      <a:endParaRPr lang="en-PH" sz="1100" b="0" i="0" u="none" strike="noStrike">
-                        <a:solidFill>
-                          <a:srgbClr val="000000"/>
-                        </a:solidFill>
-                        <a:effectLst/>
-                        <a:latin typeface="Calibri" panose="020F0502020204030204" pitchFamily="34" charset="0"/>
-                      </a:endParaRPr>
-                    </a:p>
-                  </a:txBody>
-                  <a:tcPr marL="9525" marR="9525" marT="9525" marB="0" anchor="b"/>
-                </a:tc>
-                <a:tc>
-                  <a:txBody>
-                    <a:bodyPr/>
-                    <a:lstStyle/>
-                    <a:p>
-                      <a:pPr algn="ctr" fontAlgn="b"/>
-                      <a:r>
-                        <a:rPr lang="en-PH" sz="1100" u="none" strike="noStrike">
-                          <a:effectLst/>
-                        </a:rPr>
-                        <a:t>₱3,920</a:t>
-                      </a:r>
-                      <a:endParaRPr lang="en-PH" sz="1100" b="0" i="0" u="none" strike="noStrike">
-                        <a:solidFill>
-                          <a:srgbClr val="000000"/>
-                        </a:solidFill>
-                        <a:effectLst/>
-                        <a:latin typeface="Calibri" panose="020F0502020204030204" pitchFamily="34" charset="0"/>
-                      </a:endParaRPr>
-                    </a:p>
-                  </a:txBody>
-                  <a:tcPr marL="9525" marR="9525" marT="9525" marB="0" anchor="b"/>
-                </a:tc>
-                <a:extLst>
-                  <a:ext uri="{0D108BD9-81ED-4DB2-BD59-A6C34878D82A}">
-                    <a16:rowId xmlns:a16="http://schemas.microsoft.com/office/drawing/2014/main" val="3791302523"/>
-                  </a:ext>
-                </a:extLst>
-              </a:tr>
-              <a:tr h="190500">
-                <a:tc>
-                  <a:txBody>
-                    <a:bodyPr/>
-                    <a:lstStyle/>
-                    <a:p>
-                      <a:pPr algn="l" fontAlgn="b"/>
-                      <a:r>
-                        <a:rPr lang="en-PH" sz="1100" u="none" strike="noStrike">
-                          <a:effectLst/>
-                        </a:rPr>
-                        <a:t>Aircon</a:t>
-                      </a:r>
-                      <a:endParaRPr lang="en-PH" sz="1100" b="0" i="0" u="none" strike="noStrike">
-                        <a:solidFill>
-                          <a:srgbClr val="000000"/>
-                        </a:solidFill>
-                        <a:effectLst/>
-                        <a:latin typeface="Calibri" panose="020F0502020204030204" pitchFamily="34" charset="0"/>
-                      </a:endParaRPr>
-                    </a:p>
-                  </a:txBody>
-                  <a:tcPr marL="9525" marR="9525" marT="9525" marB="0" anchor="b"/>
-                </a:tc>
-                <a:tc>
-                  <a:txBody>
-                    <a:bodyPr/>
-                    <a:lstStyle/>
-                    <a:p>
-                      <a:pPr algn="ctr" fontAlgn="b"/>
-                      <a:r>
-                        <a:rPr lang="en-PH" sz="1100" u="none" strike="noStrike">
-                          <a:effectLst/>
-                        </a:rPr>
-                        <a:t>₱2,413</a:t>
-                      </a:r>
-                      <a:endParaRPr lang="en-PH" sz="1100" b="0" i="0" u="none" strike="noStrike">
-                        <a:solidFill>
-                          <a:srgbClr val="000000"/>
-                        </a:solidFill>
-                        <a:effectLst/>
-                        <a:latin typeface="Calibri" panose="020F0502020204030204" pitchFamily="34" charset="0"/>
-                      </a:endParaRPr>
-                    </a:p>
-                  </a:txBody>
-                  <a:tcPr marL="9525" marR="9525" marT="9525" marB="0" anchor="b"/>
-                </a:tc>
-                <a:tc>
-                  <a:txBody>
-                    <a:bodyPr/>
-                    <a:lstStyle/>
-                    <a:p>
-                      <a:pPr algn="ctr" fontAlgn="b"/>
-                      <a:r>
-                        <a:rPr lang="en-PH" sz="1100" u="none" strike="noStrike">
-                          <a:effectLst/>
-                        </a:rPr>
-                        <a:t>18</a:t>
-                      </a:r>
-                      <a:endParaRPr lang="en-PH" sz="1100" b="0" i="0" u="none" strike="noStrike">
-                        <a:solidFill>
-                          <a:srgbClr val="000000"/>
-                        </a:solidFill>
-                        <a:effectLst/>
-                        <a:latin typeface="Calibri" panose="020F0502020204030204" pitchFamily="34" charset="0"/>
-                      </a:endParaRPr>
-                    </a:p>
-                  </a:txBody>
-                  <a:tcPr marL="9525" marR="9525" marT="9525" marB="0" anchor="b"/>
-                </a:tc>
-                <a:tc>
-                  <a:txBody>
-                    <a:bodyPr/>
-                    <a:lstStyle/>
-                    <a:p>
-                      <a:pPr algn="ctr" fontAlgn="b"/>
-                      <a:r>
-                        <a:rPr lang="en-PH" sz="1100" u="none" strike="noStrike">
-                          <a:effectLst/>
-                        </a:rPr>
-                        <a:t>₱2,413</a:t>
-                      </a:r>
-                      <a:endParaRPr lang="en-PH" sz="1100" b="0" i="0" u="none" strike="noStrike">
-                        <a:solidFill>
-                          <a:srgbClr val="000000"/>
-                        </a:solidFill>
-                        <a:effectLst/>
-                        <a:latin typeface="Calibri" panose="020F0502020204030204" pitchFamily="34" charset="0"/>
-                      </a:endParaRPr>
-                    </a:p>
-                  </a:txBody>
-                  <a:tcPr marL="9525" marR="9525" marT="9525" marB="0" anchor="b"/>
-                </a:tc>
-                <a:extLst>
-                  <a:ext uri="{0D108BD9-81ED-4DB2-BD59-A6C34878D82A}">
-                    <a16:rowId xmlns:a16="http://schemas.microsoft.com/office/drawing/2014/main" val="2862823162"/>
-                  </a:ext>
-                </a:extLst>
-              </a:tr>
-              <a:tr h="190500">
-                <a:tc>
-                  <a:txBody>
-                    <a:bodyPr/>
-                    <a:lstStyle/>
-                    <a:p>
-                      <a:pPr algn="l" fontAlgn="b"/>
-                      <a:r>
-                        <a:rPr lang="en-PH" sz="1100" u="none" strike="noStrike">
-                          <a:effectLst/>
-                        </a:rPr>
-                        <a:t>Internet Access</a:t>
-                      </a:r>
-                      <a:endParaRPr lang="en-PH" sz="1100" b="0" i="0" u="none" strike="noStrike">
-                        <a:solidFill>
-                          <a:srgbClr val="000000"/>
-                        </a:solidFill>
-                        <a:effectLst/>
-                        <a:latin typeface="Calibri" panose="020F0502020204030204" pitchFamily="34" charset="0"/>
-                      </a:endParaRPr>
-                    </a:p>
-                  </a:txBody>
-                  <a:tcPr marL="9525" marR="9525" marT="9525" marB="0" anchor="b"/>
-                </a:tc>
-                <a:tc>
-                  <a:txBody>
-                    <a:bodyPr/>
-                    <a:lstStyle/>
-                    <a:p>
-                      <a:pPr algn="ctr" fontAlgn="b"/>
-                      <a:r>
-                        <a:rPr lang="en-PH" sz="1100" u="none" strike="noStrike">
-                          <a:effectLst/>
-                        </a:rPr>
-                        <a:t>₱1,797.05</a:t>
-                      </a:r>
-                      <a:endParaRPr lang="en-PH" sz="1100" b="0" i="0" u="none" strike="noStrike">
-                        <a:solidFill>
-                          <a:srgbClr val="000000"/>
-                        </a:solidFill>
-                        <a:effectLst/>
-                        <a:latin typeface="Calibri" panose="020F0502020204030204" pitchFamily="34" charset="0"/>
-                      </a:endParaRPr>
-                    </a:p>
-                  </a:txBody>
-                  <a:tcPr marL="9525" marR="9525" marT="9525" marB="0" anchor="b"/>
-                </a:tc>
-                <a:tc>
-                  <a:txBody>
-                    <a:bodyPr/>
-                    <a:lstStyle/>
-                    <a:p>
-                      <a:pPr algn="ctr" fontAlgn="b"/>
-                      <a:r>
-                        <a:rPr lang="en-PH" sz="1100" u="none" strike="noStrike">
-                          <a:effectLst/>
-                        </a:rPr>
-                        <a:t>18</a:t>
-                      </a:r>
-                      <a:endParaRPr lang="en-PH" sz="1100" b="0" i="0" u="none" strike="noStrike">
-                        <a:solidFill>
-                          <a:srgbClr val="000000"/>
-                        </a:solidFill>
-                        <a:effectLst/>
-                        <a:latin typeface="Calibri" panose="020F0502020204030204" pitchFamily="34" charset="0"/>
-                      </a:endParaRPr>
-                    </a:p>
-                  </a:txBody>
-                  <a:tcPr marL="9525" marR="9525" marT="9525" marB="0" anchor="b"/>
-                </a:tc>
-                <a:tc>
-                  <a:txBody>
-                    <a:bodyPr/>
-                    <a:lstStyle/>
-                    <a:p>
-                      <a:pPr algn="ctr" fontAlgn="b"/>
-                      <a:r>
-                        <a:rPr lang="en-PH" sz="1100" u="none" strike="noStrike">
-                          <a:effectLst/>
-                        </a:rPr>
-                        <a:t>₱32,346.90</a:t>
-                      </a:r>
-                      <a:endParaRPr lang="en-PH" sz="1100" b="0" i="0" u="none" strike="noStrike">
-                        <a:solidFill>
-                          <a:srgbClr val="000000"/>
-                        </a:solidFill>
-                        <a:effectLst/>
-                        <a:latin typeface="Calibri" panose="020F0502020204030204" pitchFamily="34" charset="0"/>
-                      </a:endParaRPr>
-                    </a:p>
-                  </a:txBody>
-                  <a:tcPr marL="9525" marR="9525" marT="9525" marB="0" anchor="b"/>
-                </a:tc>
-                <a:extLst>
-                  <a:ext uri="{0D108BD9-81ED-4DB2-BD59-A6C34878D82A}">
-                    <a16:rowId xmlns:a16="http://schemas.microsoft.com/office/drawing/2014/main" val="3614388672"/>
-                  </a:ext>
-                </a:extLst>
-              </a:tr>
-              <a:tr h="190500">
-                <a:tc>
-                  <a:txBody>
-                    <a:bodyPr/>
-                    <a:lstStyle/>
-                    <a:p>
-                      <a:pPr algn="l" fontAlgn="b"/>
-                      <a:r>
-                        <a:rPr lang="en-PH" sz="1100" u="none" strike="noStrike">
-                          <a:effectLst/>
-                        </a:rPr>
-                        <a:t>Electricity, Water</a:t>
-                      </a:r>
-                      <a:endParaRPr lang="en-PH" sz="1100" b="0" i="0" u="none" strike="noStrike">
-                        <a:solidFill>
-                          <a:srgbClr val="000000"/>
-                        </a:solidFill>
-                        <a:effectLst/>
-                        <a:latin typeface="Calibri" panose="020F0502020204030204" pitchFamily="34" charset="0"/>
-                      </a:endParaRPr>
-                    </a:p>
-                  </a:txBody>
-                  <a:tcPr marL="9525" marR="9525" marT="9525" marB="0" anchor="b"/>
-                </a:tc>
-                <a:tc>
-                  <a:txBody>
-                    <a:bodyPr/>
-                    <a:lstStyle/>
-                    <a:p>
-                      <a:pPr algn="ctr" fontAlgn="b"/>
-                      <a:r>
-                        <a:rPr lang="en-PH" sz="1100" u="none" strike="noStrike">
-                          <a:effectLst/>
-                        </a:rPr>
-                        <a:t>₱2,568.21</a:t>
-                      </a:r>
-                      <a:endParaRPr lang="en-PH" sz="1100" b="0" i="0" u="none" strike="noStrike">
-                        <a:solidFill>
-                          <a:srgbClr val="000000"/>
-                        </a:solidFill>
-                        <a:effectLst/>
-                        <a:latin typeface="Calibri" panose="020F0502020204030204" pitchFamily="34" charset="0"/>
-                      </a:endParaRPr>
-                    </a:p>
-                  </a:txBody>
-                  <a:tcPr marL="9525" marR="9525" marT="9525" marB="0" anchor="b"/>
-                </a:tc>
-                <a:tc>
-                  <a:txBody>
-                    <a:bodyPr/>
-                    <a:lstStyle/>
-                    <a:p>
-                      <a:pPr algn="ctr" fontAlgn="b"/>
-                      <a:r>
-                        <a:rPr lang="en-PH" sz="1100" u="none" strike="noStrike">
-                          <a:effectLst/>
-                        </a:rPr>
-                        <a:t>18</a:t>
-                      </a:r>
-                      <a:endParaRPr lang="en-PH" sz="1100" b="0" i="0" u="none" strike="noStrike">
-                        <a:solidFill>
-                          <a:srgbClr val="000000"/>
-                        </a:solidFill>
-                        <a:effectLst/>
-                        <a:latin typeface="Calibri" panose="020F0502020204030204" pitchFamily="34" charset="0"/>
-                      </a:endParaRPr>
-                    </a:p>
-                  </a:txBody>
-                  <a:tcPr marL="9525" marR="9525" marT="9525" marB="0" anchor="b"/>
-                </a:tc>
-                <a:tc>
-                  <a:txBody>
-                    <a:bodyPr/>
-                    <a:lstStyle/>
-                    <a:p>
-                      <a:pPr algn="ctr" fontAlgn="b"/>
-                      <a:r>
-                        <a:rPr lang="en-PH" sz="1100" u="none" strike="noStrike">
-                          <a:effectLst/>
-                        </a:rPr>
-                        <a:t>₱46,227.78</a:t>
-                      </a:r>
-                      <a:endParaRPr lang="en-PH" sz="1100" b="0" i="0" u="none" strike="noStrike">
-                        <a:solidFill>
-                          <a:srgbClr val="000000"/>
-                        </a:solidFill>
-                        <a:effectLst/>
-                        <a:latin typeface="Calibri" panose="020F0502020204030204" pitchFamily="34" charset="0"/>
-                      </a:endParaRPr>
-                    </a:p>
-                  </a:txBody>
-                  <a:tcPr marL="9525" marR="9525" marT="9525" marB="0" anchor="b"/>
-                </a:tc>
-                <a:extLst>
-                  <a:ext uri="{0D108BD9-81ED-4DB2-BD59-A6C34878D82A}">
-                    <a16:rowId xmlns:a16="http://schemas.microsoft.com/office/drawing/2014/main" val="966036228"/>
-                  </a:ext>
-                </a:extLst>
-              </a:tr>
-              <a:tr h="190500">
-                <a:tc>
-                  <a:txBody>
-                    <a:bodyPr/>
-                    <a:lstStyle/>
-                    <a:p>
-                      <a:pPr algn="l" fontAlgn="b"/>
-                      <a:endParaRPr lang="en-PH" sz="1100" b="0" i="0" u="none" strike="noStrike" dirty="0">
-                        <a:solidFill>
-                          <a:srgbClr val="000000"/>
-                        </a:solidFill>
-                        <a:effectLst/>
-                        <a:latin typeface="Calibri" panose="020F0502020204030204" pitchFamily="34" charset="0"/>
-                      </a:endParaRPr>
-                    </a:p>
-                  </a:txBody>
-                  <a:tcPr marL="9525" marR="9525" marT="9525" marB="0" anchor="b"/>
-                </a:tc>
-                <a:tc>
-                  <a:txBody>
-                    <a:bodyPr/>
-                    <a:lstStyle/>
-                    <a:p>
-                      <a:pPr algn="l" fontAlgn="b"/>
-                      <a:endParaRPr lang="en-PH" sz="1100" b="0" i="0" u="none" strike="noStrike">
-                        <a:solidFill>
-                          <a:srgbClr val="000000"/>
-                        </a:solidFill>
-                        <a:effectLst/>
-                        <a:latin typeface="Calibri" panose="020F0502020204030204" pitchFamily="34" charset="0"/>
-                      </a:endParaRPr>
-                    </a:p>
-                  </a:txBody>
-                  <a:tcPr marL="9525" marR="9525" marT="9525" marB="0" anchor="b"/>
-                </a:tc>
-                <a:tc>
-                  <a:txBody>
-                    <a:bodyPr/>
-                    <a:lstStyle/>
-                    <a:p>
-                      <a:pPr algn="l" fontAlgn="b"/>
-                      <a:endParaRPr lang="en-PH" sz="1100" b="0" i="0" u="none" strike="noStrike">
-                        <a:solidFill>
-                          <a:srgbClr val="000000"/>
-                        </a:solidFill>
-                        <a:effectLst/>
-                        <a:latin typeface="Calibri" panose="020F0502020204030204" pitchFamily="34" charset="0"/>
-                      </a:endParaRPr>
-                    </a:p>
-                  </a:txBody>
-                  <a:tcPr marL="9525" marR="9525" marT="9525" marB="0" anchor="b"/>
-                </a:tc>
-                <a:tc>
-                  <a:txBody>
-                    <a:bodyPr/>
-                    <a:lstStyle/>
-                    <a:p>
-                      <a:pPr algn="ctr" fontAlgn="b"/>
-                      <a:r>
-                        <a:rPr lang="en-PH" sz="1100" u="none" strike="noStrike" dirty="0">
-                          <a:effectLst/>
-                        </a:rPr>
-                        <a:t>₱345,647.68</a:t>
-                      </a:r>
-                      <a:endParaRPr lang="en-PH" sz="1100" b="1" i="0" u="none" strike="noStrike" dirty="0">
-                        <a:solidFill>
-                          <a:srgbClr val="FA7D00"/>
-                        </a:solidFill>
-                        <a:effectLst/>
-                        <a:latin typeface="Calibri" panose="020F0502020204030204" pitchFamily="34" charset="0"/>
-                      </a:endParaRPr>
-                    </a:p>
-                  </a:txBody>
-                  <a:tcPr marL="9525" marR="9525" marT="9525" marB="0" anchor="b"/>
-                </a:tc>
-                <a:extLst>
-                  <a:ext uri="{0D108BD9-81ED-4DB2-BD59-A6C34878D82A}">
-                    <a16:rowId xmlns:a16="http://schemas.microsoft.com/office/drawing/2014/main" val="3450459930"/>
-                  </a:ext>
-                </a:extLst>
-              </a:tr>
-            </a:tbl>
-          </a:graphicData>
-        </a:graphic>
-      </p:graphicFrame>
-      <p:graphicFrame>
-        <p:nvGraphicFramePr>
-          <p:cNvPr id="2" name="Table 1"/>
-          <p:cNvGraphicFramePr>
-            <a:graphicFrameLocks noGrp="1"/>
-          </p:cNvGraphicFramePr>
-          <p:nvPr>
-            <p:extLst>
-              <p:ext uri="{D42A27DB-BD31-4B8C-83A1-F6EECF244321}">
-                <p14:modId xmlns:p14="http://schemas.microsoft.com/office/powerpoint/2010/main" val="626895024"/>
-              </p:ext>
-            </p:extLst>
-          </p:nvPr>
-        </p:nvGraphicFramePr>
-        <p:xfrm>
-          <a:off x="2123729" y="4765402"/>
-          <a:ext cx="6552630" cy="762000"/>
-        </p:xfrm>
-        <a:graphic>
-          <a:graphicData uri="http://schemas.openxmlformats.org/drawingml/2006/table">
-            <a:tbl>
-              <a:tblPr>
-                <a:tableStyleId>{B301B821-A1FF-4177-AEE7-76D212191A09}</a:tableStyleId>
-              </a:tblPr>
-              <a:tblGrid>
-                <a:gridCol w="2761683">
-                  <a:extLst>
-                    <a:ext uri="{9D8B030D-6E8A-4147-A177-3AD203B41FA5}">
-                      <a16:colId xmlns:a16="http://schemas.microsoft.com/office/drawing/2014/main" val="3905968808"/>
-                    </a:ext>
-                  </a:extLst>
-                </a:gridCol>
-                <a:gridCol w="1263649">
-                  <a:extLst>
-                    <a:ext uri="{9D8B030D-6E8A-4147-A177-3AD203B41FA5}">
-                      <a16:colId xmlns:a16="http://schemas.microsoft.com/office/drawing/2014/main" val="950089543"/>
-                    </a:ext>
-                  </a:extLst>
-                </a:gridCol>
-                <a:gridCol w="1263649">
-                  <a:extLst>
-                    <a:ext uri="{9D8B030D-6E8A-4147-A177-3AD203B41FA5}">
-                      <a16:colId xmlns:a16="http://schemas.microsoft.com/office/drawing/2014/main" val="1875688787"/>
-                    </a:ext>
-                  </a:extLst>
-                </a:gridCol>
-                <a:gridCol w="1263649">
-                  <a:extLst>
-                    <a:ext uri="{9D8B030D-6E8A-4147-A177-3AD203B41FA5}">
-                      <a16:colId xmlns:a16="http://schemas.microsoft.com/office/drawing/2014/main" val="3387656776"/>
-                    </a:ext>
-                  </a:extLst>
-                </a:gridCol>
-              </a:tblGrid>
-              <a:tr h="190500">
-                <a:tc>
-                  <a:txBody>
-                    <a:bodyPr/>
-                    <a:lstStyle/>
-                    <a:p>
-                      <a:pPr algn="l" fontAlgn="b"/>
-                      <a:r>
-                        <a:rPr lang="en-PH" sz="1100" u="none" strike="noStrike" dirty="0">
-                          <a:effectLst/>
-                        </a:rPr>
-                        <a:t>Advertisement</a:t>
-                      </a:r>
-                      <a:endParaRPr lang="en-PH" sz="1100" b="1" i="0" u="none" strike="noStrike" dirty="0">
-                        <a:solidFill>
-                          <a:srgbClr val="000000"/>
-                        </a:solidFill>
-                        <a:effectLst/>
-                        <a:latin typeface="Calibri" panose="020F0502020204030204" pitchFamily="34" charset="0"/>
-                      </a:endParaRPr>
-                    </a:p>
-                  </a:txBody>
-                  <a:tcPr marL="9525" marR="9525" marT="9525" marB="0" anchor="b"/>
-                </a:tc>
-                <a:tc>
-                  <a:txBody>
-                    <a:bodyPr/>
-                    <a:lstStyle/>
-                    <a:p>
-                      <a:pPr algn="ctr" fontAlgn="ctr"/>
-                      <a:r>
-                        <a:rPr lang="en-PH" sz="1100" u="none" strike="noStrike">
-                          <a:effectLst/>
-                        </a:rPr>
-                        <a:t>Price</a:t>
-                      </a:r>
-                      <a:endParaRPr lang="en-PH" sz="1100" b="1" i="0" u="none" strike="noStrike">
-                        <a:solidFill>
-                          <a:srgbClr val="000000"/>
-                        </a:solidFill>
-                        <a:effectLst/>
-                        <a:latin typeface="Calibri" panose="020F0502020204030204" pitchFamily="34" charset="0"/>
-                      </a:endParaRPr>
-                    </a:p>
-                  </a:txBody>
-                  <a:tcPr marL="9525" marR="9525" marT="9525" marB="0" anchor="ctr"/>
-                </a:tc>
-                <a:tc>
-                  <a:txBody>
-                    <a:bodyPr/>
-                    <a:lstStyle/>
-                    <a:p>
-                      <a:pPr algn="ctr" fontAlgn="b"/>
-                      <a:r>
-                        <a:rPr lang="en-PH" sz="1100" u="none" strike="noStrike">
-                          <a:effectLst/>
-                        </a:rPr>
-                        <a:t>Duration (month)</a:t>
-                      </a:r>
-                      <a:endParaRPr lang="en-PH" sz="1100" b="1" i="0" u="none" strike="noStrike">
-                        <a:solidFill>
-                          <a:srgbClr val="000000"/>
-                        </a:solidFill>
-                        <a:effectLst/>
-                        <a:latin typeface="Calibri" panose="020F0502020204030204" pitchFamily="34" charset="0"/>
-                      </a:endParaRPr>
-                    </a:p>
-                  </a:txBody>
-                  <a:tcPr marL="9525" marR="9525" marT="9525" marB="0" anchor="b"/>
-                </a:tc>
-                <a:tc>
-                  <a:txBody>
-                    <a:bodyPr/>
-                    <a:lstStyle/>
-                    <a:p>
-                      <a:pPr algn="ctr" fontAlgn="b"/>
-                      <a:r>
-                        <a:rPr lang="en-PH" sz="1100" u="none" strike="noStrike">
-                          <a:effectLst/>
-                        </a:rPr>
-                        <a:t>Total</a:t>
-                      </a:r>
-                      <a:endParaRPr lang="en-PH" sz="1100" b="1" i="0" u="none" strike="noStrike">
-                        <a:solidFill>
-                          <a:srgbClr val="000000"/>
-                        </a:solidFill>
-                        <a:effectLst/>
-                        <a:latin typeface="Calibri" panose="020F0502020204030204" pitchFamily="34" charset="0"/>
-                      </a:endParaRPr>
-                    </a:p>
-                  </a:txBody>
-                  <a:tcPr marL="9525" marR="9525" marT="9525" marB="0" anchor="b"/>
-                </a:tc>
-                <a:extLst>
-                  <a:ext uri="{0D108BD9-81ED-4DB2-BD59-A6C34878D82A}">
-                    <a16:rowId xmlns:a16="http://schemas.microsoft.com/office/drawing/2014/main" val="3423506802"/>
-                  </a:ext>
-                </a:extLst>
-              </a:tr>
-              <a:tr h="190500">
-                <a:tc>
-                  <a:txBody>
-                    <a:bodyPr/>
-                    <a:lstStyle/>
-                    <a:p>
-                      <a:pPr algn="l" fontAlgn="b"/>
-                      <a:r>
-                        <a:rPr lang="en-PH" sz="1100" u="none" strike="noStrike" dirty="0">
-                          <a:effectLst/>
-                        </a:rPr>
-                        <a:t>Advertising</a:t>
-                      </a:r>
-                      <a:endParaRPr lang="en-PH" sz="1100" b="0" i="0" u="none" strike="noStrike" dirty="0">
-                        <a:solidFill>
-                          <a:srgbClr val="000000"/>
-                        </a:solidFill>
-                        <a:effectLst/>
-                        <a:latin typeface="Calibri" panose="020F0502020204030204" pitchFamily="34" charset="0"/>
-                      </a:endParaRPr>
-                    </a:p>
-                  </a:txBody>
-                  <a:tcPr marL="9525" marR="9525" marT="9525" marB="0" anchor="b"/>
-                </a:tc>
-                <a:tc>
-                  <a:txBody>
-                    <a:bodyPr/>
-                    <a:lstStyle/>
-                    <a:p>
-                      <a:pPr algn="ctr" fontAlgn="ctr"/>
-                      <a:r>
-                        <a:rPr lang="en-PH" sz="1100" u="none" strike="noStrike">
-                          <a:effectLst/>
-                        </a:rPr>
-                        <a:t>₱10,000</a:t>
-                      </a:r>
-                      <a:endParaRPr lang="en-PH" sz="1100" b="0" i="0" u="none" strike="noStrike">
-                        <a:solidFill>
-                          <a:srgbClr val="000000"/>
-                        </a:solidFill>
-                        <a:effectLst/>
-                        <a:latin typeface="Calibri" panose="020F0502020204030204" pitchFamily="34" charset="0"/>
-                      </a:endParaRPr>
-                    </a:p>
-                  </a:txBody>
-                  <a:tcPr marL="9525" marR="9525" marT="9525" marB="0" anchor="ctr"/>
-                </a:tc>
-                <a:tc>
-                  <a:txBody>
-                    <a:bodyPr/>
-                    <a:lstStyle/>
-                    <a:p>
-                      <a:pPr algn="ctr" fontAlgn="b"/>
-                      <a:r>
-                        <a:rPr lang="en-PH" sz="1100" u="none" strike="noStrike">
-                          <a:effectLst/>
-                        </a:rPr>
-                        <a:t>18</a:t>
-                      </a:r>
-                      <a:endParaRPr lang="en-PH" sz="1100" b="0" i="0" u="none" strike="noStrike">
-                        <a:solidFill>
-                          <a:srgbClr val="000000"/>
-                        </a:solidFill>
-                        <a:effectLst/>
-                        <a:latin typeface="Calibri" panose="020F0502020204030204" pitchFamily="34" charset="0"/>
-                      </a:endParaRPr>
-                    </a:p>
-                  </a:txBody>
-                  <a:tcPr marL="9525" marR="9525" marT="9525" marB="0" anchor="b"/>
-                </a:tc>
-                <a:tc>
-                  <a:txBody>
-                    <a:bodyPr/>
-                    <a:lstStyle/>
-                    <a:p>
-                      <a:pPr algn="ctr" fontAlgn="b"/>
-                      <a:r>
-                        <a:rPr lang="en-PH" sz="1100" u="none" strike="noStrike" dirty="0">
-                          <a:effectLst/>
-                        </a:rPr>
-                        <a:t>₱180,000</a:t>
-                      </a:r>
-                      <a:endParaRPr lang="en-PH" sz="1100" b="0" i="0" u="none" strike="noStrike" dirty="0">
-                        <a:solidFill>
-                          <a:srgbClr val="000000"/>
-                        </a:solidFill>
-                        <a:effectLst/>
-                        <a:latin typeface="Calibri" panose="020F0502020204030204" pitchFamily="34" charset="0"/>
-                      </a:endParaRPr>
-                    </a:p>
-                  </a:txBody>
-                  <a:tcPr marL="9525" marR="9525" marT="9525" marB="0" anchor="b"/>
-                </a:tc>
-                <a:extLst>
-                  <a:ext uri="{0D108BD9-81ED-4DB2-BD59-A6C34878D82A}">
-                    <a16:rowId xmlns:a16="http://schemas.microsoft.com/office/drawing/2014/main" val="4051400856"/>
-                  </a:ext>
-                </a:extLst>
-              </a:tr>
-              <a:tr h="190500">
-                <a:tc>
-                  <a:txBody>
-                    <a:bodyPr/>
-                    <a:lstStyle/>
-                    <a:p>
-                      <a:pPr algn="l" fontAlgn="b"/>
-                      <a:r>
-                        <a:rPr lang="en-PH" sz="1100" u="none" strike="noStrike">
-                          <a:effectLst/>
-                        </a:rPr>
-                        <a:t>Marketing</a:t>
-                      </a:r>
-                      <a:endParaRPr lang="en-PH" sz="1100" b="0" i="0" u="none" strike="noStrike">
-                        <a:solidFill>
-                          <a:srgbClr val="000000"/>
-                        </a:solidFill>
-                        <a:effectLst/>
-                        <a:latin typeface="Calibri" panose="020F0502020204030204" pitchFamily="34" charset="0"/>
-                      </a:endParaRPr>
-                    </a:p>
-                  </a:txBody>
-                  <a:tcPr marL="9525" marR="9525" marT="9525" marB="0" anchor="b"/>
-                </a:tc>
-                <a:tc>
-                  <a:txBody>
-                    <a:bodyPr/>
-                    <a:lstStyle/>
-                    <a:p>
-                      <a:pPr algn="ctr" fontAlgn="ctr"/>
-                      <a:r>
-                        <a:rPr lang="en-PH" sz="1100" u="none" strike="noStrike">
-                          <a:effectLst/>
-                        </a:rPr>
-                        <a:t>₱20,000</a:t>
-                      </a:r>
-                      <a:endParaRPr lang="en-PH" sz="1100" b="0" i="0" u="none" strike="noStrike">
-                        <a:solidFill>
-                          <a:srgbClr val="000000"/>
-                        </a:solidFill>
-                        <a:effectLst/>
-                        <a:latin typeface="Calibri" panose="020F0502020204030204" pitchFamily="34" charset="0"/>
-                      </a:endParaRPr>
-                    </a:p>
-                  </a:txBody>
-                  <a:tcPr marL="9525" marR="9525" marT="9525" marB="0" anchor="ctr"/>
-                </a:tc>
-                <a:tc>
-                  <a:txBody>
-                    <a:bodyPr/>
-                    <a:lstStyle/>
-                    <a:p>
-                      <a:pPr algn="ctr" fontAlgn="b"/>
-                      <a:r>
-                        <a:rPr lang="en-PH" sz="1100" u="none" strike="noStrike">
-                          <a:effectLst/>
-                        </a:rPr>
-                        <a:t>18</a:t>
-                      </a:r>
-                      <a:endParaRPr lang="en-PH" sz="1100" b="0" i="0" u="none" strike="noStrike">
-                        <a:solidFill>
-                          <a:srgbClr val="000000"/>
-                        </a:solidFill>
-                        <a:effectLst/>
-                        <a:latin typeface="Calibri" panose="020F0502020204030204" pitchFamily="34" charset="0"/>
-                      </a:endParaRPr>
-                    </a:p>
-                  </a:txBody>
-                  <a:tcPr marL="9525" marR="9525" marT="9525" marB="0" anchor="b"/>
-                </a:tc>
-                <a:tc>
-                  <a:txBody>
-                    <a:bodyPr/>
-                    <a:lstStyle/>
-                    <a:p>
-                      <a:pPr algn="ctr" fontAlgn="b"/>
-                      <a:r>
-                        <a:rPr lang="en-PH" sz="1100" u="none" strike="noStrike">
-                          <a:effectLst/>
-                        </a:rPr>
-                        <a:t>₱360,000</a:t>
-                      </a:r>
-                      <a:endParaRPr lang="en-PH" sz="1100" b="0" i="0" u="none" strike="noStrike">
-                        <a:solidFill>
-                          <a:srgbClr val="000000"/>
-                        </a:solidFill>
-                        <a:effectLst/>
-                        <a:latin typeface="Calibri" panose="020F0502020204030204" pitchFamily="34" charset="0"/>
-                      </a:endParaRPr>
-                    </a:p>
-                  </a:txBody>
-                  <a:tcPr marL="9525" marR="9525" marT="9525" marB="0" anchor="b"/>
-                </a:tc>
-                <a:extLst>
-                  <a:ext uri="{0D108BD9-81ED-4DB2-BD59-A6C34878D82A}">
-                    <a16:rowId xmlns:a16="http://schemas.microsoft.com/office/drawing/2014/main" val="1281090943"/>
-                  </a:ext>
-                </a:extLst>
-              </a:tr>
-              <a:tr h="190500">
-                <a:tc>
-                  <a:txBody>
-                    <a:bodyPr/>
-                    <a:lstStyle/>
-                    <a:p>
-                      <a:pPr algn="l" fontAlgn="b"/>
-                      <a:endParaRPr lang="en-PH" sz="1100" b="0" i="0" u="none" strike="noStrike">
-                        <a:solidFill>
-                          <a:srgbClr val="000000"/>
-                        </a:solidFill>
-                        <a:effectLst/>
-                        <a:latin typeface="Calibri" panose="020F0502020204030204" pitchFamily="34" charset="0"/>
-                      </a:endParaRPr>
-                    </a:p>
-                  </a:txBody>
-                  <a:tcPr marL="9525" marR="9525" marT="9525" marB="0" anchor="b"/>
-                </a:tc>
-                <a:tc>
-                  <a:txBody>
-                    <a:bodyPr/>
-                    <a:lstStyle/>
-                    <a:p>
-                      <a:pPr algn="l" fontAlgn="b"/>
-                      <a:endParaRPr lang="en-PH" sz="1100" b="0" i="0" u="none" strike="noStrike">
-                        <a:solidFill>
-                          <a:srgbClr val="000000"/>
-                        </a:solidFill>
-                        <a:effectLst/>
-                        <a:latin typeface="Calibri" panose="020F0502020204030204" pitchFamily="34" charset="0"/>
-                      </a:endParaRPr>
-                    </a:p>
-                  </a:txBody>
-                  <a:tcPr marL="9525" marR="9525" marT="9525" marB="0" anchor="b"/>
-                </a:tc>
-                <a:tc>
-                  <a:txBody>
-                    <a:bodyPr/>
-                    <a:lstStyle/>
-                    <a:p>
-                      <a:pPr algn="l" fontAlgn="b"/>
-                      <a:endParaRPr lang="en-PH" sz="1100" b="0" i="0" u="none" strike="noStrike">
-                        <a:solidFill>
-                          <a:srgbClr val="000000"/>
-                        </a:solidFill>
-                        <a:effectLst/>
-                        <a:latin typeface="Calibri" panose="020F0502020204030204" pitchFamily="34" charset="0"/>
-                      </a:endParaRPr>
-                    </a:p>
-                  </a:txBody>
-                  <a:tcPr marL="9525" marR="9525" marT="9525" marB="0" anchor="b"/>
-                </a:tc>
-                <a:tc>
-                  <a:txBody>
-                    <a:bodyPr/>
-                    <a:lstStyle/>
-                    <a:p>
-                      <a:pPr algn="ctr" fontAlgn="b"/>
-                      <a:r>
-                        <a:rPr lang="en-PH" sz="1100" u="none" strike="noStrike" dirty="0">
-                          <a:effectLst/>
-                        </a:rPr>
-                        <a:t>₱540,000</a:t>
-                      </a:r>
-                      <a:endParaRPr lang="en-PH" sz="1100" b="1" i="0" u="none" strike="noStrike" dirty="0">
-                        <a:solidFill>
-                          <a:srgbClr val="FA7D00"/>
-                        </a:solidFill>
-                        <a:effectLst/>
-                        <a:latin typeface="Calibri" panose="020F0502020204030204" pitchFamily="34" charset="0"/>
-                      </a:endParaRPr>
-                    </a:p>
-                  </a:txBody>
-                  <a:tcPr marL="9525" marR="9525" marT="9525" marB="0" anchor="b"/>
-                </a:tc>
-                <a:extLst>
-                  <a:ext uri="{0D108BD9-81ED-4DB2-BD59-A6C34878D82A}">
-                    <a16:rowId xmlns:a16="http://schemas.microsoft.com/office/drawing/2014/main" val="4007918301"/>
-                  </a:ext>
-                </a:extLst>
-              </a:tr>
-            </a:tbl>
-          </a:graphicData>
-        </a:graphic>
-      </p:graphicFrame>
-      <p:graphicFrame>
-        <p:nvGraphicFramePr>
-          <p:cNvPr id="3" name="Table 2"/>
-          <p:cNvGraphicFramePr>
-            <a:graphicFrameLocks noGrp="1"/>
-          </p:cNvGraphicFramePr>
-          <p:nvPr>
-            <p:extLst>
-              <p:ext uri="{D42A27DB-BD31-4B8C-83A1-F6EECF244321}">
-                <p14:modId xmlns:p14="http://schemas.microsoft.com/office/powerpoint/2010/main" val="153232980"/>
-              </p:ext>
-            </p:extLst>
-          </p:nvPr>
-        </p:nvGraphicFramePr>
-        <p:xfrm>
-          <a:off x="467544" y="5527402"/>
-          <a:ext cx="3759200" cy="381000"/>
-        </p:xfrm>
-        <a:graphic>
-          <a:graphicData uri="http://schemas.openxmlformats.org/drawingml/2006/table">
-            <a:tbl>
-              <a:tblPr>
-                <a:tableStyleId>{B301B821-A1FF-4177-AEE7-76D212191A09}</a:tableStyleId>
-              </a:tblPr>
-              <a:tblGrid>
-                <a:gridCol w="2579097">
-                  <a:extLst>
-                    <a:ext uri="{9D8B030D-6E8A-4147-A177-3AD203B41FA5}">
-                      <a16:colId xmlns:a16="http://schemas.microsoft.com/office/drawing/2014/main" val="1006029942"/>
-                    </a:ext>
-                  </a:extLst>
-                </a:gridCol>
-                <a:gridCol w="1180103">
-                  <a:extLst>
-                    <a:ext uri="{9D8B030D-6E8A-4147-A177-3AD203B41FA5}">
-                      <a16:colId xmlns:a16="http://schemas.microsoft.com/office/drawing/2014/main" val="2224279971"/>
-                    </a:ext>
-                  </a:extLst>
-                </a:gridCol>
-              </a:tblGrid>
-              <a:tr h="190500">
-                <a:tc>
-                  <a:txBody>
-                    <a:bodyPr/>
-                    <a:lstStyle/>
-                    <a:p>
-                      <a:pPr algn="l" fontAlgn="b"/>
-                      <a:r>
-                        <a:rPr lang="en-PH" sz="1100" u="none" strike="noStrike" dirty="0">
-                          <a:effectLst/>
-                        </a:rPr>
-                        <a:t>Contingency Cost</a:t>
-                      </a:r>
-                      <a:endParaRPr lang="en-PH" sz="1100" b="1" i="0" u="none" strike="noStrike" dirty="0">
-                        <a:solidFill>
-                          <a:srgbClr val="000000"/>
-                        </a:solidFill>
-                        <a:effectLst/>
-                        <a:latin typeface="Calibri" panose="020F0502020204030204" pitchFamily="34" charset="0"/>
-                      </a:endParaRPr>
-                    </a:p>
-                  </a:txBody>
-                  <a:tcPr marL="9525" marR="9525" marT="9525" marB="0" anchor="b"/>
-                </a:tc>
-                <a:tc>
-                  <a:txBody>
-                    <a:bodyPr/>
-                    <a:lstStyle/>
-                    <a:p>
-                      <a:pPr algn="r" fontAlgn="b"/>
-                      <a:r>
-                        <a:rPr lang="en-PH" sz="1100" u="none" strike="noStrike" dirty="0">
-                          <a:effectLst/>
-                        </a:rPr>
-                        <a:t>₱53,236.52</a:t>
-                      </a:r>
-                      <a:endParaRPr lang="en-PH" sz="1100" b="1" i="0" u="none" strike="noStrike" dirty="0">
-                        <a:solidFill>
-                          <a:srgbClr val="FA7D00"/>
-                        </a:solidFill>
-                        <a:effectLst/>
-                        <a:latin typeface="Calibri" panose="020F0502020204030204" pitchFamily="34" charset="0"/>
-                      </a:endParaRPr>
-                    </a:p>
-                  </a:txBody>
-                  <a:tcPr marL="9525" marR="9525" marT="9525" marB="0" anchor="b"/>
-                </a:tc>
-                <a:extLst>
-                  <a:ext uri="{0D108BD9-81ED-4DB2-BD59-A6C34878D82A}">
-                    <a16:rowId xmlns:a16="http://schemas.microsoft.com/office/drawing/2014/main" val="3429289717"/>
-                  </a:ext>
-                </a:extLst>
-              </a:tr>
-              <a:tr h="190500">
-                <a:tc>
-                  <a:txBody>
-                    <a:bodyPr/>
-                    <a:lstStyle/>
-                    <a:p>
-                      <a:pPr algn="l" fontAlgn="b"/>
-                      <a:r>
-                        <a:rPr lang="en-PH" sz="1100" u="none" strike="noStrike">
-                          <a:effectLst/>
-                        </a:rPr>
-                        <a:t>Overall Total</a:t>
-                      </a:r>
-                      <a:endParaRPr lang="en-PH" sz="1100" b="1" i="0" u="none" strike="noStrike">
-                        <a:solidFill>
-                          <a:srgbClr val="000000"/>
-                        </a:solidFill>
-                        <a:effectLst/>
-                        <a:latin typeface="Calibri" panose="020F0502020204030204" pitchFamily="34" charset="0"/>
-                      </a:endParaRPr>
-                    </a:p>
-                  </a:txBody>
-                  <a:tcPr marL="9525" marR="9525" marT="9525" marB="0" anchor="b"/>
-                </a:tc>
-                <a:tc>
-                  <a:txBody>
-                    <a:bodyPr/>
-                    <a:lstStyle/>
-                    <a:p>
-                      <a:pPr algn="r" fontAlgn="b"/>
-                      <a:r>
-                        <a:rPr lang="en-PH" sz="1100" u="none" strike="noStrike" dirty="0">
-                          <a:effectLst/>
-                        </a:rPr>
-                        <a:t>₱2,367,787.20</a:t>
-                      </a:r>
-                      <a:endParaRPr lang="en-PH" sz="1100" b="1" i="0" u="none" strike="noStrike" dirty="0">
-                        <a:solidFill>
-                          <a:srgbClr val="FA7D00"/>
-                        </a:solidFill>
-                        <a:effectLst/>
-                        <a:latin typeface="Calibri" panose="020F0502020204030204" pitchFamily="34" charset="0"/>
-                      </a:endParaRPr>
-                    </a:p>
-                  </a:txBody>
-                  <a:tcPr marL="9525" marR="9525" marT="9525" marB="0" anchor="b"/>
-                </a:tc>
-                <a:extLst>
-                  <a:ext uri="{0D108BD9-81ED-4DB2-BD59-A6C34878D82A}">
-                    <a16:rowId xmlns:a16="http://schemas.microsoft.com/office/drawing/2014/main" val="2405503429"/>
-                  </a:ext>
-                </a:extLst>
-              </a:tr>
-            </a:tbl>
+          <a:graphicData uri="http://schemas.openxmlformats.org/drawingml/2006/diagram">
+            <dgm:relIds xmlns:dgm="http://schemas.openxmlformats.org/drawingml/2006/diagram" xmlns:r="http://schemas.openxmlformats.org/officeDocument/2006/relationships" r:dm="rId2" r:lo="rId3" r:qs="rId4" r:cs="rId5"/>
           </a:graphicData>
         </a:graphic>
       </p:graphicFrame>
     </p:spTree>
     <p:extLst>
       <p:ext uri="{BB962C8B-B14F-4D97-AF65-F5344CB8AC3E}">
-        <p14:creationId xmlns:p14="http://schemas.microsoft.com/office/powerpoint/2010/main" val="4159881383"/>
+        <p14:creationId xmlns:p14="http://schemas.microsoft.com/office/powerpoint/2010/main" val="3914691018"/>
       </p:ext>
     </p:extLst>
   </p:cSld>
@@ -23853,7 +21089,7 @@
 </p:sld>
 </file>
 
-<file path=ppt/slides/slide18.xml><?xml version="1.0" encoding="utf-8"?>
+<file path=ppt/slides/slide19.xml><?xml version="1.0" encoding="utf-8"?>
 <p:sld xmlns:a="http://schemas.openxmlformats.org/drawingml/2006/main" xmlns:r="http://schemas.openxmlformats.org/officeDocument/2006/relationships" xmlns:p="http://schemas.openxmlformats.org/presentationml/2006/main">
   <p:cSld>
     <p:spTree>
@@ -23913,7 +21149,81 @@
 </p:sld>
 </file>
 
-<file path=ppt/slides/slide19.xml><?xml version="1.0" encoding="utf-8"?>
+<file path=ppt/slides/slide2.xml><?xml version="1.0" encoding="utf-8"?>
+<p:sld xmlns:a="http://schemas.openxmlformats.org/drawingml/2006/main" xmlns:r="http://schemas.openxmlformats.org/officeDocument/2006/relationships" xmlns:p="http://schemas.openxmlformats.org/presentationml/2006/main">
+  <p:cSld>
+    <p:spTree>
+      <p:nvGrpSpPr>
+        <p:cNvPr id="1" name=""/>
+        <p:cNvGrpSpPr/>
+        <p:nvPr/>
+      </p:nvGrpSpPr>
+      <p:grpSpPr>
+        <a:xfrm>
+          <a:off x="0" y="0"/>
+          <a:ext cx="0" cy="0"/>
+          <a:chOff x="0" y="0"/>
+          <a:chExt cx="0" cy="0"/>
+        </a:xfrm>
+      </p:grpSpPr>
+      <p:sp>
+        <p:nvSpPr>
+          <p:cNvPr id="2" name="Rectangle 2"/>
+          <p:cNvSpPr>
+            <a:spLocks noGrp="1"/>
+          </p:cNvSpPr>
+          <p:nvPr>
+            <p:ph type="title"/>
+          </p:nvPr>
+        </p:nvSpPr>
+        <p:spPr/>
+        <p:txBody>
+          <a:bodyPr>
+            <a:normAutofit/>
+          </a:bodyPr>
+          <a:lstStyle/>
+          <a:p>
+            <a:r>
+              <a:rPr lang="en-US" sz="4500" dirty="0"/>
+              <a:t>Overview</a:t>
+            </a:r>
+          </a:p>
+        </p:txBody>
+      </p:sp>
+      <p:graphicFrame>
+        <p:nvGraphicFramePr>
+          <p:cNvPr id="5" name="Content Placeholder 4"/>
+          <p:cNvGraphicFramePr>
+            <a:graphicFrameLocks noGrp="1"/>
+          </p:cNvGraphicFramePr>
+          <p:nvPr>
+            <p:ph idx="1"/>
+            <p:extLst>
+              <p:ext uri="{D42A27DB-BD31-4B8C-83A1-F6EECF244321}">
+                <p14:modId xmlns:p14="http://schemas.microsoft.com/office/powerpoint/2010/main" val="2285186012"/>
+              </p:ext>
+            </p:extLst>
+          </p:nvPr>
+        </p:nvGraphicFramePr>
+        <p:xfrm>
+          <a:off x="503238" y="530225"/>
+          <a:ext cx="8183562" cy="4187825"/>
+        </p:xfrm>
+        <a:graphic>
+          <a:graphicData uri="http://schemas.openxmlformats.org/drawingml/2006/diagram">
+            <dgm:relIds xmlns:dgm="http://schemas.openxmlformats.org/drawingml/2006/diagram" xmlns:r="http://schemas.openxmlformats.org/officeDocument/2006/relationships" r:dm="rId3" r:lo="rId4" r:qs="rId5" r:cs="rId6"/>
+          </a:graphicData>
+        </a:graphic>
+      </p:graphicFrame>
+    </p:spTree>
+  </p:cSld>
+  <p:clrMapOvr>
+    <a:masterClrMapping/>
+  </p:clrMapOvr>
+</p:sld>
+</file>
+
+<file path=ppt/slides/slide20.xml><?xml version="1.0" encoding="utf-8"?>
 <p:sld xmlns:a="http://schemas.openxmlformats.org/drawingml/2006/main" xmlns:r="http://schemas.openxmlformats.org/officeDocument/2006/relationships" xmlns:p="http://schemas.openxmlformats.org/presentationml/2006/main">
   <p:cSld>
     <p:spTree>
@@ -24025,81 +21335,7 @@
 </p:sld>
 </file>
 
-<file path=ppt/slides/slide2.xml><?xml version="1.0" encoding="utf-8"?>
-<p:sld xmlns:a="http://schemas.openxmlformats.org/drawingml/2006/main" xmlns:r="http://schemas.openxmlformats.org/officeDocument/2006/relationships" xmlns:p="http://schemas.openxmlformats.org/presentationml/2006/main">
-  <p:cSld>
-    <p:spTree>
-      <p:nvGrpSpPr>
-        <p:cNvPr id="1" name=""/>
-        <p:cNvGrpSpPr/>
-        <p:nvPr/>
-      </p:nvGrpSpPr>
-      <p:grpSpPr>
-        <a:xfrm>
-          <a:off x="0" y="0"/>
-          <a:ext cx="0" cy="0"/>
-          <a:chOff x="0" y="0"/>
-          <a:chExt cx="0" cy="0"/>
-        </a:xfrm>
-      </p:grpSpPr>
-      <p:sp>
-        <p:nvSpPr>
-          <p:cNvPr id="2" name="Rectangle 2"/>
-          <p:cNvSpPr>
-            <a:spLocks noGrp="1"/>
-          </p:cNvSpPr>
-          <p:nvPr>
-            <p:ph type="title"/>
-          </p:nvPr>
-        </p:nvSpPr>
-        <p:spPr/>
-        <p:txBody>
-          <a:bodyPr>
-            <a:normAutofit/>
-          </a:bodyPr>
-          <a:lstStyle/>
-          <a:p>
-            <a:r>
-              <a:rPr lang="en-US" sz="4500" dirty="0"/>
-              <a:t>Overview</a:t>
-            </a:r>
-          </a:p>
-        </p:txBody>
-      </p:sp>
-      <p:graphicFrame>
-        <p:nvGraphicFramePr>
-          <p:cNvPr id="5" name="Content Placeholder 4"/>
-          <p:cNvGraphicFramePr>
-            <a:graphicFrameLocks noGrp="1"/>
-          </p:cNvGraphicFramePr>
-          <p:nvPr>
-            <p:ph idx="1"/>
-            <p:extLst>
-              <p:ext uri="{D42A27DB-BD31-4B8C-83A1-F6EECF244321}">
-                <p14:modId xmlns:p14="http://schemas.microsoft.com/office/powerpoint/2010/main" val="2285186012"/>
-              </p:ext>
-            </p:extLst>
-          </p:nvPr>
-        </p:nvGraphicFramePr>
-        <p:xfrm>
-          <a:off x="503238" y="530225"/>
-          <a:ext cx="8183562" cy="4187825"/>
-        </p:xfrm>
-        <a:graphic>
-          <a:graphicData uri="http://schemas.openxmlformats.org/drawingml/2006/diagram">
-            <dgm:relIds xmlns:dgm="http://schemas.openxmlformats.org/drawingml/2006/diagram" xmlns:r="http://schemas.openxmlformats.org/officeDocument/2006/relationships" r:dm="rId3" r:lo="rId4" r:qs="rId5" r:cs="rId6"/>
-          </a:graphicData>
-        </a:graphic>
-      </p:graphicFrame>
-    </p:spTree>
-  </p:cSld>
-  <p:clrMapOvr>
-    <a:masterClrMapping/>
-  </p:clrMapOvr>
-</p:sld>
-</file>
-
-<file path=ppt/slides/slide20.xml><?xml version="1.0" encoding="utf-8"?>
+<file path=ppt/slides/slide21.xml><?xml version="1.0" encoding="utf-8"?>
 <p:sld xmlns:a="http://schemas.openxmlformats.org/drawingml/2006/main" xmlns:r="http://schemas.openxmlformats.org/officeDocument/2006/relationships" xmlns:p="http://schemas.openxmlformats.org/presentationml/2006/main" show="0">
   <p:cSld>
     <p:spTree>
@@ -24159,7 +21395,7 @@
 </p:sld>
 </file>
 
-<file path=ppt/slides/slide21.xml><?xml version="1.0" encoding="utf-8"?>
+<file path=ppt/slides/slide22.xml><?xml version="1.0" encoding="utf-8"?>
 <p:sld xmlns:a="http://schemas.openxmlformats.org/drawingml/2006/main" xmlns:r="http://schemas.openxmlformats.org/officeDocument/2006/relationships" xmlns:p="http://schemas.openxmlformats.org/presentationml/2006/main" show="0">
   <p:cSld>
     <p:spTree>
@@ -24220,7 +21456,7 @@
 </p:sld>
 </file>
 
-<file path=ppt/slides/slide22.xml><?xml version="1.0" encoding="utf-8"?>
+<file path=ppt/slides/slide23.xml><?xml version="1.0" encoding="utf-8"?>
 <p:sld xmlns:a="http://schemas.openxmlformats.org/drawingml/2006/main" xmlns:r="http://schemas.openxmlformats.org/officeDocument/2006/relationships" xmlns:p="http://schemas.openxmlformats.org/presentationml/2006/main" show="0">
   <p:cSld>
     <p:spTree>
@@ -24308,7 +21544,7 @@
 </p:sld>
 </file>
 
-<file path=ppt/slides/slide23.xml><?xml version="1.0" encoding="utf-8"?>
+<file path=ppt/slides/slide24.xml><?xml version="1.0" encoding="utf-8"?>
 <p:sld xmlns:a="http://schemas.openxmlformats.org/drawingml/2006/main" xmlns:r="http://schemas.openxmlformats.org/officeDocument/2006/relationships" xmlns:p="http://schemas.openxmlformats.org/presentationml/2006/main" show="0">
   <p:cSld>
     <p:spTree>
@@ -24398,7 +21634,7 @@
 </p:sld>
 </file>
 
-<file path=ppt/slides/slide24.xml><?xml version="1.0" encoding="utf-8"?>
+<file path=ppt/slides/slide25.xml><?xml version="1.0" encoding="utf-8"?>
 <p:sld xmlns:a="http://schemas.openxmlformats.org/drawingml/2006/main" xmlns:r="http://schemas.openxmlformats.org/officeDocument/2006/relationships" xmlns:p="http://schemas.openxmlformats.org/presentationml/2006/main" show="0">
   <p:cSld>
     <p:spTree>
@@ -24488,7 +21724,7 @@
 </p:sld>
 </file>
 
-<file path=ppt/slides/slide25.xml><?xml version="1.0" encoding="utf-8"?>
+<file path=ppt/slides/slide26.xml><?xml version="1.0" encoding="utf-8"?>
 <p:sld xmlns:a="http://schemas.openxmlformats.org/drawingml/2006/main" xmlns:r="http://schemas.openxmlformats.org/officeDocument/2006/relationships" xmlns:p="http://schemas.openxmlformats.org/presentationml/2006/main" show="0">
   <p:cSld>
     <p:spTree>
@@ -24549,7 +21785,7 @@
 </p:sld>
 </file>
 
-<file path=ppt/slides/slide26.xml><?xml version="1.0" encoding="utf-8"?>
+<file path=ppt/slides/slide27.xml><?xml version="1.0" encoding="utf-8"?>
 <p:sld xmlns:a="http://schemas.openxmlformats.org/drawingml/2006/main" xmlns:r="http://schemas.openxmlformats.org/officeDocument/2006/relationships" xmlns:p="http://schemas.openxmlformats.org/presentationml/2006/main" show="0">
   <p:cSld>
     <p:spTree>
@@ -24639,7 +21875,7 @@
 </p:sld>
 </file>
 
-<file path=ppt/slides/slide27.xml><?xml version="1.0" encoding="utf-8"?>
+<file path=ppt/slides/slide28.xml><?xml version="1.0" encoding="utf-8"?>
 <p:sld xmlns:a="http://schemas.openxmlformats.org/drawingml/2006/main" xmlns:r="http://schemas.openxmlformats.org/officeDocument/2006/relationships" xmlns:p="http://schemas.openxmlformats.org/presentationml/2006/main" show="0">
   <p:cSld>
     <p:spTree>
@@ -24729,7 +21965,7 @@
 </p:sld>
 </file>
 
-<file path=ppt/slides/slide28.xml><?xml version="1.0" encoding="utf-8"?>
+<file path=ppt/slides/slide29.xml><?xml version="1.0" encoding="utf-8"?>
 <p:sld xmlns:a="http://schemas.openxmlformats.org/drawingml/2006/main" xmlns:r="http://schemas.openxmlformats.org/officeDocument/2006/relationships" xmlns:p="http://schemas.openxmlformats.org/presentationml/2006/main" show="0">
   <p:cSld>
     <p:spTree>
@@ -24819,7 +22055,67 @@
 </p:sld>
 </file>
 
-<file path=ppt/slides/slide29.xml><?xml version="1.0" encoding="utf-8"?>
+<file path=ppt/slides/slide3.xml><?xml version="1.0" encoding="utf-8"?>
+<p:sld xmlns:a="http://schemas.openxmlformats.org/drawingml/2006/main" xmlns:r="http://schemas.openxmlformats.org/officeDocument/2006/relationships" xmlns:p="http://schemas.openxmlformats.org/presentationml/2006/main">
+  <p:cSld>
+    <p:spTree>
+      <p:nvGrpSpPr>
+        <p:cNvPr id="1" name=""/>
+        <p:cNvGrpSpPr/>
+        <p:nvPr/>
+      </p:nvGrpSpPr>
+      <p:grpSpPr>
+        <a:xfrm>
+          <a:off x="0" y="0"/>
+          <a:ext cx="0" cy="0"/>
+          <a:chOff x="0" y="0"/>
+          <a:chExt cx="0" cy="0"/>
+        </a:xfrm>
+      </p:grpSpPr>
+      <p:sp>
+        <p:nvSpPr>
+          <p:cNvPr id="2" name="Title 1"/>
+          <p:cNvSpPr>
+            <a:spLocks noGrp="1"/>
+          </p:cNvSpPr>
+          <p:nvPr>
+            <p:ph type="title"/>
+          </p:nvPr>
+        </p:nvSpPr>
+        <p:spPr>
+          <a:xfrm>
+            <a:off x="502920" y="2903220"/>
+            <a:ext cx="8183880" cy="1051560"/>
+          </a:xfrm>
+        </p:spPr>
+        <p:txBody>
+          <a:bodyPr anchor="ctr">
+            <a:normAutofit/>
+          </a:bodyPr>
+          <a:lstStyle/>
+          <a:p>
+            <a:r>
+              <a:rPr lang="en-US" sz="5300" dirty="0"/>
+              <a:t>Lean Canvas</a:t>
+            </a:r>
+            <a:endParaRPr lang="en-PH" sz="5300" dirty="0"/>
+          </a:p>
+        </p:txBody>
+      </p:sp>
+    </p:spTree>
+    <p:extLst>
+      <p:ext uri="{BB962C8B-B14F-4D97-AF65-F5344CB8AC3E}">
+        <p14:creationId xmlns:p14="http://schemas.microsoft.com/office/powerpoint/2010/main" val="715577245"/>
+      </p:ext>
+    </p:extLst>
+  </p:cSld>
+  <p:clrMapOvr>
+    <a:masterClrMapping/>
+  </p:clrMapOvr>
+</p:sld>
+</file>
+
+<file path=ppt/slides/slide30.xml><?xml version="1.0" encoding="utf-8"?>
 <p:sld xmlns:a="http://schemas.openxmlformats.org/drawingml/2006/main" xmlns:r="http://schemas.openxmlformats.org/officeDocument/2006/relationships" xmlns:p="http://schemas.openxmlformats.org/presentationml/2006/main" show="0">
   <p:cSld>
     <p:spTree>
@@ -24936,67 +22232,7 @@
 </p:sld>
 </file>
 
-<file path=ppt/slides/slide3.xml><?xml version="1.0" encoding="utf-8"?>
-<p:sld xmlns:a="http://schemas.openxmlformats.org/drawingml/2006/main" xmlns:r="http://schemas.openxmlformats.org/officeDocument/2006/relationships" xmlns:p="http://schemas.openxmlformats.org/presentationml/2006/main">
-  <p:cSld>
-    <p:spTree>
-      <p:nvGrpSpPr>
-        <p:cNvPr id="1" name=""/>
-        <p:cNvGrpSpPr/>
-        <p:nvPr/>
-      </p:nvGrpSpPr>
-      <p:grpSpPr>
-        <a:xfrm>
-          <a:off x="0" y="0"/>
-          <a:ext cx="0" cy="0"/>
-          <a:chOff x="0" y="0"/>
-          <a:chExt cx="0" cy="0"/>
-        </a:xfrm>
-      </p:grpSpPr>
-      <p:sp>
-        <p:nvSpPr>
-          <p:cNvPr id="2" name="Title 1"/>
-          <p:cNvSpPr>
-            <a:spLocks noGrp="1"/>
-          </p:cNvSpPr>
-          <p:nvPr>
-            <p:ph type="title"/>
-          </p:nvPr>
-        </p:nvSpPr>
-        <p:spPr>
-          <a:xfrm>
-            <a:off x="502920" y="2903220"/>
-            <a:ext cx="8183880" cy="1051560"/>
-          </a:xfrm>
-        </p:spPr>
-        <p:txBody>
-          <a:bodyPr anchor="ctr">
-            <a:normAutofit/>
-          </a:bodyPr>
-          <a:lstStyle/>
-          <a:p>
-            <a:r>
-              <a:rPr lang="en-US" sz="5300" dirty="0"/>
-              <a:t>Lean Canvas</a:t>
-            </a:r>
-            <a:endParaRPr lang="en-PH" sz="5300" dirty="0"/>
-          </a:p>
-        </p:txBody>
-      </p:sp>
-    </p:spTree>
-    <p:extLst>
-      <p:ext uri="{BB962C8B-B14F-4D97-AF65-F5344CB8AC3E}">
-        <p14:creationId xmlns:p14="http://schemas.microsoft.com/office/powerpoint/2010/main" val="715577245"/>
-      </p:ext>
-    </p:extLst>
-  </p:cSld>
-  <p:clrMapOvr>
-    <a:masterClrMapping/>
-  </p:clrMapOvr>
-</p:sld>
-</file>
-
-<file path=ppt/slides/slide30.xml><?xml version="1.0" encoding="utf-8"?>
+<file path=ppt/slides/slide31.xml><?xml version="1.0" encoding="utf-8"?>
 <p:sld xmlns:a="http://schemas.openxmlformats.org/drawingml/2006/main" xmlns:r="http://schemas.openxmlformats.org/officeDocument/2006/relationships" xmlns:p="http://schemas.openxmlformats.org/presentationml/2006/main" show="0">
   <p:cSld>
     <p:spTree>

--- a/Presentation/PPT/Presentation 4.pptx
+++ b/Presentation/PPT/Presentation 4.pptx
@@ -5,10 +5,10 @@
     <p:sldMasterId id="2147483664" r:id="rId2"/>
   </p:sldMasterIdLst>
   <p:notesMasterIdLst>
-    <p:notesMasterId r:id="rId34"/>
+    <p:notesMasterId r:id="rId36"/>
   </p:notesMasterIdLst>
   <p:handoutMasterIdLst>
-    <p:handoutMasterId r:id="rId35"/>
+    <p:handoutMasterId r:id="rId37"/>
   </p:handoutMasterIdLst>
   <p:sldIdLst>
     <p:sldId id="256" r:id="rId3"/>
@@ -28,20 +28,22 @@
     <p:sldId id="272" r:id="rId17"/>
     <p:sldId id="294" r:id="rId18"/>
     <p:sldId id="296" r:id="rId19"/>
-    <p:sldId id="295" r:id="rId20"/>
-    <p:sldId id="273" r:id="rId21"/>
-    <p:sldId id="293" r:id="rId22"/>
-    <p:sldId id="274" r:id="rId23"/>
-    <p:sldId id="275" r:id="rId24"/>
-    <p:sldId id="284" r:id="rId25"/>
-    <p:sldId id="283" r:id="rId26"/>
-    <p:sldId id="285" r:id="rId27"/>
-    <p:sldId id="280" r:id="rId28"/>
-    <p:sldId id="286" r:id="rId29"/>
-    <p:sldId id="287" r:id="rId30"/>
-    <p:sldId id="288" r:id="rId31"/>
-    <p:sldId id="289" r:id="rId32"/>
-    <p:sldId id="290" r:id="rId33"/>
+    <p:sldId id="297" r:id="rId20"/>
+    <p:sldId id="298" r:id="rId21"/>
+    <p:sldId id="295" r:id="rId22"/>
+    <p:sldId id="273" r:id="rId23"/>
+    <p:sldId id="293" r:id="rId24"/>
+    <p:sldId id="274" r:id="rId25"/>
+    <p:sldId id="275" r:id="rId26"/>
+    <p:sldId id="284" r:id="rId27"/>
+    <p:sldId id="283" r:id="rId28"/>
+    <p:sldId id="285" r:id="rId29"/>
+    <p:sldId id="280" r:id="rId30"/>
+    <p:sldId id="286" r:id="rId31"/>
+    <p:sldId id="287" r:id="rId32"/>
+    <p:sldId id="288" r:id="rId33"/>
+    <p:sldId id="289" r:id="rId34"/>
+    <p:sldId id="290" r:id="rId35"/>
   </p:sldIdLst>
   <p:sldSz cx="9144000" cy="6858000" type="screen4x3"/>
   <p:notesSz cx="6997700" cy="9283700"/>
@@ -16480,7 +16482,7 @@
             <a:fld id="{3739F75B-3842-4986-B379-A25F65D2E2D9}" type="datetimeFigureOut">
               <a:rPr lang="en-US" smtClean="0"/>
               <a:pPr/>
-              <a:t>9/5/2017</a:t>
+              <a:t>9/7/2017</a:t>
             </a:fld>
             <a:endParaRPr lang="en-US"/>
           </a:p>
@@ -16626,7 +16628,7 @@
             <a:fld id="{866387FC-CCBE-45D6-8023-B2729909DF51}" type="datetimeFigureOut">
               <a:rPr lang="en-US" smtClean="0"/>
               <a:pPr/>
-              <a:t>9/5/2017</a:t>
+              <a:t>9/7/2017</a:t>
             </a:fld>
             <a:endParaRPr lang="en-US"/>
           </a:p>
@@ -16956,7 +16958,7 @@
             <a:fld id="{866387FC-CCBE-45D6-8023-B2729909DF51}" type="datetimeFigureOut">
               <a:rPr lang="en-US" smtClean="0"/>
               <a:pPr/>
-              <a:t>9/5/2017</a:t>
+              <a:t>9/7/2017</a:t>
             </a:fld>
             <a:endParaRPr lang="en-US"/>
           </a:p>
@@ -17105,7 +17107,7 @@
             <a:fld id="{866387FC-CCBE-45D6-8023-B2729909DF51}" type="datetimeFigureOut">
               <a:rPr lang="en-US" smtClean="0"/>
               <a:pPr/>
-              <a:t>9/5/2017</a:t>
+              <a:t>9/7/2017</a:t>
             </a:fld>
             <a:endParaRPr lang="en-US"/>
           </a:p>
@@ -17254,7 +17256,7 @@
             <a:fld id="{866387FC-CCBE-45D6-8023-B2729909DF51}" type="datetimeFigureOut">
               <a:rPr lang="en-US" smtClean="0"/>
               <a:pPr/>
-              <a:t>9/5/2017</a:t>
+              <a:t>9/7/2017</a:t>
             </a:fld>
             <a:endParaRPr lang="en-US"/>
           </a:p>
@@ -17411,7 +17413,7 @@
             <a:fld id="{866387FC-CCBE-45D6-8023-B2729909DF51}" type="datetimeFigureOut">
               <a:rPr lang="en-US" smtClean="0"/>
               <a:pPr/>
-              <a:t>9/5/2017</a:t>
+              <a:t>9/7/2017</a:t>
             </a:fld>
             <a:endParaRPr lang="en-US"/>
           </a:p>
@@ -17565,7 +17567,7 @@
             <a:fld id="{866387FC-CCBE-45D6-8023-B2729909DF51}" type="datetimeFigureOut">
               <a:rPr lang="en-US" smtClean="0"/>
               <a:pPr/>
-              <a:t>9/5/2017</a:t>
+              <a:t>9/7/2017</a:t>
             </a:fld>
             <a:endParaRPr lang="en-US"/>
           </a:p>
@@ -17719,7 +17721,7 @@
             <a:fld id="{866387FC-CCBE-45D6-8023-B2729909DF51}" type="datetimeFigureOut">
               <a:rPr lang="en-US" smtClean="0"/>
               <a:pPr/>
-              <a:t>9/5/2017</a:t>
+              <a:t>9/7/2017</a:t>
             </a:fld>
             <a:endParaRPr lang="en-US"/>
           </a:p>
@@ -18177,7 +18179,7 @@
             <a:fld id="{633EFA78-DE0E-433D-8CFA-D9FBF0D95DCD}" type="datetime1">
               <a:rPr lang="en-US" smtClean="0"/>
               <a:pPr/>
-              <a:t>9/5/2017</a:t>
+              <a:t>9/7/2017</a:t>
             </a:fld>
             <a:endParaRPr lang="en-US"/>
           </a:p>
@@ -18354,7 +18356,7 @@
             <a:fld id="{4427F9C6-20A9-45D8-B666-D95AD1AA535F}" type="datetime1">
               <a:rPr lang="en-US" smtClean="0"/>
               <a:pPr/>
-              <a:t>9/5/2017</a:t>
+              <a:t>9/7/2017</a:t>
             </a:fld>
             <a:endParaRPr lang="en-US"/>
           </a:p>
@@ -18469,7 +18471,7 @@
             <a:fld id="{5AFB2161-9FCA-498A-A51E-7B90071250E8}" type="datetime1">
               <a:rPr lang="en-US" smtClean="0"/>
               <a:pPr/>
-              <a:t>9/5/2017</a:t>
+              <a:t>9/7/2017</a:t>
             </a:fld>
             <a:endParaRPr lang="en-US"/>
           </a:p>
@@ -18721,7 +18723,7 @@
             <a:fld id="{9F5395AF-258B-4502-92DF-E211AA281B41}" type="datetime1">
               <a:rPr lang="en-US" smtClean="0"/>
               <a:pPr/>
-              <a:t>9/5/2017</a:t>
+              <a:t>9/7/2017</a:t>
             </a:fld>
             <a:endParaRPr lang="en-US"/>
           </a:p>
@@ -18950,7 +18952,7 @@
             <a:fld id="{A1099F1B-DCEB-4336-9EB0-63F5002A04E3}" type="datetimeFigureOut">
               <a:rPr lang="en-US" smtClean="0"/>
               <a:pPr/>
-              <a:t>9/5/2017</a:t>
+              <a:t>9/7/2017</a:t>
             </a:fld>
             <a:endParaRPr lang="en-US"/>
           </a:p>
@@ -19117,7 +19119,7 @@
             <a:fld id="{A1099F1B-DCEB-4336-9EB0-63F5002A04E3}" type="datetimeFigureOut">
               <a:rPr lang="en-US" smtClean="0"/>
               <a:pPr/>
-              <a:t>9/5/2017</a:t>
+              <a:t>9/7/2017</a:t>
             </a:fld>
             <a:endParaRPr lang="en-US"/>
           </a:p>
@@ -19346,7 +19348,7 @@
             <a:fld id="{A1099F1B-DCEB-4336-9EB0-63F5002A04E3}" type="datetimeFigureOut">
               <a:rPr lang="en-US" smtClean="0"/>
               <a:pPr/>
-              <a:t>9/5/2017</a:t>
+              <a:t>9/7/2017</a:t>
             </a:fld>
             <a:endParaRPr lang="en-US"/>
           </a:p>
@@ -19787,7 +19789,7 @@
             <a:fld id="{1BC102A9-C1B1-4354-89E4-F43472216A4F}" type="datetime1">
               <a:rPr lang="en-US" smtClean="0"/>
               <a:pPr algn="r"/>
-              <a:t>9/5/2017</a:t>
+              <a:t>9/7/2017</a:t>
             </a:fld>
             <a:endParaRPr lang="en-US" sz="1000" dirty="0">
               <a:solidFill>
@@ -20903,7 +20905,7 @@
       </p:grpSpPr>
       <p:pic>
         <p:nvPicPr>
-          <p:cNvPr id="9" name="Picture 8"/>
+          <p:cNvPr id="3" name="Picture 2"/>
           <p:cNvPicPr>
             <a:picLocks noChangeAspect="1"/>
           </p:cNvPicPr>
@@ -20923,8 +20925,8 @@
         </p:blipFill>
         <p:spPr>
           <a:xfrm>
-            <a:off x="1471180" y="476673"/>
-            <a:ext cx="6201640" cy="5400600"/>
+            <a:off x="1104416" y="476673"/>
+            <a:ext cx="6935168" cy="5400600"/>
           </a:xfrm>
           <a:prstGeom prst="rect">
             <a:avLst/>
@@ -20963,7 +20965,7 @@
       </p:grpSpPr>
       <p:pic>
         <p:nvPicPr>
-          <p:cNvPr id="3" name="Picture 2"/>
+          <p:cNvPr id="4" name="Picture 3"/>
           <p:cNvPicPr>
             <a:picLocks noChangeAspect="1"/>
           </p:cNvPicPr>
@@ -20983,38 +20985,8 @@
         </p:blipFill>
         <p:spPr>
           <a:xfrm>
-            <a:off x="467544" y="1182003"/>
-            <a:ext cx="5904656" cy="3183101"/>
-          </a:xfrm>
-          <a:prstGeom prst="rect">
-            <a:avLst/>
-          </a:prstGeom>
-        </p:spPr>
-      </p:pic>
-      <p:pic>
-        <p:nvPicPr>
-          <p:cNvPr id="5" name="Picture 4"/>
-          <p:cNvPicPr>
-            <a:picLocks noChangeAspect="1"/>
-          </p:cNvPicPr>
-          <p:nvPr/>
-        </p:nvPicPr>
-        <p:blipFill>
-          <a:blip r:embed="rId3">
-            <a:extLst>
-              <a:ext uri="{28A0092B-C50C-407E-A947-70E740481C1C}">
-                <a14:useLocalDpi xmlns:a14="http://schemas.microsoft.com/office/drawing/2010/main" val="0"/>
-              </a:ext>
-            </a:extLst>
-          </a:blip>
-          <a:stretch>
-            <a:fillRect/>
-          </a:stretch>
-        </p:blipFill>
-        <p:spPr>
-          <a:xfrm>
-            <a:off x="3059832" y="4509120"/>
-            <a:ext cx="5668166" cy="648072"/>
+            <a:off x="1104416" y="476672"/>
+            <a:ext cx="6935168" cy="5400600"/>
           </a:xfrm>
           <a:prstGeom prst="rect">
             <a:avLst/>
@@ -21051,35 +21023,40 @@
           <a:chExt cx="0" cy="0"/>
         </a:xfrm>
       </p:grpSpPr>
-      <p:graphicFrame>
-        <p:nvGraphicFramePr>
-          <p:cNvPr id="4" name="Content Placeholder 3"/>
-          <p:cNvGraphicFramePr>
-            <a:graphicFrameLocks noGrp="1"/>
-          </p:cNvGraphicFramePr>
-          <p:nvPr>
-            <p:ph idx="1"/>
-            <p:extLst>
-              <p:ext uri="{D42A27DB-BD31-4B8C-83A1-F6EECF244321}">
-                <p14:modId xmlns:p14="http://schemas.microsoft.com/office/powerpoint/2010/main" val="429898103"/>
-              </p:ext>
-            </p:extLst>
-          </p:nvPr>
-        </p:nvGraphicFramePr>
-        <p:xfrm>
-          <a:off x="467544" y="476672"/>
-          <a:ext cx="8208912" cy="5688632"/>
-        </p:xfrm>
-        <a:graphic>
-          <a:graphicData uri="http://schemas.openxmlformats.org/drawingml/2006/diagram">
-            <dgm:relIds xmlns:dgm="http://schemas.openxmlformats.org/drawingml/2006/diagram" xmlns:r="http://schemas.openxmlformats.org/officeDocument/2006/relationships" r:dm="rId2" r:lo="rId3" r:qs="rId4" r:cs="rId5"/>
-          </a:graphicData>
-        </a:graphic>
-      </p:graphicFrame>
+      <p:pic>
+        <p:nvPicPr>
+          <p:cNvPr id="3" name="Picture 2"/>
+          <p:cNvPicPr>
+            <a:picLocks noChangeAspect="1"/>
+          </p:cNvPicPr>
+          <p:nvPr/>
+        </p:nvPicPr>
+        <p:blipFill>
+          <a:blip r:embed="rId2">
+            <a:extLst>
+              <a:ext uri="{28A0092B-C50C-407E-A947-70E740481C1C}">
+                <a14:useLocalDpi xmlns:a14="http://schemas.microsoft.com/office/drawing/2010/main" val="0"/>
+              </a:ext>
+            </a:extLst>
+          </a:blip>
+          <a:stretch>
+            <a:fillRect/>
+          </a:stretch>
+        </p:blipFill>
+        <p:spPr>
+          <a:xfrm>
+            <a:off x="1185390" y="476673"/>
+            <a:ext cx="6773220" cy="5400600"/>
+          </a:xfrm>
+          <a:prstGeom prst="rect">
+            <a:avLst/>
+          </a:prstGeom>
+        </p:spPr>
+      </p:pic>
     </p:spTree>
     <p:extLst>
       <p:ext uri="{BB962C8B-B14F-4D97-AF65-F5344CB8AC3E}">
-        <p14:creationId xmlns:p14="http://schemas.microsoft.com/office/powerpoint/2010/main" val="3914691018"/>
+        <p14:creationId xmlns:p14="http://schemas.microsoft.com/office/powerpoint/2010/main" val="2272692925"/>
       </p:ext>
     </p:extLst>
   </p:cSld>
@@ -21106,40 +21083,40 @@
           <a:chExt cx="0" cy="0"/>
         </a:xfrm>
       </p:grpSpPr>
-      <p:sp>
-        <p:nvSpPr>
-          <p:cNvPr id="2" name="Title 1"/>
-          <p:cNvSpPr>
-            <a:spLocks noGrp="1"/>
-          </p:cNvSpPr>
-          <p:nvPr>
-            <p:ph type="title"/>
-          </p:nvPr>
-        </p:nvSpPr>
+      <p:pic>
+        <p:nvPicPr>
+          <p:cNvPr id="4" name="Picture 3"/>
+          <p:cNvPicPr>
+            <a:picLocks noChangeAspect="1"/>
+          </p:cNvPicPr>
+          <p:nvPr/>
+        </p:nvPicPr>
+        <p:blipFill>
+          <a:blip r:embed="rId2">
+            <a:extLst>
+              <a:ext uri="{28A0092B-C50C-407E-A947-70E740481C1C}">
+                <a14:useLocalDpi xmlns:a14="http://schemas.microsoft.com/office/drawing/2010/main" val="0"/>
+              </a:ext>
+            </a:extLst>
+          </a:blip>
+          <a:stretch>
+            <a:fillRect/>
+          </a:stretch>
+        </p:blipFill>
         <p:spPr>
           <a:xfrm>
-            <a:off x="502920" y="2903220"/>
-            <a:ext cx="8183880" cy="1051560"/>
+            <a:off x="1655676" y="2928167"/>
+            <a:ext cx="5832648" cy="1001667"/>
           </a:xfrm>
+          <a:prstGeom prst="rect">
+            <a:avLst/>
+          </a:prstGeom>
         </p:spPr>
-        <p:txBody>
-          <a:bodyPr anchor="ctr">
-            <a:normAutofit/>
-          </a:bodyPr>
-          <a:lstStyle/>
-          <a:p>
-            <a:r>
-              <a:rPr lang="en-US" sz="5300" dirty="0"/>
-              <a:t>Revenue Projection</a:t>
-            </a:r>
-            <a:endParaRPr lang="en-PH" sz="5300" dirty="0"/>
-          </a:p>
-        </p:txBody>
-      </p:sp>
+      </p:pic>
     </p:spTree>
     <p:extLst>
       <p:ext uri="{BB962C8B-B14F-4D97-AF65-F5344CB8AC3E}">
-        <p14:creationId xmlns:p14="http://schemas.microsoft.com/office/powerpoint/2010/main" val="2988315640"/>
+        <p14:creationId xmlns:p14="http://schemas.microsoft.com/office/powerpoint/2010/main" val="806524837"/>
       </p:ext>
     </p:extLst>
   </p:cSld>
@@ -21240,88 +21217,151 @@
           <a:chExt cx="0" cy="0"/>
         </a:xfrm>
       </p:grpSpPr>
+      <p:graphicFrame>
+        <p:nvGraphicFramePr>
+          <p:cNvPr id="4" name="Content Placeholder 3"/>
+          <p:cNvGraphicFramePr>
+            <a:graphicFrameLocks noGrp="1"/>
+          </p:cNvGraphicFramePr>
+          <p:nvPr>
+            <p:ph idx="1"/>
+            <p:extLst>
+              <p:ext uri="{D42A27DB-BD31-4B8C-83A1-F6EECF244321}">
+                <p14:modId xmlns:p14="http://schemas.microsoft.com/office/powerpoint/2010/main" val="429898103"/>
+              </p:ext>
+            </p:extLst>
+          </p:nvPr>
+        </p:nvGraphicFramePr>
+        <p:xfrm>
+          <a:off x="467544" y="476672"/>
+          <a:ext cx="8208912" cy="5688632"/>
+        </p:xfrm>
+        <a:graphic>
+          <a:graphicData uri="http://schemas.openxmlformats.org/drawingml/2006/diagram">
+            <dgm:relIds xmlns:dgm="http://schemas.openxmlformats.org/drawingml/2006/diagram" xmlns:r="http://schemas.openxmlformats.org/officeDocument/2006/relationships" r:dm="rId2" r:lo="rId3" r:qs="rId4" r:cs="rId5"/>
+          </a:graphicData>
+        </a:graphic>
+      </p:graphicFrame>
+    </p:spTree>
+    <p:extLst>
+      <p:ext uri="{BB962C8B-B14F-4D97-AF65-F5344CB8AC3E}">
+        <p14:creationId xmlns:p14="http://schemas.microsoft.com/office/powerpoint/2010/main" val="3914691018"/>
+      </p:ext>
+    </p:extLst>
+  </p:cSld>
+  <p:clrMapOvr>
+    <a:masterClrMapping/>
+  </p:clrMapOvr>
+</p:sld>
+</file>
+
+<file path=ppt/slides/slide21.xml><?xml version="1.0" encoding="utf-8"?>
+<p:sld xmlns:a="http://schemas.openxmlformats.org/drawingml/2006/main" xmlns:r="http://schemas.openxmlformats.org/officeDocument/2006/relationships" xmlns:p="http://schemas.openxmlformats.org/presentationml/2006/main">
+  <p:cSld>
+    <p:spTree>
+      <p:nvGrpSpPr>
+        <p:cNvPr id="1" name=""/>
+        <p:cNvGrpSpPr/>
+        <p:nvPr/>
+      </p:nvGrpSpPr>
+      <p:grpSpPr>
+        <a:xfrm>
+          <a:off x="0" y="0"/>
+          <a:ext cx="0" cy="0"/>
+          <a:chOff x="0" y="0"/>
+          <a:chExt cx="0" cy="0"/>
+        </a:xfrm>
+      </p:grpSpPr>
       <p:sp>
         <p:nvSpPr>
-          <p:cNvPr id="3" name="Content Placeholder 2"/>
+          <p:cNvPr id="2" name="Title 1"/>
           <p:cNvSpPr>
             <a:spLocks noGrp="1"/>
           </p:cNvSpPr>
           <p:nvPr>
-            <p:ph idx="1"/>
+            <p:ph type="title"/>
           </p:nvPr>
         </p:nvSpPr>
         <p:spPr>
           <a:xfrm>
-            <a:off x="480060" y="1052736"/>
-            <a:ext cx="8183880" cy="4032448"/>
+            <a:off x="502920" y="2903220"/>
+            <a:ext cx="8183880" cy="1051560"/>
           </a:xfrm>
         </p:spPr>
         <p:txBody>
-          <a:bodyPr>
-            <a:noAutofit/>
+          <a:bodyPr anchor="ctr">
+            <a:normAutofit/>
           </a:bodyPr>
           <a:lstStyle/>
           <a:p>
-            <a:pPr marL="0" indent="0" algn="ctr">
-              <a:buNone/>
-            </a:pPr>
             <a:r>
-              <a:rPr lang="en-US" sz="3500" b="1" dirty="0"/>
-              <a:t>GOAL</a:t>
+              <a:rPr lang="en-US" sz="5300" dirty="0"/>
+              <a:t>Revenue Projection</a:t>
             </a:r>
-          </a:p>
-          <a:p>
-            <a:pPr marL="0" indent="0" algn="ctr">
-              <a:buNone/>
-            </a:pPr>
-            <a:endParaRPr lang="en-US" sz="3000" b="1" dirty="0"/>
-          </a:p>
-          <a:p>
-            <a:pPr marL="0" indent="0" algn="ctr">
-              <a:buNone/>
-            </a:pPr>
-            <a:r>
-              <a:rPr lang="en-PH" sz="3000" dirty="0"/>
-              <a:t>₱1,774,550.68 in sales within 548 days</a:t>
-            </a:r>
-          </a:p>
-          <a:p>
-            <a:pPr marL="0" indent="0" algn="ctr">
-              <a:buNone/>
-            </a:pPr>
-            <a:endParaRPr lang="en-PH" sz="3000" dirty="0"/>
-          </a:p>
-          <a:p>
-            <a:pPr marL="0" indent="0" algn="ctr">
-              <a:buNone/>
-            </a:pPr>
-            <a:r>
-              <a:rPr lang="en-US" sz="3000" dirty="0"/>
-              <a:t>That’s 33 downloads at </a:t>
-            </a:r>
-            <a:r>
-              <a:rPr lang="en-PH" sz="3000" dirty="0"/>
-              <a:t>₱100 each</a:t>
-            </a:r>
-          </a:p>
-          <a:p>
-            <a:pPr marL="0" indent="0" algn="ctr">
-              <a:buNone/>
-            </a:pPr>
-            <a:endParaRPr lang="en-PH" sz="3000" dirty="0"/>
-          </a:p>
-          <a:p>
-            <a:pPr marL="0" indent="0" algn="ctr">
-              <a:buNone/>
-            </a:pPr>
-            <a:r>
-              <a:rPr lang="en-US" sz="3000" dirty="0"/>
-              <a:t>The conversion rate is 2.35%, there will be 1,378 users a day</a:t>
-            </a:r>
-            <a:endParaRPr lang="en-PH" sz="3000" dirty="0"/>
+            <a:endParaRPr lang="en-PH" sz="5300" dirty="0"/>
           </a:p>
         </p:txBody>
       </p:sp>
+    </p:spTree>
+    <p:extLst>
+      <p:ext uri="{BB962C8B-B14F-4D97-AF65-F5344CB8AC3E}">
+        <p14:creationId xmlns:p14="http://schemas.microsoft.com/office/powerpoint/2010/main" val="2988315640"/>
+      </p:ext>
+    </p:extLst>
+  </p:cSld>
+  <p:clrMapOvr>
+    <a:masterClrMapping/>
+  </p:clrMapOvr>
+</p:sld>
+</file>
+
+<file path=ppt/slides/slide22.xml><?xml version="1.0" encoding="utf-8"?>
+<p:sld xmlns:a="http://schemas.openxmlformats.org/drawingml/2006/main" xmlns:r="http://schemas.openxmlformats.org/officeDocument/2006/relationships" xmlns:p="http://schemas.openxmlformats.org/presentationml/2006/main">
+  <p:cSld>
+    <p:spTree>
+      <p:nvGrpSpPr>
+        <p:cNvPr id="1" name=""/>
+        <p:cNvGrpSpPr/>
+        <p:nvPr/>
+      </p:nvGrpSpPr>
+      <p:grpSpPr>
+        <a:xfrm>
+          <a:off x="0" y="0"/>
+          <a:ext cx="0" cy="0"/>
+          <a:chOff x="0" y="0"/>
+          <a:chExt cx="0" cy="0"/>
+        </a:xfrm>
+      </p:grpSpPr>
+      <p:pic>
+        <p:nvPicPr>
+          <p:cNvPr id="4" name="Picture 3"/>
+          <p:cNvPicPr>
+            <a:picLocks noChangeAspect="1"/>
+          </p:cNvPicPr>
+          <p:nvPr/>
+        </p:nvPicPr>
+        <p:blipFill>
+          <a:blip r:embed="rId2">
+            <a:extLst>
+              <a:ext uri="{28A0092B-C50C-407E-A947-70E740481C1C}">
+                <a14:useLocalDpi xmlns:a14="http://schemas.microsoft.com/office/drawing/2010/main" val="0"/>
+              </a:ext>
+            </a:extLst>
+          </a:blip>
+          <a:stretch>
+            <a:fillRect/>
+          </a:stretch>
+        </p:blipFill>
+        <p:spPr>
+          <a:xfrm>
+            <a:off x="1583668" y="476672"/>
+            <a:ext cx="5976664" cy="5400600"/>
+          </a:xfrm>
+          <a:prstGeom prst="rect">
+            <a:avLst/>
+          </a:prstGeom>
+        </p:spPr>
+      </p:pic>
     </p:spTree>
     <p:extLst>
       <p:ext uri="{BB962C8B-B14F-4D97-AF65-F5344CB8AC3E}">
@@ -21335,8 +21375,8 @@
 </p:sld>
 </file>
 
-<file path=ppt/slides/slide21.xml><?xml version="1.0" encoding="utf-8"?>
-<p:sld xmlns:a="http://schemas.openxmlformats.org/drawingml/2006/main" xmlns:r="http://schemas.openxmlformats.org/officeDocument/2006/relationships" xmlns:p="http://schemas.openxmlformats.org/presentationml/2006/main" show="0">
+<file path=ppt/slides/slide23.xml><?xml version="1.0" encoding="utf-8"?>
+<p:sld xmlns:a="http://schemas.openxmlformats.org/drawingml/2006/main" xmlns:r="http://schemas.openxmlformats.org/officeDocument/2006/relationships" xmlns:p="http://schemas.openxmlformats.org/presentationml/2006/main">
   <p:cSld>
     <p:spTree>
       <p:nvGrpSpPr>
@@ -21395,8 +21435,8 @@
 </p:sld>
 </file>
 
-<file path=ppt/slides/slide22.xml><?xml version="1.0" encoding="utf-8"?>
-<p:sld xmlns:a="http://schemas.openxmlformats.org/drawingml/2006/main" xmlns:r="http://schemas.openxmlformats.org/officeDocument/2006/relationships" xmlns:p="http://schemas.openxmlformats.org/presentationml/2006/main" show="0">
+<file path=ppt/slides/slide24.xml><?xml version="1.0" encoding="utf-8"?>
+<p:sld xmlns:a="http://schemas.openxmlformats.org/drawingml/2006/main" xmlns:r="http://schemas.openxmlformats.org/officeDocument/2006/relationships" xmlns:p="http://schemas.openxmlformats.org/presentationml/2006/main">
   <p:cSld>
     <p:spTree>
       <p:nvGrpSpPr>
@@ -21456,8 +21496,8 @@
 </p:sld>
 </file>
 
-<file path=ppt/slides/slide23.xml><?xml version="1.0" encoding="utf-8"?>
-<p:sld xmlns:a="http://schemas.openxmlformats.org/drawingml/2006/main" xmlns:r="http://schemas.openxmlformats.org/officeDocument/2006/relationships" xmlns:p="http://schemas.openxmlformats.org/presentationml/2006/main" show="0">
+<file path=ppt/slides/slide25.xml><?xml version="1.0" encoding="utf-8"?>
+<p:sld xmlns:a="http://schemas.openxmlformats.org/drawingml/2006/main" xmlns:r="http://schemas.openxmlformats.org/officeDocument/2006/relationships" xmlns:p="http://schemas.openxmlformats.org/presentationml/2006/main">
   <p:cSld>
     <p:spTree>
       <p:nvGrpSpPr>
@@ -21544,8 +21584,8 @@
 </p:sld>
 </file>
 
-<file path=ppt/slides/slide24.xml><?xml version="1.0" encoding="utf-8"?>
-<p:sld xmlns:a="http://schemas.openxmlformats.org/drawingml/2006/main" xmlns:r="http://schemas.openxmlformats.org/officeDocument/2006/relationships" xmlns:p="http://schemas.openxmlformats.org/presentationml/2006/main" show="0">
+<file path=ppt/slides/slide26.xml><?xml version="1.0" encoding="utf-8"?>
+<p:sld xmlns:a="http://schemas.openxmlformats.org/drawingml/2006/main" xmlns:r="http://schemas.openxmlformats.org/officeDocument/2006/relationships" xmlns:p="http://schemas.openxmlformats.org/presentationml/2006/main">
   <p:cSld>
     <p:spTree>
       <p:nvGrpSpPr>
@@ -21634,8 +21674,8 @@
 </p:sld>
 </file>
 
-<file path=ppt/slides/slide25.xml><?xml version="1.0" encoding="utf-8"?>
-<p:sld xmlns:a="http://schemas.openxmlformats.org/drawingml/2006/main" xmlns:r="http://schemas.openxmlformats.org/officeDocument/2006/relationships" xmlns:p="http://schemas.openxmlformats.org/presentationml/2006/main" show="0">
+<file path=ppt/slides/slide27.xml><?xml version="1.0" encoding="utf-8"?>
+<p:sld xmlns:a="http://schemas.openxmlformats.org/drawingml/2006/main" xmlns:r="http://schemas.openxmlformats.org/officeDocument/2006/relationships" xmlns:p="http://schemas.openxmlformats.org/presentationml/2006/main">
   <p:cSld>
     <p:spTree>
       <p:nvGrpSpPr>
@@ -21724,8 +21764,8 @@
 </p:sld>
 </file>
 
-<file path=ppt/slides/slide26.xml><?xml version="1.0" encoding="utf-8"?>
-<p:sld xmlns:a="http://schemas.openxmlformats.org/drawingml/2006/main" xmlns:r="http://schemas.openxmlformats.org/officeDocument/2006/relationships" xmlns:p="http://schemas.openxmlformats.org/presentationml/2006/main" show="0">
+<file path=ppt/slides/slide28.xml><?xml version="1.0" encoding="utf-8"?>
+<p:sld xmlns:a="http://schemas.openxmlformats.org/drawingml/2006/main" xmlns:r="http://schemas.openxmlformats.org/officeDocument/2006/relationships" xmlns:p="http://schemas.openxmlformats.org/presentationml/2006/main">
   <p:cSld>
     <p:spTree>
       <p:nvGrpSpPr>
@@ -21785,8 +21825,8 @@
 </p:sld>
 </file>
 
-<file path=ppt/slides/slide27.xml><?xml version="1.0" encoding="utf-8"?>
-<p:sld xmlns:a="http://schemas.openxmlformats.org/drawingml/2006/main" xmlns:r="http://schemas.openxmlformats.org/officeDocument/2006/relationships" xmlns:p="http://schemas.openxmlformats.org/presentationml/2006/main" show="0">
+<file path=ppt/slides/slide29.xml><?xml version="1.0" encoding="utf-8"?>
+<p:sld xmlns:a="http://schemas.openxmlformats.org/drawingml/2006/main" xmlns:r="http://schemas.openxmlformats.org/officeDocument/2006/relationships" xmlns:p="http://schemas.openxmlformats.org/presentationml/2006/main">
   <p:cSld>
     <p:spTree>
       <p:nvGrpSpPr>
@@ -21875,8 +21915,68 @@
 </p:sld>
 </file>
 
-<file path=ppt/slides/slide28.xml><?xml version="1.0" encoding="utf-8"?>
-<p:sld xmlns:a="http://schemas.openxmlformats.org/drawingml/2006/main" xmlns:r="http://schemas.openxmlformats.org/officeDocument/2006/relationships" xmlns:p="http://schemas.openxmlformats.org/presentationml/2006/main" show="0">
+<file path=ppt/slides/slide3.xml><?xml version="1.0" encoding="utf-8"?>
+<p:sld xmlns:a="http://schemas.openxmlformats.org/drawingml/2006/main" xmlns:r="http://schemas.openxmlformats.org/officeDocument/2006/relationships" xmlns:p="http://schemas.openxmlformats.org/presentationml/2006/main">
+  <p:cSld>
+    <p:spTree>
+      <p:nvGrpSpPr>
+        <p:cNvPr id="1" name=""/>
+        <p:cNvGrpSpPr/>
+        <p:nvPr/>
+      </p:nvGrpSpPr>
+      <p:grpSpPr>
+        <a:xfrm>
+          <a:off x="0" y="0"/>
+          <a:ext cx="0" cy="0"/>
+          <a:chOff x="0" y="0"/>
+          <a:chExt cx="0" cy="0"/>
+        </a:xfrm>
+      </p:grpSpPr>
+      <p:sp>
+        <p:nvSpPr>
+          <p:cNvPr id="2" name="Title 1"/>
+          <p:cNvSpPr>
+            <a:spLocks noGrp="1"/>
+          </p:cNvSpPr>
+          <p:nvPr>
+            <p:ph type="title"/>
+          </p:nvPr>
+        </p:nvSpPr>
+        <p:spPr>
+          <a:xfrm>
+            <a:off x="502920" y="2903220"/>
+            <a:ext cx="8183880" cy="1051560"/>
+          </a:xfrm>
+        </p:spPr>
+        <p:txBody>
+          <a:bodyPr anchor="ctr">
+            <a:normAutofit/>
+          </a:bodyPr>
+          <a:lstStyle/>
+          <a:p>
+            <a:r>
+              <a:rPr lang="en-US" sz="5300" dirty="0"/>
+              <a:t>Lean Canvas</a:t>
+            </a:r>
+            <a:endParaRPr lang="en-PH" sz="5300" dirty="0"/>
+          </a:p>
+        </p:txBody>
+      </p:sp>
+    </p:spTree>
+    <p:extLst>
+      <p:ext uri="{BB962C8B-B14F-4D97-AF65-F5344CB8AC3E}">
+        <p14:creationId xmlns:p14="http://schemas.microsoft.com/office/powerpoint/2010/main" val="715577245"/>
+      </p:ext>
+    </p:extLst>
+  </p:cSld>
+  <p:clrMapOvr>
+    <a:masterClrMapping/>
+  </p:clrMapOvr>
+</p:sld>
+</file>
+
+<file path=ppt/slides/slide30.xml><?xml version="1.0" encoding="utf-8"?>
+<p:sld xmlns:a="http://schemas.openxmlformats.org/drawingml/2006/main" xmlns:r="http://schemas.openxmlformats.org/officeDocument/2006/relationships" xmlns:p="http://schemas.openxmlformats.org/presentationml/2006/main">
   <p:cSld>
     <p:spTree>
       <p:nvGrpSpPr>
@@ -21965,8 +22065,8 @@
 </p:sld>
 </file>
 
-<file path=ppt/slides/slide29.xml><?xml version="1.0" encoding="utf-8"?>
-<p:sld xmlns:a="http://schemas.openxmlformats.org/drawingml/2006/main" xmlns:r="http://schemas.openxmlformats.org/officeDocument/2006/relationships" xmlns:p="http://schemas.openxmlformats.org/presentationml/2006/main" show="0">
+<file path=ppt/slides/slide31.xml><?xml version="1.0" encoding="utf-8"?>
+<p:sld xmlns:a="http://schemas.openxmlformats.org/drawingml/2006/main" xmlns:r="http://schemas.openxmlformats.org/officeDocument/2006/relationships" xmlns:p="http://schemas.openxmlformats.org/presentationml/2006/main">
   <p:cSld>
     <p:spTree>
       <p:nvGrpSpPr>
@@ -22055,68 +22155,8 @@
 </p:sld>
 </file>
 
-<file path=ppt/slides/slide3.xml><?xml version="1.0" encoding="utf-8"?>
+<file path=ppt/slides/slide32.xml><?xml version="1.0" encoding="utf-8"?>
 <p:sld xmlns:a="http://schemas.openxmlformats.org/drawingml/2006/main" xmlns:r="http://schemas.openxmlformats.org/officeDocument/2006/relationships" xmlns:p="http://schemas.openxmlformats.org/presentationml/2006/main">
-  <p:cSld>
-    <p:spTree>
-      <p:nvGrpSpPr>
-        <p:cNvPr id="1" name=""/>
-        <p:cNvGrpSpPr/>
-        <p:nvPr/>
-      </p:nvGrpSpPr>
-      <p:grpSpPr>
-        <a:xfrm>
-          <a:off x="0" y="0"/>
-          <a:ext cx="0" cy="0"/>
-          <a:chOff x="0" y="0"/>
-          <a:chExt cx="0" cy="0"/>
-        </a:xfrm>
-      </p:grpSpPr>
-      <p:sp>
-        <p:nvSpPr>
-          <p:cNvPr id="2" name="Title 1"/>
-          <p:cNvSpPr>
-            <a:spLocks noGrp="1"/>
-          </p:cNvSpPr>
-          <p:nvPr>
-            <p:ph type="title"/>
-          </p:nvPr>
-        </p:nvSpPr>
-        <p:spPr>
-          <a:xfrm>
-            <a:off x="502920" y="2903220"/>
-            <a:ext cx="8183880" cy="1051560"/>
-          </a:xfrm>
-        </p:spPr>
-        <p:txBody>
-          <a:bodyPr anchor="ctr">
-            <a:normAutofit/>
-          </a:bodyPr>
-          <a:lstStyle/>
-          <a:p>
-            <a:r>
-              <a:rPr lang="en-US" sz="5300" dirty="0"/>
-              <a:t>Lean Canvas</a:t>
-            </a:r>
-            <a:endParaRPr lang="en-PH" sz="5300" dirty="0"/>
-          </a:p>
-        </p:txBody>
-      </p:sp>
-    </p:spTree>
-    <p:extLst>
-      <p:ext uri="{BB962C8B-B14F-4D97-AF65-F5344CB8AC3E}">
-        <p14:creationId xmlns:p14="http://schemas.microsoft.com/office/powerpoint/2010/main" val="715577245"/>
-      </p:ext>
-    </p:extLst>
-  </p:cSld>
-  <p:clrMapOvr>
-    <a:masterClrMapping/>
-  </p:clrMapOvr>
-</p:sld>
-</file>
-
-<file path=ppt/slides/slide30.xml><?xml version="1.0" encoding="utf-8"?>
-<p:sld xmlns:a="http://schemas.openxmlformats.org/drawingml/2006/main" xmlns:r="http://schemas.openxmlformats.org/officeDocument/2006/relationships" xmlns:p="http://schemas.openxmlformats.org/presentationml/2006/main" show="0">
   <p:cSld>
     <p:spTree>
       <p:nvGrpSpPr>
@@ -22232,8 +22272,8 @@
 </p:sld>
 </file>
 
-<file path=ppt/slides/slide31.xml><?xml version="1.0" encoding="utf-8"?>
-<p:sld xmlns:a="http://schemas.openxmlformats.org/drawingml/2006/main" xmlns:r="http://schemas.openxmlformats.org/officeDocument/2006/relationships" xmlns:p="http://schemas.openxmlformats.org/presentationml/2006/main" show="0">
+<file path=ppt/slides/slide33.xml><?xml version="1.0" encoding="utf-8"?>
+<p:sld xmlns:a="http://schemas.openxmlformats.org/drawingml/2006/main" xmlns:r="http://schemas.openxmlformats.org/officeDocument/2006/relationships" xmlns:p="http://schemas.openxmlformats.org/presentationml/2006/main">
   <p:cSld>
     <p:spTree>
       <p:nvGrpSpPr>
@@ -22973,13 +23013,8 @@
             </a:pPr>
             <a:r>
               <a:rPr lang="en-US" sz="3000" dirty="0"/>
-              <a:t>Build self-confidence in talking to other people who speak </a:t>
+              <a:t>Build self-confidence in talking with other people who speak different dialects</a:t>
             </a:r>
-            <a:r>
-              <a:rPr lang="en-US" sz="3000"/>
-              <a:t>different dialect</a:t>
-            </a:r>
-            <a:endParaRPr lang="en-US" sz="3000" dirty="0"/>
           </a:p>
         </p:txBody>
       </p:sp>
